--- a/Google_app.pptx
+++ b/Google_app.pptx
@@ -5,7 +5,7 @@
     <p:sldMasterId id="2147483828" r:id="rId1"/>
   </p:sldMasterIdLst>
   <p:notesMasterIdLst>
-    <p:notesMasterId r:id="rId34"/>
+    <p:notesMasterId r:id="rId35"/>
   </p:notesMasterIdLst>
   <p:sldIdLst>
     <p:sldId id="264" r:id="rId2"/>
@@ -38,8 +38,9 @@
     <p:sldId id="293" r:id="rId29"/>
     <p:sldId id="295" r:id="rId30"/>
     <p:sldId id="301" r:id="rId31"/>
-    <p:sldId id="266" r:id="rId32"/>
-    <p:sldId id="297" r:id="rId33"/>
+    <p:sldId id="302" r:id="rId32"/>
+    <p:sldId id="266" r:id="rId33"/>
+    <p:sldId id="297" r:id="rId34"/>
   </p:sldIdLst>
   <p:sldSz cx="12192000" cy="6858000"/>
   <p:notesSz cx="6858000" cy="9144000"/>
@@ -173,6 +174,7 @@
             <p14:sldId id="293"/>
             <p14:sldId id="295"/>
             <p14:sldId id="301"/>
+            <p14:sldId id="302"/>
           </p14:sldIdLst>
         </p14:section>
         <p14:section name="Untitled Section" id="{D5E7D114-F798-48F5-838F-5360BB4C97C5}">
@@ -7382,7 +7384,7 @@
           <a:p>
             <a:fld id="{A654454B-D293-4F44-BDEA-FEDBCD5261A5}" type="datetimeFigureOut">
               <a:rPr lang="en-US" smtClean="0"/>
-              <a:t>5/6/2020</a:t>
+              <a:t>5/7/2020</a:t>
             </a:fld>
             <a:endParaRPr lang="en-US"/>
           </a:p>
@@ -7793,7 +7795,7 @@
           <a:noFill/>
           <a:extLst>
             <a:ext uri="{909E8E84-426E-40dd-AFC4-6F175D3DCCD1}">
-              <a14:hiddenFill xmlns="" xmlns:a14="http://schemas.microsoft.com/office/drawing/2010/main">
+              <a14:hiddenFill xmlns:a14="http://schemas.microsoft.com/office/drawing/2010/main" xmlns="">
                 <a:solidFill>
                   <a:srgbClr val="FFFFFF"/>
                 </a:solidFill>
@@ -7852,7 +7854,7 @@
             </a:ln>
             <a:extLst>
               <a:ext uri="{91240B29-F687-4f45-9708-019B960494DF}">
-                <a14:hiddenLine xmlns="" xmlns:a14="http://schemas.microsoft.com/office/drawing/2010/main" w="9525">
+                <a14:hiddenLine xmlns:a14="http://schemas.microsoft.com/office/drawing/2010/main" xmlns="" w="9525">
                   <a:solidFill>
                     <a:srgbClr val="000000"/>
                   </a:solidFill>
@@ -7942,7 +7944,7 @@
             </a:ln>
             <a:extLst>
               <a:ext uri="{91240B29-F687-4f45-9708-019B960494DF}">
-                <a14:hiddenLine xmlns="" xmlns:a14="http://schemas.microsoft.com/office/drawing/2010/main" w="9525">
+                <a14:hiddenLine xmlns:a14="http://schemas.microsoft.com/office/drawing/2010/main" xmlns="" w="9525">
                   <a:solidFill>
                     <a:srgbClr val="000000"/>
                   </a:solidFill>
@@ -8032,7 +8034,7 @@
             </a:ln>
             <a:extLst>
               <a:ext uri="{91240B29-F687-4f45-9708-019B960494DF}">
-                <a14:hiddenLine xmlns="" xmlns:a14="http://schemas.microsoft.com/office/drawing/2010/main" w="9525">
+                <a14:hiddenLine xmlns:a14="http://schemas.microsoft.com/office/drawing/2010/main" xmlns="" w="9525">
                   <a:solidFill>
                     <a:srgbClr val="000000"/>
                   </a:solidFill>
@@ -8066,7 +8068,7 @@
             </a:ln>
             <a:extLst>
               <a:ext uri="{91240B29-F687-4f45-9708-019B960494DF}">
-                <a14:hiddenLine xmlns="" xmlns:a14="http://schemas.microsoft.com/office/drawing/2010/main" w="9525">
+                <a14:hiddenLine xmlns:a14="http://schemas.microsoft.com/office/drawing/2010/main" xmlns="" w="9525">
                   <a:solidFill>
                     <a:srgbClr val="000000"/>
                   </a:solidFill>
@@ -8156,7 +8158,7 @@
             </a:ln>
             <a:extLst>
               <a:ext uri="{91240B29-F687-4f45-9708-019B960494DF}">
-                <a14:hiddenLine xmlns="" xmlns:a14="http://schemas.microsoft.com/office/drawing/2010/main" w="9525">
+                <a14:hiddenLine xmlns:a14="http://schemas.microsoft.com/office/drawing/2010/main" xmlns="" w="9525">
                   <a:solidFill>
                     <a:srgbClr val="000000"/>
                   </a:solidFill>
@@ -8218,7 +8220,7 @@
             </a:ln>
             <a:extLst>
               <a:ext uri="{91240B29-F687-4f45-9708-019B960494DF}">
-                <a14:hiddenLine xmlns="" xmlns:a14="http://schemas.microsoft.com/office/drawing/2010/main" w="9525">
+                <a14:hiddenLine xmlns:a14="http://schemas.microsoft.com/office/drawing/2010/main" xmlns="" w="9525">
                   <a:solidFill>
                     <a:srgbClr val="000000"/>
                   </a:solidFill>
@@ -8280,7 +8282,7 @@
             </a:ln>
             <a:extLst>
               <a:ext uri="{91240B29-F687-4f45-9708-019B960494DF}">
-                <a14:hiddenLine xmlns="" xmlns:a14="http://schemas.microsoft.com/office/drawing/2010/main" w="9525">
+                <a14:hiddenLine xmlns:a14="http://schemas.microsoft.com/office/drawing/2010/main" xmlns="" w="9525">
                   <a:solidFill>
                     <a:srgbClr val="000000"/>
                   </a:solidFill>
@@ -8370,7 +8372,7 @@
             </a:ln>
             <a:extLst>
               <a:ext uri="{91240B29-F687-4f45-9708-019B960494DF}">
-                <a14:hiddenLine xmlns="" xmlns:a14="http://schemas.microsoft.com/office/drawing/2010/main" w="9525">
+                <a14:hiddenLine xmlns:a14="http://schemas.microsoft.com/office/drawing/2010/main" xmlns="" w="9525">
                   <a:solidFill>
                     <a:srgbClr val="000000"/>
                   </a:solidFill>
@@ -8432,7 +8434,7 @@
             </a:ln>
             <a:extLst>
               <a:ext uri="{91240B29-F687-4f45-9708-019B960494DF}">
-                <a14:hiddenLine xmlns="" xmlns:a14="http://schemas.microsoft.com/office/drawing/2010/main" w="9525">
+                <a14:hiddenLine xmlns:a14="http://schemas.microsoft.com/office/drawing/2010/main" xmlns="" w="9525">
                   <a:solidFill>
                     <a:srgbClr val="000000"/>
                   </a:solidFill>
@@ -8494,7 +8496,7 @@
             </a:ln>
             <a:extLst>
               <a:ext uri="{91240B29-F687-4f45-9708-019B960494DF}">
-                <a14:hiddenLine xmlns="" xmlns:a14="http://schemas.microsoft.com/office/drawing/2010/main" w="9525">
+                <a14:hiddenLine xmlns:a14="http://schemas.microsoft.com/office/drawing/2010/main" xmlns="" w="9525">
                   <a:solidFill>
                     <a:srgbClr val="000000"/>
                   </a:solidFill>
@@ -8584,7 +8586,7 @@
             </a:ln>
             <a:extLst>
               <a:ext uri="{91240B29-F687-4f45-9708-019B960494DF}">
-                <a14:hiddenLine xmlns="" xmlns:a14="http://schemas.microsoft.com/office/drawing/2010/main" w="9525">
+                <a14:hiddenLine xmlns:a14="http://schemas.microsoft.com/office/drawing/2010/main" xmlns="" w="9525">
                   <a:solidFill>
                     <a:srgbClr val="000000"/>
                   </a:solidFill>
@@ -8674,7 +8676,7 @@
             </a:ln>
             <a:extLst>
               <a:ext uri="{91240B29-F687-4f45-9708-019B960494DF}">
-                <a14:hiddenLine xmlns="" xmlns:a14="http://schemas.microsoft.com/office/drawing/2010/main" w="9525">
+                <a14:hiddenLine xmlns:a14="http://schemas.microsoft.com/office/drawing/2010/main" xmlns="" w="9525">
                   <a:solidFill>
                     <a:srgbClr val="000000"/>
                   </a:solidFill>
@@ -8736,7 +8738,7 @@
             </a:ln>
             <a:extLst>
               <a:ext uri="{91240B29-F687-4f45-9708-019B960494DF}">
-                <a14:hiddenLine xmlns="" xmlns:a14="http://schemas.microsoft.com/office/drawing/2010/main" w="9525">
+                <a14:hiddenLine xmlns:a14="http://schemas.microsoft.com/office/drawing/2010/main" xmlns="" w="9525">
                   <a:solidFill>
                     <a:srgbClr val="000000"/>
                   </a:solidFill>
@@ -8846,7 +8848,7 @@
             </a:ln>
             <a:extLst>
               <a:ext uri="{91240B29-F687-4f45-9708-019B960494DF}">
-                <a14:hiddenLine xmlns="" xmlns:a14="http://schemas.microsoft.com/office/drawing/2010/main" w="9525">
+                <a14:hiddenLine xmlns:a14="http://schemas.microsoft.com/office/drawing/2010/main" xmlns="" w="9525">
                   <a:solidFill>
                     <a:srgbClr val="000000"/>
                   </a:solidFill>
@@ -8908,7 +8910,7 @@
             </a:ln>
             <a:extLst>
               <a:ext uri="{91240B29-F687-4f45-9708-019B960494DF}">
-                <a14:hiddenLine xmlns="" xmlns:a14="http://schemas.microsoft.com/office/drawing/2010/main" w="9525">
+                <a14:hiddenLine xmlns:a14="http://schemas.microsoft.com/office/drawing/2010/main" xmlns="" w="9525">
                   <a:solidFill>
                     <a:srgbClr val="000000"/>
                   </a:solidFill>
@@ -8998,7 +9000,7 @@
             </a:ln>
             <a:extLst>
               <a:ext uri="{91240B29-F687-4f45-9708-019B960494DF}">
-                <a14:hiddenLine xmlns="" xmlns:a14="http://schemas.microsoft.com/office/drawing/2010/main" w="9525">
+                <a14:hiddenLine xmlns:a14="http://schemas.microsoft.com/office/drawing/2010/main" xmlns="" w="9525">
                   <a:solidFill>
                     <a:srgbClr val="000000"/>
                   </a:solidFill>
@@ -9088,7 +9090,7 @@
             </a:ln>
             <a:extLst>
               <a:ext uri="{91240B29-F687-4f45-9708-019B960494DF}">
-                <a14:hiddenLine xmlns="" xmlns:a14="http://schemas.microsoft.com/office/drawing/2010/main" w="9525">
+                <a14:hiddenLine xmlns:a14="http://schemas.microsoft.com/office/drawing/2010/main" xmlns="" w="9525">
                   <a:solidFill>
                     <a:srgbClr val="000000"/>
                   </a:solidFill>
@@ -9150,7 +9152,7 @@
             </a:ln>
             <a:extLst>
               <a:ext uri="{91240B29-F687-4f45-9708-019B960494DF}">
-                <a14:hiddenLine xmlns="" xmlns:a14="http://schemas.microsoft.com/office/drawing/2010/main" w="9525">
+                <a14:hiddenLine xmlns:a14="http://schemas.microsoft.com/office/drawing/2010/main" xmlns="" w="9525">
                   <a:solidFill>
                     <a:srgbClr val="000000"/>
                   </a:solidFill>
@@ -9240,7 +9242,7 @@
             </a:ln>
             <a:extLst>
               <a:ext uri="{91240B29-F687-4f45-9708-019B960494DF}">
-                <a14:hiddenLine xmlns="" xmlns:a14="http://schemas.microsoft.com/office/drawing/2010/main" w="9525">
+                <a14:hiddenLine xmlns:a14="http://schemas.microsoft.com/office/drawing/2010/main" xmlns="" w="9525">
                   <a:solidFill>
                     <a:srgbClr val="000000"/>
                   </a:solidFill>
@@ -9330,7 +9332,7 @@
             </a:ln>
             <a:extLst>
               <a:ext uri="{91240B29-F687-4f45-9708-019B960494DF}">
-                <a14:hiddenLine xmlns="" xmlns:a14="http://schemas.microsoft.com/office/drawing/2010/main" w="9525">
+                <a14:hiddenLine xmlns:a14="http://schemas.microsoft.com/office/drawing/2010/main" xmlns="" w="9525">
                   <a:solidFill>
                     <a:srgbClr val="000000"/>
                   </a:solidFill>
@@ -9386,7 +9388,7 @@
             </a:ln>
             <a:extLst>
               <a:ext uri="{91240B29-F687-4f45-9708-019B960494DF}">
-                <a14:hiddenLine xmlns="" xmlns:a14="http://schemas.microsoft.com/office/drawing/2010/main" w="9525">
+                <a14:hiddenLine xmlns:a14="http://schemas.microsoft.com/office/drawing/2010/main" xmlns="" w="9525">
                   <a:solidFill>
                     <a:srgbClr val="000000"/>
                   </a:solidFill>
@@ -9476,7 +9478,7 @@
             </a:ln>
             <a:extLst>
               <a:ext uri="{91240B29-F687-4f45-9708-019B960494DF}">
-                <a14:hiddenLine xmlns="" xmlns:a14="http://schemas.microsoft.com/office/drawing/2010/main" w="9525">
+                <a14:hiddenLine xmlns:a14="http://schemas.microsoft.com/office/drawing/2010/main" xmlns="" w="9525">
                   <a:solidFill>
                     <a:srgbClr val="000000"/>
                   </a:solidFill>
@@ -9532,7 +9534,7 @@
             </a:ln>
             <a:extLst>
               <a:ext uri="{91240B29-F687-4f45-9708-019B960494DF}">
-                <a14:hiddenLine xmlns="" xmlns:a14="http://schemas.microsoft.com/office/drawing/2010/main" w="9525">
+                <a14:hiddenLine xmlns:a14="http://schemas.microsoft.com/office/drawing/2010/main" xmlns="" w="9525">
                   <a:solidFill>
                     <a:srgbClr val="000000"/>
                   </a:solidFill>
@@ -9622,7 +9624,7 @@
             </a:ln>
             <a:extLst>
               <a:ext uri="{91240B29-F687-4f45-9708-019B960494DF}">
-                <a14:hiddenLine xmlns="" xmlns:a14="http://schemas.microsoft.com/office/drawing/2010/main" w="9525">
+                <a14:hiddenLine xmlns:a14="http://schemas.microsoft.com/office/drawing/2010/main" xmlns="" w="9525">
                   <a:solidFill>
                     <a:srgbClr val="000000"/>
                   </a:solidFill>
@@ -9690,7 +9692,7 @@
             </a:ln>
             <a:extLst>
               <a:ext uri="{91240B29-F687-4f45-9708-019B960494DF}">
-                <a14:hiddenLine xmlns="" xmlns:a14="http://schemas.microsoft.com/office/drawing/2010/main" w="9525">
+                <a14:hiddenLine xmlns:a14="http://schemas.microsoft.com/office/drawing/2010/main" xmlns="" w="9525">
                   <a:solidFill>
                     <a:srgbClr val="000000"/>
                   </a:solidFill>
@@ -9780,7 +9782,7 @@
             </a:ln>
             <a:extLst>
               <a:ext uri="{91240B29-F687-4f45-9708-019B960494DF}">
-                <a14:hiddenLine xmlns="" xmlns:a14="http://schemas.microsoft.com/office/drawing/2010/main" w="9525">
+                <a14:hiddenLine xmlns:a14="http://schemas.microsoft.com/office/drawing/2010/main" xmlns="" w="9525">
                   <a:solidFill>
                     <a:srgbClr val="000000"/>
                   </a:solidFill>
@@ -9848,7 +9850,7 @@
             </a:ln>
             <a:extLst>
               <a:ext uri="{91240B29-F687-4f45-9708-019B960494DF}">
-                <a14:hiddenLine xmlns="" xmlns:a14="http://schemas.microsoft.com/office/drawing/2010/main" w="9525">
+                <a14:hiddenLine xmlns:a14="http://schemas.microsoft.com/office/drawing/2010/main" xmlns="" w="9525">
                   <a:solidFill>
                     <a:srgbClr val="000000"/>
                   </a:solidFill>
@@ -9938,7 +9940,7 @@
             </a:ln>
             <a:extLst>
               <a:ext uri="{91240B29-F687-4f45-9708-019B960494DF}">
-                <a14:hiddenLine xmlns="" xmlns:a14="http://schemas.microsoft.com/office/drawing/2010/main" w="9525">
+                <a14:hiddenLine xmlns:a14="http://schemas.microsoft.com/office/drawing/2010/main" xmlns="" w="9525">
                   <a:solidFill>
                     <a:srgbClr val="000000"/>
                   </a:solidFill>
@@ -9972,7 +9974,7 @@
             </a:ln>
             <a:extLst>
               <a:ext uri="{91240B29-F687-4f45-9708-019B960494DF}">
-                <a14:hiddenLine xmlns="" xmlns:a14="http://schemas.microsoft.com/office/drawing/2010/main" w="9525">
+                <a14:hiddenLine xmlns:a14="http://schemas.microsoft.com/office/drawing/2010/main" xmlns="" w="9525">
                   <a:solidFill>
                     <a:srgbClr val="000000"/>
                   </a:solidFill>
@@ -10062,7 +10064,7 @@
             </a:ln>
             <a:extLst>
               <a:ext uri="{91240B29-F687-4f45-9708-019B960494DF}">
-                <a14:hiddenLine xmlns="" xmlns:a14="http://schemas.microsoft.com/office/drawing/2010/main" w="9525">
+                <a14:hiddenLine xmlns:a14="http://schemas.microsoft.com/office/drawing/2010/main" xmlns="" w="9525">
                   <a:solidFill>
                     <a:srgbClr val="000000"/>
                   </a:solidFill>
@@ -10124,7 +10126,7 @@
             </a:ln>
             <a:extLst>
               <a:ext uri="{91240B29-F687-4f45-9708-019B960494DF}">
-                <a14:hiddenLine xmlns="" xmlns:a14="http://schemas.microsoft.com/office/drawing/2010/main" w="9525">
+                <a14:hiddenLine xmlns:a14="http://schemas.microsoft.com/office/drawing/2010/main" xmlns="" w="9525">
                   <a:solidFill>
                     <a:srgbClr val="000000"/>
                   </a:solidFill>
@@ -10186,7 +10188,7 @@
             </a:ln>
             <a:extLst>
               <a:ext uri="{91240B29-F687-4f45-9708-019B960494DF}">
-                <a14:hiddenLine xmlns="" xmlns:a14="http://schemas.microsoft.com/office/drawing/2010/main" w="9525">
+                <a14:hiddenLine xmlns:a14="http://schemas.microsoft.com/office/drawing/2010/main" xmlns="" w="9525">
                   <a:solidFill>
                     <a:srgbClr val="000000"/>
                   </a:solidFill>
@@ -10276,7 +10278,7 @@
             </a:ln>
             <a:extLst>
               <a:ext uri="{91240B29-F687-4f45-9708-019B960494DF}">
-                <a14:hiddenLine xmlns="" xmlns:a14="http://schemas.microsoft.com/office/drawing/2010/main" w="9525">
+                <a14:hiddenLine xmlns:a14="http://schemas.microsoft.com/office/drawing/2010/main" xmlns="" w="9525">
                   <a:solidFill>
                     <a:srgbClr val="000000"/>
                   </a:solidFill>
@@ -10344,7 +10346,7 @@
             </a:ln>
             <a:extLst>
               <a:ext uri="{91240B29-F687-4f45-9708-019B960494DF}">
-                <a14:hiddenLine xmlns="" xmlns:a14="http://schemas.microsoft.com/office/drawing/2010/main" w="9525">
+                <a14:hiddenLine xmlns:a14="http://schemas.microsoft.com/office/drawing/2010/main" xmlns="" w="9525">
                   <a:solidFill>
                     <a:srgbClr val="000000"/>
                   </a:solidFill>
@@ -10406,7 +10408,7 @@
             </a:ln>
             <a:extLst>
               <a:ext uri="{91240B29-F687-4f45-9708-019B960494DF}">
-                <a14:hiddenLine xmlns="" xmlns:a14="http://schemas.microsoft.com/office/drawing/2010/main" w="9525">
+                <a14:hiddenLine xmlns:a14="http://schemas.microsoft.com/office/drawing/2010/main" xmlns="" w="9525">
                   <a:solidFill>
                     <a:srgbClr val="000000"/>
                   </a:solidFill>
@@ -10496,7 +10498,7 @@
             </a:ln>
             <a:extLst>
               <a:ext uri="{91240B29-F687-4f45-9708-019B960494DF}">
-                <a14:hiddenLine xmlns="" xmlns:a14="http://schemas.microsoft.com/office/drawing/2010/main" w="9525">
+                <a14:hiddenLine xmlns:a14="http://schemas.microsoft.com/office/drawing/2010/main" xmlns="" w="9525">
                   <a:solidFill>
                     <a:srgbClr val="000000"/>
                   </a:solidFill>
@@ -10558,7 +10560,7 @@
             </a:ln>
             <a:extLst>
               <a:ext uri="{91240B29-F687-4f45-9708-019B960494DF}">
-                <a14:hiddenLine xmlns="" xmlns:a14="http://schemas.microsoft.com/office/drawing/2010/main" w="9525">
+                <a14:hiddenLine xmlns:a14="http://schemas.microsoft.com/office/drawing/2010/main" xmlns="" w="9525">
                   <a:solidFill>
                     <a:srgbClr val="000000"/>
                   </a:solidFill>
@@ -10648,7 +10650,7 @@
             </a:ln>
             <a:extLst>
               <a:ext uri="{91240B29-F687-4f45-9708-019B960494DF}">
-                <a14:hiddenLine xmlns="" xmlns:a14="http://schemas.microsoft.com/office/drawing/2010/main" w="9525">
+                <a14:hiddenLine xmlns:a14="http://schemas.microsoft.com/office/drawing/2010/main" xmlns="" w="9525">
                   <a:solidFill>
                     <a:srgbClr val="000000"/>
                   </a:solidFill>
@@ -10710,7 +10712,7 @@
             </a:ln>
             <a:extLst>
               <a:ext uri="{91240B29-F687-4f45-9708-019B960494DF}">
-                <a14:hiddenLine xmlns="" xmlns:a14="http://schemas.microsoft.com/office/drawing/2010/main" w="9525">
+                <a14:hiddenLine xmlns:a14="http://schemas.microsoft.com/office/drawing/2010/main" xmlns="" w="9525">
                   <a:solidFill>
                     <a:srgbClr val="000000"/>
                   </a:solidFill>
@@ -10800,7 +10802,7 @@
             </a:ln>
             <a:extLst>
               <a:ext uri="{91240B29-F687-4f45-9708-019B960494DF}">
-                <a14:hiddenLine xmlns="" xmlns:a14="http://schemas.microsoft.com/office/drawing/2010/main" w="9525">
+                <a14:hiddenLine xmlns:a14="http://schemas.microsoft.com/office/drawing/2010/main" xmlns="" w="9525">
                   <a:solidFill>
                     <a:srgbClr val="000000"/>
                   </a:solidFill>
@@ -10834,7 +10836,7 @@
             </a:ln>
             <a:extLst>
               <a:ext uri="{91240B29-F687-4f45-9708-019B960494DF}">
-                <a14:hiddenLine xmlns="" xmlns:a14="http://schemas.microsoft.com/office/drawing/2010/main" w="9525">
+                <a14:hiddenLine xmlns:a14="http://schemas.microsoft.com/office/drawing/2010/main" xmlns="" w="9525">
                   <a:solidFill>
                     <a:srgbClr val="000000"/>
                   </a:solidFill>
@@ -10899,7 +10901,7 @@
             </a:ln>
             <a:extLst>
               <a:ext uri="{91240B29-F687-4f45-9708-019B960494DF}">
-                <a14:hiddenLine xmlns="" xmlns:a14="http://schemas.microsoft.com/office/drawing/2010/main" w="9525">
+                <a14:hiddenLine xmlns:a14="http://schemas.microsoft.com/office/drawing/2010/main" xmlns="" w="9525">
                   <a:solidFill>
                     <a:srgbClr val="000000"/>
                   </a:solidFill>
@@ -10989,7 +10991,7 @@
             </a:ln>
             <a:extLst>
               <a:ext uri="{91240B29-F687-4f45-9708-019B960494DF}">
-                <a14:hiddenLine xmlns="" xmlns:a14="http://schemas.microsoft.com/office/drawing/2010/main" w="9525">
+                <a14:hiddenLine xmlns:a14="http://schemas.microsoft.com/office/drawing/2010/main" xmlns="" w="9525">
                   <a:solidFill>
                     <a:srgbClr val="000000"/>
                   </a:solidFill>
@@ -11051,7 +11053,7 @@
             </a:ln>
             <a:extLst>
               <a:ext uri="{91240B29-F687-4f45-9708-019B960494DF}">
-                <a14:hiddenLine xmlns="" xmlns:a14="http://schemas.microsoft.com/office/drawing/2010/main" w="9525">
+                <a14:hiddenLine xmlns:a14="http://schemas.microsoft.com/office/drawing/2010/main" xmlns="" w="9525">
                   <a:solidFill>
                     <a:srgbClr val="000000"/>
                   </a:solidFill>
@@ -11141,7 +11143,7 @@
             </a:ln>
             <a:extLst>
               <a:ext uri="{91240B29-F687-4f45-9708-019B960494DF}">
-                <a14:hiddenLine xmlns="" xmlns:a14="http://schemas.microsoft.com/office/drawing/2010/main" w="9525">
+                <a14:hiddenLine xmlns:a14="http://schemas.microsoft.com/office/drawing/2010/main" xmlns="" w="9525">
                   <a:solidFill>
                     <a:srgbClr val="000000"/>
                   </a:solidFill>
@@ -11231,7 +11233,7 @@
             </a:ln>
             <a:extLst>
               <a:ext uri="{91240B29-F687-4f45-9708-019B960494DF}">
-                <a14:hiddenLine xmlns="" xmlns:a14="http://schemas.microsoft.com/office/drawing/2010/main" w="9525">
+                <a14:hiddenLine xmlns:a14="http://schemas.microsoft.com/office/drawing/2010/main" xmlns="" w="9525">
                   <a:solidFill>
                     <a:srgbClr val="000000"/>
                   </a:solidFill>
@@ -11296,7 +11298,7 @@
             </a:ln>
             <a:extLst>
               <a:ext uri="{91240B29-F687-4f45-9708-019B960494DF}">
-                <a14:hiddenLine xmlns="" xmlns:a14="http://schemas.microsoft.com/office/drawing/2010/main" w="9525">
+                <a14:hiddenLine xmlns:a14="http://schemas.microsoft.com/office/drawing/2010/main" xmlns="" w="9525">
                   <a:solidFill>
                     <a:srgbClr val="000000"/>
                   </a:solidFill>
@@ -11358,7 +11360,7 @@
             </a:ln>
             <a:extLst>
               <a:ext uri="{91240B29-F687-4f45-9708-019B960494DF}">
-                <a14:hiddenLine xmlns="" xmlns:a14="http://schemas.microsoft.com/office/drawing/2010/main" w="9525">
+                <a14:hiddenLine xmlns:a14="http://schemas.microsoft.com/office/drawing/2010/main" xmlns="" w="9525">
                   <a:solidFill>
                     <a:srgbClr val="000000"/>
                   </a:solidFill>
@@ -11448,7 +11450,7 @@
             </a:ln>
             <a:extLst>
               <a:ext uri="{91240B29-F687-4f45-9708-019B960494DF}">
-                <a14:hiddenLine xmlns="" xmlns:a14="http://schemas.microsoft.com/office/drawing/2010/main" w="9525">
+                <a14:hiddenLine xmlns:a14="http://schemas.microsoft.com/office/drawing/2010/main" xmlns="" w="9525">
                   <a:solidFill>
                     <a:srgbClr val="000000"/>
                   </a:solidFill>
@@ -11538,7 +11540,7 @@
             </a:ln>
             <a:extLst>
               <a:ext uri="{91240B29-F687-4f45-9708-019B960494DF}">
-                <a14:hiddenLine xmlns="" xmlns:a14="http://schemas.microsoft.com/office/drawing/2010/main" w="9525">
+                <a14:hiddenLine xmlns:a14="http://schemas.microsoft.com/office/drawing/2010/main" xmlns="" w="9525">
                   <a:solidFill>
                     <a:srgbClr val="000000"/>
                   </a:solidFill>
@@ -11600,7 +11602,7 @@
             </a:ln>
             <a:extLst>
               <a:ext uri="{91240B29-F687-4f45-9708-019B960494DF}">
-                <a14:hiddenLine xmlns="" xmlns:a14="http://schemas.microsoft.com/office/drawing/2010/main" w="9525">
+                <a14:hiddenLine xmlns:a14="http://schemas.microsoft.com/office/drawing/2010/main" xmlns="" w="9525">
                   <a:solidFill>
                     <a:srgbClr val="000000"/>
                   </a:solidFill>
@@ -11720,7 +11722,7 @@
             </a:ln>
             <a:extLst>
               <a:ext uri="{91240B29-F687-4f45-9708-019B960494DF}">
-                <a14:hiddenLine xmlns="" xmlns:a14="http://schemas.microsoft.com/office/drawing/2010/main" w="9525">
+                <a14:hiddenLine xmlns:a14="http://schemas.microsoft.com/office/drawing/2010/main" xmlns="" w="9525">
                   <a:solidFill>
                     <a:srgbClr val="000000"/>
                   </a:solidFill>
@@ -11788,7 +11790,7 @@
             </a:ln>
             <a:extLst>
               <a:ext uri="{91240B29-F687-4f45-9708-019B960494DF}">
-                <a14:hiddenLine xmlns="" xmlns:a14="http://schemas.microsoft.com/office/drawing/2010/main" w="9525">
+                <a14:hiddenLine xmlns:a14="http://schemas.microsoft.com/office/drawing/2010/main" xmlns="" w="9525">
                   <a:solidFill>
                     <a:srgbClr val="000000"/>
                   </a:solidFill>
@@ -11878,7 +11880,7 @@
             </a:ln>
             <a:extLst>
               <a:ext uri="{91240B29-F687-4f45-9708-019B960494DF}">
-                <a14:hiddenLine xmlns="" xmlns:a14="http://schemas.microsoft.com/office/drawing/2010/main" w="9525">
+                <a14:hiddenLine xmlns:a14="http://schemas.microsoft.com/office/drawing/2010/main" xmlns="" w="9525">
                   <a:solidFill>
                     <a:srgbClr val="000000"/>
                   </a:solidFill>
@@ -12018,7 +12020,7 @@
           <a:p>
             <a:fld id="{EED1C14C-A143-42F5-B247-D0E800131009}" type="datetimeFigureOut">
               <a:rPr lang="en-US" smtClean="0"/>
-              <a:t>5/6/2020</a:t>
+              <a:t>5/7/2020</a:t>
             </a:fld>
             <a:endParaRPr lang="en-US"/>
           </a:p>
@@ -12285,7 +12287,7 @@
           <a:p>
             <a:fld id="{EED1C14C-A143-42F5-B247-D0E800131009}" type="datetimeFigureOut">
               <a:rPr lang="en-US" smtClean="0"/>
-              <a:t>5/6/2020</a:t>
+              <a:t>5/7/2020</a:t>
             </a:fld>
             <a:endParaRPr lang="en-US"/>
           </a:p>
@@ -12481,7 +12483,7 @@
           <a:p>
             <a:fld id="{EED1C14C-A143-42F5-B247-D0E800131009}" type="datetimeFigureOut">
               <a:rPr lang="en-US" smtClean="0"/>
-              <a:t>5/6/2020</a:t>
+              <a:t>5/7/2020</a:t>
             </a:fld>
             <a:endParaRPr lang="en-US"/>
           </a:p>
@@ -12744,7 +12746,7 @@
           <a:p>
             <a:fld id="{EED1C14C-A143-42F5-B247-D0E800131009}" type="datetimeFigureOut">
               <a:rPr lang="en-US" smtClean="0"/>
-              <a:t>5/6/2020</a:t>
+              <a:t>5/7/2020</a:t>
             </a:fld>
             <a:endParaRPr lang="en-US"/>
           </a:p>
@@ -13178,7 +13180,7 @@
           <a:p>
             <a:fld id="{EED1C14C-A143-42F5-B247-D0E800131009}" type="datetimeFigureOut">
               <a:rPr lang="en-US" smtClean="0"/>
-              <a:t>5/6/2020</a:t>
+              <a:t>5/7/2020</a:t>
             </a:fld>
             <a:endParaRPr lang="en-US"/>
           </a:p>
@@ -13724,7 +13726,7 @@
           <a:p>
             <a:fld id="{EED1C14C-A143-42F5-B247-D0E800131009}" type="datetimeFigureOut">
               <a:rPr lang="en-US" smtClean="0"/>
-              <a:t>5/6/2020</a:t>
+              <a:t>5/7/2020</a:t>
             </a:fld>
             <a:endParaRPr lang="en-US"/>
           </a:p>
@@ -14444,7 +14446,7 @@
           <a:p>
             <a:fld id="{EED1C14C-A143-42F5-B247-D0E800131009}" type="datetimeFigureOut">
               <a:rPr lang="en-US" smtClean="0"/>
-              <a:t>5/6/2020</a:t>
+              <a:t>5/7/2020</a:t>
             </a:fld>
             <a:endParaRPr lang="en-US"/>
           </a:p>
@@ -14614,7 +14616,7 @@
           <a:p>
             <a:fld id="{EED1C14C-A143-42F5-B247-D0E800131009}" type="datetimeFigureOut">
               <a:rPr lang="en-US" smtClean="0"/>
-              <a:t>5/6/2020</a:t>
+              <a:t>5/7/2020</a:t>
             </a:fld>
             <a:endParaRPr lang="en-US"/>
           </a:p>
@@ -14794,7 +14796,7 @@
           <a:p>
             <a:fld id="{EED1C14C-A143-42F5-B247-D0E800131009}" type="datetimeFigureOut">
               <a:rPr lang="en-US" smtClean="0"/>
-              <a:t>5/6/2020</a:t>
+              <a:t>5/7/2020</a:t>
             </a:fld>
             <a:endParaRPr lang="en-US"/>
           </a:p>
@@ -14964,7 +14966,7 @@
           <a:p>
             <a:fld id="{EED1C14C-A143-42F5-B247-D0E800131009}" type="datetimeFigureOut">
               <a:rPr lang="en-US" smtClean="0"/>
-              <a:t>5/6/2020</a:t>
+              <a:t>5/7/2020</a:t>
             </a:fld>
             <a:endParaRPr lang="en-US"/>
           </a:p>
@@ -15214,7 +15216,7 @@
           <a:p>
             <a:fld id="{EED1C14C-A143-42F5-B247-D0E800131009}" type="datetimeFigureOut">
               <a:rPr lang="en-US" smtClean="0"/>
-              <a:t>5/6/2020</a:t>
+              <a:t>5/7/2020</a:t>
             </a:fld>
             <a:endParaRPr lang="en-US"/>
           </a:p>
@@ -15446,7 +15448,7 @@
           <a:p>
             <a:fld id="{EED1C14C-A143-42F5-B247-D0E800131009}" type="datetimeFigureOut">
               <a:rPr lang="en-US" smtClean="0"/>
-              <a:t>5/6/2020</a:t>
+              <a:t>5/7/2020</a:t>
             </a:fld>
             <a:endParaRPr lang="en-US"/>
           </a:p>
@@ -15827,7 +15829,7 @@
           <a:p>
             <a:fld id="{EED1C14C-A143-42F5-B247-D0E800131009}" type="datetimeFigureOut">
               <a:rPr lang="en-US" smtClean="0"/>
-              <a:t>5/6/2020</a:t>
+              <a:t>5/7/2020</a:t>
             </a:fld>
             <a:endParaRPr lang="en-US"/>
           </a:p>
@@ -15945,7 +15947,7 @@
           <a:p>
             <a:fld id="{EED1C14C-A143-42F5-B247-D0E800131009}" type="datetimeFigureOut">
               <a:rPr lang="en-US" smtClean="0"/>
-              <a:t>5/6/2020</a:t>
+              <a:t>5/7/2020</a:t>
             </a:fld>
             <a:endParaRPr lang="en-US"/>
           </a:p>
@@ -16040,7 +16042,7 @@
           <a:p>
             <a:fld id="{EED1C14C-A143-42F5-B247-D0E800131009}" type="datetimeFigureOut">
               <a:rPr lang="en-US" smtClean="0"/>
-              <a:t>5/6/2020</a:t>
+              <a:t>5/7/2020</a:t>
             </a:fld>
             <a:endParaRPr lang="en-US"/>
           </a:p>
@@ -16289,7 +16291,7 @@
           <a:p>
             <a:fld id="{EED1C14C-A143-42F5-B247-D0E800131009}" type="datetimeFigureOut">
               <a:rPr lang="en-US" smtClean="0"/>
-              <a:t>5/6/2020</a:t>
+              <a:t>5/7/2020</a:t>
             </a:fld>
             <a:endParaRPr lang="en-US"/>
           </a:p>
@@ -16569,7 +16571,7 @@
           <a:p>
             <a:fld id="{EED1C14C-A143-42F5-B247-D0E800131009}" type="datetimeFigureOut">
               <a:rPr lang="en-US" smtClean="0"/>
-              <a:t>5/6/2020</a:t>
+              <a:t>5/7/2020</a:t>
             </a:fld>
             <a:endParaRPr lang="en-US"/>
           </a:p>
@@ -16692,7 +16694,7 @@
           <a:noFill/>
           <a:extLst>
             <a:ext uri="{909E8E84-426E-40dd-AFC4-6F175D3DCCD1}">
-              <a14:hiddenFill xmlns="" xmlns:a14="http://schemas.microsoft.com/office/drawing/2010/main">
+              <a14:hiddenFill xmlns:a14="http://schemas.microsoft.com/office/drawing/2010/main" xmlns="">
                 <a:solidFill>
                   <a:srgbClr val="FFFFFF"/>
                 </a:solidFill>
@@ -16766,7 +16768,7 @@
               </a:ln>
               <a:extLst>
                 <a:ext uri="{91240B29-F687-4f45-9708-019B960494DF}">
-                  <a14:hiddenLine xmlns="" xmlns:a14="http://schemas.microsoft.com/office/drawing/2010/main" w="9525">
+                  <a14:hiddenLine xmlns:a14="http://schemas.microsoft.com/office/drawing/2010/main" xmlns="" w="9525">
                     <a:solidFill>
                       <a:srgbClr val="000000"/>
                     </a:solidFill>
@@ -16856,7 +16858,7 @@
               </a:ln>
               <a:extLst>
                 <a:ext uri="{91240B29-F687-4f45-9708-019B960494DF}">
-                  <a14:hiddenLine xmlns="" xmlns:a14="http://schemas.microsoft.com/office/drawing/2010/main" w="9525">
+                  <a14:hiddenLine xmlns:a14="http://schemas.microsoft.com/office/drawing/2010/main" xmlns="" w="9525">
                     <a:solidFill>
                       <a:srgbClr val="000000"/>
                     </a:solidFill>
@@ -16946,7 +16948,7 @@
               </a:ln>
               <a:extLst>
                 <a:ext uri="{91240B29-F687-4f45-9708-019B960494DF}">
-                  <a14:hiddenLine xmlns="" xmlns:a14="http://schemas.microsoft.com/office/drawing/2010/main" w="9525">
+                  <a14:hiddenLine xmlns:a14="http://schemas.microsoft.com/office/drawing/2010/main" xmlns="" w="9525">
                     <a:solidFill>
                       <a:srgbClr val="000000"/>
                     </a:solidFill>
@@ -17008,7 +17010,7 @@
               </a:ln>
               <a:extLst>
                 <a:ext uri="{91240B29-F687-4f45-9708-019B960494DF}">
-                  <a14:hiddenLine xmlns="" xmlns:a14="http://schemas.microsoft.com/office/drawing/2010/main" w="9525">
+                  <a14:hiddenLine xmlns:a14="http://schemas.microsoft.com/office/drawing/2010/main" xmlns="" w="9525">
                     <a:solidFill>
                       <a:srgbClr val="000000"/>
                     </a:solidFill>
@@ -17098,7 +17100,7 @@
               </a:ln>
               <a:extLst>
                 <a:ext uri="{91240B29-F687-4f45-9708-019B960494DF}">
-                  <a14:hiddenLine xmlns="" xmlns:a14="http://schemas.microsoft.com/office/drawing/2010/main" w="9525">
+                  <a14:hiddenLine xmlns:a14="http://schemas.microsoft.com/office/drawing/2010/main" xmlns="" w="9525">
                     <a:solidFill>
                       <a:srgbClr val="000000"/>
                     </a:solidFill>
@@ -17160,7 +17162,7 @@
               </a:ln>
               <a:extLst>
                 <a:ext uri="{91240B29-F687-4f45-9708-019B960494DF}">
-                  <a14:hiddenLine xmlns="" xmlns:a14="http://schemas.microsoft.com/office/drawing/2010/main" w="9525">
+                  <a14:hiddenLine xmlns:a14="http://schemas.microsoft.com/office/drawing/2010/main" xmlns="" w="9525">
                     <a:solidFill>
                       <a:srgbClr val="000000"/>
                     </a:solidFill>
@@ -17222,7 +17224,7 @@
               </a:ln>
               <a:extLst>
                 <a:ext uri="{91240B29-F687-4f45-9708-019B960494DF}">
-                  <a14:hiddenLine xmlns="" xmlns:a14="http://schemas.microsoft.com/office/drawing/2010/main" w="9525">
+                  <a14:hiddenLine xmlns:a14="http://schemas.microsoft.com/office/drawing/2010/main" xmlns="" w="9525">
                     <a:solidFill>
                       <a:srgbClr val="000000"/>
                     </a:solidFill>
@@ -17312,7 +17314,7 @@
               </a:ln>
               <a:extLst>
                 <a:ext uri="{91240B29-F687-4f45-9708-019B960494DF}">
-                  <a14:hiddenLine xmlns="" xmlns:a14="http://schemas.microsoft.com/office/drawing/2010/main" w="9525">
+                  <a14:hiddenLine xmlns:a14="http://schemas.microsoft.com/office/drawing/2010/main" xmlns="" w="9525">
                     <a:solidFill>
                       <a:srgbClr val="000000"/>
                     </a:solidFill>
@@ -17402,7 +17404,7 @@
               </a:ln>
               <a:extLst>
                 <a:ext uri="{91240B29-F687-4f45-9708-019B960494DF}">
-                  <a14:hiddenLine xmlns="" xmlns:a14="http://schemas.microsoft.com/office/drawing/2010/main" w="9525">
+                  <a14:hiddenLine xmlns:a14="http://schemas.microsoft.com/office/drawing/2010/main" xmlns="" w="9525">
                     <a:solidFill>
                       <a:srgbClr val="000000"/>
                     </a:solidFill>
@@ -17464,7 +17466,7 @@
               </a:ln>
               <a:extLst>
                 <a:ext uri="{91240B29-F687-4f45-9708-019B960494DF}">
-                  <a14:hiddenLine xmlns="" xmlns:a14="http://schemas.microsoft.com/office/drawing/2010/main" w="9525">
+                  <a14:hiddenLine xmlns:a14="http://schemas.microsoft.com/office/drawing/2010/main" xmlns="" w="9525">
                     <a:solidFill>
                       <a:srgbClr val="000000"/>
                     </a:solidFill>
@@ -17574,7 +17576,7 @@
               </a:ln>
               <a:extLst>
                 <a:ext uri="{91240B29-F687-4f45-9708-019B960494DF}">
-                  <a14:hiddenLine xmlns="" xmlns:a14="http://schemas.microsoft.com/office/drawing/2010/main" w="9525">
+                  <a14:hiddenLine xmlns:a14="http://schemas.microsoft.com/office/drawing/2010/main" xmlns="" w="9525">
                     <a:solidFill>
                       <a:srgbClr val="000000"/>
                     </a:solidFill>
@@ -17658,7 +17660,7 @@
               </a:ln>
               <a:extLst>
                 <a:ext uri="{91240B29-F687-4f45-9708-019B960494DF}">
-                  <a14:hiddenLine xmlns="" xmlns:a14="http://schemas.microsoft.com/office/drawing/2010/main" w="9525">
+                  <a14:hiddenLine xmlns:a14="http://schemas.microsoft.com/office/drawing/2010/main" xmlns="" w="9525">
                     <a:solidFill>
                       <a:srgbClr val="000000"/>
                     </a:solidFill>
@@ -17720,7 +17722,7 @@
               </a:ln>
               <a:extLst>
                 <a:ext uri="{91240B29-F687-4f45-9708-019B960494DF}">
-                  <a14:hiddenLine xmlns="" xmlns:a14="http://schemas.microsoft.com/office/drawing/2010/main" w="9525">
+                  <a14:hiddenLine xmlns:a14="http://schemas.microsoft.com/office/drawing/2010/main" xmlns="" w="9525">
                     <a:solidFill>
                       <a:srgbClr val="000000"/>
                     </a:solidFill>
@@ -17782,7 +17784,7 @@
               </a:ln>
               <a:extLst>
                 <a:ext uri="{91240B29-F687-4f45-9708-019B960494DF}">
-                  <a14:hiddenLine xmlns="" xmlns:a14="http://schemas.microsoft.com/office/drawing/2010/main" w="9525">
+                  <a14:hiddenLine xmlns:a14="http://schemas.microsoft.com/office/drawing/2010/main" xmlns="" w="9525">
                     <a:solidFill>
                       <a:srgbClr val="000000"/>
                     </a:solidFill>
@@ -17872,7 +17874,7 @@
               </a:ln>
               <a:extLst>
                 <a:ext uri="{91240B29-F687-4f45-9708-019B960494DF}">
-                  <a14:hiddenLine xmlns="" xmlns:a14="http://schemas.microsoft.com/office/drawing/2010/main" w="9525">
+                  <a14:hiddenLine xmlns:a14="http://schemas.microsoft.com/office/drawing/2010/main" xmlns="" w="9525">
                     <a:solidFill>
                       <a:srgbClr val="000000"/>
                     </a:solidFill>
@@ -17906,7 +17908,7 @@
               </a:ln>
               <a:extLst>
                 <a:ext uri="{91240B29-F687-4f45-9708-019B960494DF}">
-                  <a14:hiddenLine xmlns="" xmlns:a14="http://schemas.microsoft.com/office/drawing/2010/main" w="9525">
+                  <a14:hiddenLine xmlns:a14="http://schemas.microsoft.com/office/drawing/2010/main" xmlns="" w="9525">
                     <a:solidFill>
                       <a:srgbClr val="000000"/>
                     </a:solidFill>
@@ -17971,7 +17973,7 @@
               </a:ln>
               <a:extLst>
                 <a:ext uri="{91240B29-F687-4f45-9708-019B960494DF}">
-                  <a14:hiddenLine xmlns="" xmlns:a14="http://schemas.microsoft.com/office/drawing/2010/main" w="9525">
+                  <a14:hiddenLine xmlns:a14="http://schemas.microsoft.com/office/drawing/2010/main" xmlns="" w="9525">
                     <a:solidFill>
                       <a:srgbClr val="000000"/>
                     </a:solidFill>
@@ -18061,7 +18063,7 @@
               </a:ln>
               <a:extLst>
                 <a:ext uri="{91240B29-F687-4f45-9708-019B960494DF}">
-                  <a14:hiddenLine xmlns="" xmlns:a14="http://schemas.microsoft.com/office/drawing/2010/main" w="9525">
+                  <a14:hiddenLine xmlns:a14="http://schemas.microsoft.com/office/drawing/2010/main" xmlns="" w="9525">
                     <a:solidFill>
                       <a:srgbClr val="000000"/>
                     </a:solidFill>
@@ -18123,7 +18125,7 @@
               </a:ln>
               <a:extLst>
                 <a:ext uri="{91240B29-F687-4f45-9708-019B960494DF}">
-                  <a14:hiddenLine xmlns="" xmlns:a14="http://schemas.microsoft.com/office/drawing/2010/main" w="9525">
+                  <a14:hiddenLine xmlns:a14="http://schemas.microsoft.com/office/drawing/2010/main" xmlns="" w="9525">
                     <a:solidFill>
                       <a:srgbClr val="000000"/>
                     </a:solidFill>
@@ -18213,7 +18215,7 @@
               </a:ln>
               <a:extLst>
                 <a:ext uri="{91240B29-F687-4f45-9708-019B960494DF}">
-                  <a14:hiddenLine xmlns="" xmlns:a14="http://schemas.microsoft.com/office/drawing/2010/main" w="9525">
+                  <a14:hiddenLine xmlns:a14="http://schemas.microsoft.com/office/drawing/2010/main" xmlns="" w="9525">
                     <a:solidFill>
                       <a:srgbClr val="000000"/>
                     </a:solidFill>
@@ -18278,7 +18280,7 @@
               </a:ln>
               <a:extLst>
                 <a:ext uri="{91240B29-F687-4f45-9708-019B960494DF}">
-                  <a14:hiddenLine xmlns="" xmlns:a14="http://schemas.microsoft.com/office/drawing/2010/main" w="9525">
+                  <a14:hiddenLine xmlns:a14="http://schemas.microsoft.com/office/drawing/2010/main" xmlns="" w="9525">
                     <a:solidFill>
                       <a:srgbClr val="000000"/>
                     </a:solidFill>
@@ -18340,7 +18342,7 @@
               </a:ln>
               <a:extLst>
                 <a:ext uri="{91240B29-F687-4f45-9708-019B960494DF}">
-                  <a14:hiddenLine xmlns="" xmlns:a14="http://schemas.microsoft.com/office/drawing/2010/main" w="9525">
+                  <a14:hiddenLine xmlns:a14="http://schemas.microsoft.com/office/drawing/2010/main" xmlns="" w="9525">
                     <a:solidFill>
                       <a:srgbClr val="000000"/>
                     </a:solidFill>
@@ -18430,7 +18432,7 @@
               </a:ln>
               <a:extLst>
                 <a:ext uri="{91240B29-F687-4f45-9708-019B960494DF}">
-                  <a14:hiddenLine xmlns="" xmlns:a14="http://schemas.microsoft.com/office/drawing/2010/main" w="9525">
+                  <a14:hiddenLine xmlns:a14="http://schemas.microsoft.com/office/drawing/2010/main" xmlns="" w="9525">
                     <a:solidFill>
                       <a:srgbClr val="000000"/>
                     </a:solidFill>
@@ -18520,7 +18522,7 @@
               </a:ln>
               <a:extLst>
                 <a:ext uri="{91240B29-F687-4f45-9708-019B960494DF}">
-                  <a14:hiddenLine xmlns="" xmlns:a14="http://schemas.microsoft.com/office/drawing/2010/main" w="9525">
+                  <a14:hiddenLine xmlns:a14="http://schemas.microsoft.com/office/drawing/2010/main" xmlns="" w="9525">
                     <a:solidFill>
                       <a:srgbClr val="000000"/>
                     </a:solidFill>
@@ -18585,7 +18587,7 @@
               </a:ln>
               <a:extLst>
                 <a:ext uri="{91240B29-F687-4f45-9708-019B960494DF}">
-                  <a14:hiddenLine xmlns="" xmlns:a14="http://schemas.microsoft.com/office/drawing/2010/main" w="9525">
+                  <a14:hiddenLine xmlns:a14="http://schemas.microsoft.com/office/drawing/2010/main" xmlns="" w="9525">
                     <a:solidFill>
                       <a:srgbClr val="000000"/>
                     </a:solidFill>
@@ -18705,7 +18707,7 @@
               </a:ln>
               <a:extLst>
                 <a:ext uri="{91240B29-F687-4f45-9708-019B960494DF}">
-                  <a14:hiddenLine xmlns="" xmlns:a14="http://schemas.microsoft.com/office/drawing/2010/main" w="9525">
+                  <a14:hiddenLine xmlns:a14="http://schemas.microsoft.com/office/drawing/2010/main" xmlns="" w="9525">
                     <a:solidFill>
                       <a:srgbClr val="000000"/>
                     </a:solidFill>
@@ -18786,7 +18788,7 @@
               </a:ln>
               <a:extLst>
                 <a:ext uri="{91240B29-F687-4f45-9708-019B960494DF}">
-                  <a14:hiddenLine xmlns="" xmlns:a14="http://schemas.microsoft.com/office/drawing/2010/main" w="9525">
+                  <a14:hiddenLine xmlns:a14="http://schemas.microsoft.com/office/drawing/2010/main" xmlns="" w="9525">
                     <a:solidFill>
                       <a:srgbClr val="000000"/>
                     </a:solidFill>
@@ -18901,7 +18903,7 @@
               </a:ln>
               <a:extLst>
                 <a:ext uri="{91240B29-F687-4f45-9708-019B960494DF}">
-                  <a14:hiddenLine xmlns="" xmlns:a14="http://schemas.microsoft.com/office/drawing/2010/main" w="9525">
+                  <a14:hiddenLine xmlns:a14="http://schemas.microsoft.com/office/drawing/2010/main" xmlns="" w="9525">
                     <a:solidFill>
                       <a:srgbClr val="000000"/>
                     </a:solidFill>
@@ -18991,7 +18993,7 @@
               </a:ln>
               <a:extLst>
                 <a:ext uri="{91240B29-F687-4f45-9708-019B960494DF}">
-                  <a14:hiddenLine xmlns="" xmlns:a14="http://schemas.microsoft.com/office/drawing/2010/main" w="9525">
+                  <a14:hiddenLine xmlns:a14="http://schemas.microsoft.com/office/drawing/2010/main" xmlns="" w="9525">
                     <a:solidFill>
                       <a:srgbClr val="000000"/>
                     </a:solidFill>
@@ -19056,7 +19058,7 @@
               </a:ln>
               <a:extLst>
                 <a:ext uri="{91240B29-F687-4f45-9708-019B960494DF}">
-                  <a14:hiddenLine xmlns="" xmlns:a14="http://schemas.microsoft.com/office/drawing/2010/main" w="9525">
+                  <a14:hiddenLine xmlns:a14="http://schemas.microsoft.com/office/drawing/2010/main" xmlns="" w="9525">
                     <a:solidFill>
                       <a:srgbClr val="000000"/>
                     </a:solidFill>
@@ -19146,7 +19148,7 @@
               </a:ln>
               <a:extLst>
                 <a:ext uri="{91240B29-F687-4f45-9708-019B960494DF}">
-                  <a14:hiddenLine xmlns="" xmlns:a14="http://schemas.microsoft.com/office/drawing/2010/main" w="9525">
+                  <a14:hiddenLine xmlns:a14="http://schemas.microsoft.com/office/drawing/2010/main" xmlns="" w="9525">
                     <a:solidFill>
                       <a:srgbClr val="000000"/>
                     </a:solidFill>
@@ -19214,7 +19216,7 @@
               </a:ln>
               <a:extLst>
                 <a:ext uri="{91240B29-F687-4f45-9708-019B960494DF}">
-                  <a14:hiddenLine xmlns="" xmlns:a14="http://schemas.microsoft.com/office/drawing/2010/main" w="9525">
+                  <a14:hiddenLine xmlns:a14="http://schemas.microsoft.com/office/drawing/2010/main" xmlns="" w="9525">
                     <a:solidFill>
                       <a:srgbClr val="000000"/>
                     </a:solidFill>
@@ -19304,7 +19306,7 @@
               </a:ln>
               <a:extLst>
                 <a:ext uri="{91240B29-F687-4f45-9708-019B960494DF}">
-                  <a14:hiddenLine xmlns="" xmlns:a14="http://schemas.microsoft.com/office/drawing/2010/main" w="9525">
+                  <a14:hiddenLine xmlns:a14="http://schemas.microsoft.com/office/drawing/2010/main" xmlns="" w="9525">
                     <a:solidFill>
                       <a:srgbClr val="000000"/>
                     </a:solidFill>
@@ -19372,7 +19374,7 @@
               </a:ln>
               <a:extLst>
                 <a:ext uri="{91240B29-F687-4f45-9708-019B960494DF}">
-                  <a14:hiddenLine xmlns="" xmlns:a14="http://schemas.microsoft.com/office/drawing/2010/main" w="9525">
+                  <a14:hiddenLine xmlns:a14="http://schemas.microsoft.com/office/drawing/2010/main" xmlns="" w="9525">
                     <a:solidFill>
                       <a:srgbClr val="000000"/>
                     </a:solidFill>
@@ -19462,7 +19464,7 @@
               </a:ln>
               <a:extLst>
                 <a:ext uri="{91240B29-F687-4f45-9708-019B960494DF}">
-                  <a14:hiddenLine xmlns="" xmlns:a14="http://schemas.microsoft.com/office/drawing/2010/main" w="9525">
+                  <a14:hiddenLine xmlns:a14="http://schemas.microsoft.com/office/drawing/2010/main" xmlns="" w="9525">
                     <a:solidFill>
                       <a:srgbClr val="000000"/>
                     </a:solidFill>
@@ -19496,7 +19498,7 @@
               </a:ln>
               <a:extLst>
                 <a:ext uri="{91240B29-F687-4f45-9708-019B960494DF}">
-                  <a14:hiddenLine xmlns="" xmlns:a14="http://schemas.microsoft.com/office/drawing/2010/main" w="9525">
+                  <a14:hiddenLine xmlns:a14="http://schemas.microsoft.com/office/drawing/2010/main" xmlns="" w="9525">
                     <a:solidFill>
                       <a:srgbClr val="000000"/>
                     </a:solidFill>
@@ -19636,7 +19638,7 @@
           <a:p>
             <a:fld id="{EED1C14C-A143-42F5-B247-D0E800131009}" type="datetimeFigureOut">
               <a:rPr lang="en-US" smtClean="0"/>
-              <a:t>5/6/2020</a:t>
+              <a:t>5/7/2020</a:t>
             </a:fld>
             <a:endParaRPr lang="en-US"/>
           </a:p>
@@ -21116,7 +21118,7 @@
         </p:nvSpPr>
         <p:spPr>
           <a:xfrm>
-            <a:off x="325952" y="240242"/>
+            <a:off x="325952" y="249573"/>
             <a:ext cx="5574374" cy="1325563"/>
           </a:xfrm>
         </p:spPr>
@@ -21397,7 +21399,7 @@
           <a:noFill/>
           <a:extLst>
             <a:ext uri="{909E8E84-426E-40dd-AFC4-6F175D3DCCD1}">
-              <a14:hiddenFill xmlns:a14="http://schemas.microsoft.com/office/drawing/2010/main" xmlns:a16="http://schemas.microsoft.com/office/drawing/2014/main" xmlns="">
+              <a14:hiddenFill xmlns="" xmlns:a16="http://schemas.microsoft.com/office/drawing/2014/main" xmlns:a14="http://schemas.microsoft.com/office/drawing/2010/main">
                 <a:solidFill>
                   <a:srgbClr val="FFFFFF"/>
                 </a:solidFill>
@@ -21489,7 +21491,7 @@
             </a:ln>
             <a:extLst>
               <a:ext uri="{91240B29-F687-4f45-9708-019B960494DF}">
-                <a14:hiddenLine xmlns:a14="http://schemas.microsoft.com/office/drawing/2010/main" xmlns:a16="http://schemas.microsoft.com/office/drawing/2014/main" xmlns="" w="9525">
+                <a14:hiddenLine xmlns="" xmlns:a16="http://schemas.microsoft.com/office/drawing/2014/main" xmlns:a14="http://schemas.microsoft.com/office/drawing/2010/main" w="9525">
                   <a:solidFill>
                     <a:srgbClr val="000000"/>
                   </a:solidFill>
@@ -21594,7 +21596,7 @@
             </a:ln>
             <a:extLst>
               <a:ext uri="{91240B29-F687-4f45-9708-019B960494DF}">
-                <a14:hiddenLine xmlns:a14="http://schemas.microsoft.com/office/drawing/2010/main" xmlns:a16="http://schemas.microsoft.com/office/drawing/2014/main" xmlns="" w="9525">
+                <a14:hiddenLine xmlns="" xmlns:a16="http://schemas.microsoft.com/office/drawing/2014/main" xmlns:a14="http://schemas.microsoft.com/office/drawing/2010/main" w="9525">
                   <a:solidFill>
                     <a:srgbClr val="000000"/>
                   </a:solidFill>
@@ -21699,7 +21701,7 @@
             </a:ln>
             <a:extLst>
               <a:ext uri="{91240B29-F687-4f45-9708-019B960494DF}">
-                <a14:hiddenLine xmlns:a14="http://schemas.microsoft.com/office/drawing/2010/main" xmlns:a16="http://schemas.microsoft.com/office/drawing/2014/main" xmlns="" w="9525">
+                <a14:hiddenLine xmlns="" xmlns:a16="http://schemas.microsoft.com/office/drawing/2014/main" xmlns:a14="http://schemas.microsoft.com/office/drawing/2010/main" w="9525">
                   <a:solidFill>
                     <a:srgbClr val="000000"/>
                   </a:solidFill>
@@ -21748,7 +21750,7 @@
             </a:ln>
             <a:extLst>
               <a:ext uri="{91240B29-F687-4f45-9708-019B960494DF}">
-                <a14:hiddenLine xmlns:a14="http://schemas.microsoft.com/office/drawing/2010/main" xmlns:a16="http://schemas.microsoft.com/office/drawing/2014/main" xmlns="" w="9525">
+                <a14:hiddenLine xmlns="" xmlns:a16="http://schemas.microsoft.com/office/drawing/2014/main" xmlns:a14="http://schemas.microsoft.com/office/drawing/2010/main" w="9525">
                   <a:solidFill>
                     <a:srgbClr val="000000"/>
                   </a:solidFill>
@@ -21853,7 +21855,7 @@
             </a:ln>
             <a:extLst>
               <a:ext uri="{91240B29-F687-4f45-9708-019B960494DF}">
-                <a14:hiddenLine xmlns:a14="http://schemas.microsoft.com/office/drawing/2010/main" xmlns:a16="http://schemas.microsoft.com/office/drawing/2014/main" xmlns="" w="9525">
+                <a14:hiddenLine xmlns="" xmlns:a16="http://schemas.microsoft.com/office/drawing/2014/main" xmlns:a14="http://schemas.microsoft.com/office/drawing/2010/main" w="9525">
                   <a:solidFill>
                     <a:srgbClr val="000000"/>
                   </a:solidFill>
@@ -21930,7 +21932,7 @@
             </a:ln>
             <a:extLst>
               <a:ext uri="{91240B29-F687-4f45-9708-019B960494DF}">
-                <a14:hiddenLine xmlns:a14="http://schemas.microsoft.com/office/drawing/2010/main" xmlns:a16="http://schemas.microsoft.com/office/drawing/2014/main" xmlns="" w="9525">
+                <a14:hiddenLine xmlns="" xmlns:a16="http://schemas.microsoft.com/office/drawing/2014/main" xmlns:a14="http://schemas.microsoft.com/office/drawing/2010/main" w="9525">
                   <a:solidFill>
                     <a:srgbClr val="000000"/>
                   </a:solidFill>
@@ -22007,7 +22009,7 @@
             </a:ln>
             <a:extLst>
               <a:ext uri="{91240B29-F687-4f45-9708-019B960494DF}">
-                <a14:hiddenLine xmlns:a14="http://schemas.microsoft.com/office/drawing/2010/main" xmlns:a16="http://schemas.microsoft.com/office/drawing/2014/main" xmlns="" w="9525">
+                <a14:hiddenLine xmlns="" xmlns:a16="http://schemas.microsoft.com/office/drawing/2014/main" xmlns:a14="http://schemas.microsoft.com/office/drawing/2010/main" w="9525">
                   <a:solidFill>
                     <a:srgbClr val="000000"/>
                   </a:solidFill>
@@ -22112,7 +22114,7 @@
             </a:ln>
             <a:extLst>
               <a:ext uri="{91240B29-F687-4f45-9708-019B960494DF}">
-                <a14:hiddenLine xmlns:a14="http://schemas.microsoft.com/office/drawing/2010/main" xmlns:a16="http://schemas.microsoft.com/office/drawing/2014/main" xmlns="" w="9525">
+                <a14:hiddenLine xmlns="" xmlns:a16="http://schemas.microsoft.com/office/drawing/2014/main" xmlns:a14="http://schemas.microsoft.com/office/drawing/2010/main" w="9525">
                   <a:solidFill>
                     <a:srgbClr val="000000"/>
                   </a:solidFill>
@@ -22189,7 +22191,7 @@
             </a:ln>
             <a:extLst>
               <a:ext uri="{91240B29-F687-4f45-9708-019B960494DF}">
-                <a14:hiddenLine xmlns:a14="http://schemas.microsoft.com/office/drawing/2010/main" xmlns:a16="http://schemas.microsoft.com/office/drawing/2014/main" xmlns="" w="9525">
+                <a14:hiddenLine xmlns="" xmlns:a16="http://schemas.microsoft.com/office/drawing/2014/main" xmlns:a14="http://schemas.microsoft.com/office/drawing/2010/main" w="9525">
                   <a:solidFill>
                     <a:srgbClr val="000000"/>
                   </a:solidFill>
@@ -22266,7 +22268,7 @@
             </a:ln>
             <a:extLst>
               <a:ext uri="{91240B29-F687-4f45-9708-019B960494DF}">
-                <a14:hiddenLine xmlns:a14="http://schemas.microsoft.com/office/drawing/2010/main" xmlns:a16="http://schemas.microsoft.com/office/drawing/2014/main" xmlns="" w="9525">
+                <a14:hiddenLine xmlns="" xmlns:a16="http://schemas.microsoft.com/office/drawing/2014/main" xmlns:a14="http://schemas.microsoft.com/office/drawing/2010/main" w="9525">
                   <a:solidFill>
                     <a:srgbClr val="000000"/>
                   </a:solidFill>
@@ -22371,7 +22373,7 @@
             </a:ln>
             <a:extLst>
               <a:ext uri="{91240B29-F687-4f45-9708-019B960494DF}">
-                <a14:hiddenLine xmlns:a14="http://schemas.microsoft.com/office/drawing/2010/main" xmlns:a16="http://schemas.microsoft.com/office/drawing/2014/main" xmlns="" w="9525">
+                <a14:hiddenLine xmlns="" xmlns:a16="http://schemas.microsoft.com/office/drawing/2014/main" xmlns:a14="http://schemas.microsoft.com/office/drawing/2010/main" w="9525">
                   <a:solidFill>
                     <a:srgbClr val="000000"/>
                   </a:solidFill>
@@ -22476,7 +22478,7 @@
             </a:ln>
             <a:extLst>
               <a:ext uri="{91240B29-F687-4f45-9708-019B960494DF}">
-                <a14:hiddenLine xmlns:a14="http://schemas.microsoft.com/office/drawing/2010/main" xmlns:a16="http://schemas.microsoft.com/office/drawing/2014/main" xmlns="" w="9525">
+                <a14:hiddenLine xmlns="" xmlns:a16="http://schemas.microsoft.com/office/drawing/2014/main" xmlns:a14="http://schemas.microsoft.com/office/drawing/2010/main" w="9525">
                   <a:solidFill>
                     <a:srgbClr val="000000"/>
                   </a:solidFill>
@@ -22553,7 +22555,7 @@
             </a:ln>
             <a:extLst>
               <a:ext uri="{91240B29-F687-4f45-9708-019B960494DF}">
-                <a14:hiddenLine xmlns:a14="http://schemas.microsoft.com/office/drawing/2010/main" xmlns:a16="http://schemas.microsoft.com/office/drawing/2014/main" xmlns="" w="9525">
+                <a14:hiddenLine xmlns="" xmlns:a16="http://schemas.microsoft.com/office/drawing/2014/main" xmlns:a14="http://schemas.microsoft.com/office/drawing/2010/main" w="9525">
                   <a:solidFill>
                     <a:srgbClr val="000000"/>
                   </a:solidFill>
@@ -22678,7 +22680,7 @@
             </a:ln>
             <a:extLst>
               <a:ext uri="{91240B29-F687-4f45-9708-019B960494DF}">
-                <a14:hiddenLine xmlns:a14="http://schemas.microsoft.com/office/drawing/2010/main" xmlns:a16="http://schemas.microsoft.com/office/drawing/2014/main" xmlns="" w="9525">
+                <a14:hiddenLine xmlns="" xmlns:a16="http://schemas.microsoft.com/office/drawing/2014/main" xmlns:a14="http://schemas.microsoft.com/office/drawing/2010/main" w="9525">
                   <a:solidFill>
                     <a:srgbClr val="000000"/>
                   </a:solidFill>
@@ -22755,7 +22757,7 @@
             </a:ln>
             <a:extLst>
               <a:ext uri="{91240B29-F687-4f45-9708-019B960494DF}">
-                <a14:hiddenLine xmlns:a14="http://schemas.microsoft.com/office/drawing/2010/main" xmlns:a16="http://schemas.microsoft.com/office/drawing/2014/main" xmlns="" w="9525">
+                <a14:hiddenLine xmlns="" xmlns:a16="http://schemas.microsoft.com/office/drawing/2014/main" xmlns:a14="http://schemas.microsoft.com/office/drawing/2010/main" w="9525">
                   <a:solidFill>
                     <a:srgbClr val="000000"/>
                   </a:solidFill>
@@ -22860,7 +22862,7 @@
             </a:ln>
             <a:extLst>
               <a:ext uri="{91240B29-F687-4f45-9708-019B960494DF}">
-                <a14:hiddenLine xmlns:a14="http://schemas.microsoft.com/office/drawing/2010/main" xmlns:a16="http://schemas.microsoft.com/office/drawing/2014/main" xmlns="" w="9525">
+                <a14:hiddenLine xmlns="" xmlns:a16="http://schemas.microsoft.com/office/drawing/2014/main" xmlns:a14="http://schemas.microsoft.com/office/drawing/2010/main" w="9525">
                   <a:solidFill>
                     <a:srgbClr val="000000"/>
                   </a:solidFill>
@@ -22965,7 +22967,7 @@
             </a:ln>
             <a:extLst>
               <a:ext uri="{91240B29-F687-4f45-9708-019B960494DF}">
-                <a14:hiddenLine xmlns:a14="http://schemas.microsoft.com/office/drawing/2010/main" xmlns:a16="http://schemas.microsoft.com/office/drawing/2014/main" xmlns="" w="9525">
+                <a14:hiddenLine xmlns="" xmlns:a16="http://schemas.microsoft.com/office/drawing/2014/main" xmlns:a14="http://schemas.microsoft.com/office/drawing/2010/main" w="9525">
                   <a:solidFill>
                     <a:srgbClr val="000000"/>
                   </a:solidFill>
@@ -23042,7 +23044,7 @@
             </a:ln>
             <a:extLst>
               <a:ext uri="{91240B29-F687-4f45-9708-019B960494DF}">
-                <a14:hiddenLine xmlns:a14="http://schemas.microsoft.com/office/drawing/2010/main" xmlns:a16="http://schemas.microsoft.com/office/drawing/2014/main" xmlns="" w="9525">
+                <a14:hiddenLine xmlns="" xmlns:a16="http://schemas.microsoft.com/office/drawing/2014/main" xmlns:a14="http://schemas.microsoft.com/office/drawing/2010/main" w="9525">
                   <a:solidFill>
                     <a:srgbClr val="000000"/>
                   </a:solidFill>
@@ -23147,7 +23149,7 @@
             </a:ln>
             <a:extLst>
               <a:ext uri="{91240B29-F687-4f45-9708-019B960494DF}">
-                <a14:hiddenLine xmlns:a14="http://schemas.microsoft.com/office/drawing/2010/main" xmlns:a16="http://schemas.microsoft.com/office/drawing/2014/main" xmlns="" w="9525">
+                <a14:hiddenLine xmlns="" xmlns:a16="http://schemas.microsoft.com/office/drawing/2014/main" xmlns:a14="http://schemas.microsoft.com/office/drawing/2010/main" w="9525">
                   <a:solidFill>
                     <a:srgbClr val="000000"/>
                   </a:solidFill>
@@ -23252,7 +23254,7 @@
             </a:ln>
             <a:extLst>
               <a:ext uri="{91240B29-F687-4f45-9708-019B960494DF}">
-                <a14:hiddenLine xmlns:a14="http://schemas.microsoft.com/office/drawing/2010/main" xmlns:a16="http://schemas.microsoft.com/office/drawing/2014/main" xmlns="" w="9525">
+                <a14:hiddenLine xmlns="" xmlns:a16="http://schemas.microsoft.com/office/drawing/2014/main" xmlns:a14="http://schemas.microsoft.com/office/drawing/2010/main" w="9525">
                   <a:solidFill>
                     <a:srgbClr val="000000"/>
                   </a:solidFill>
@@ -23323,7 +23325,7 @@
             </a:ln>
             <a:extLst>
               <a:ext uri="{91240B29-F687-4f45-9708-019B960494DF}">
-                <a14:hiddenLine xmlns:a14="http://schemas.microsoft.com/office/drawing/2010/main" xmlns:a16="http://schemas.microsoft.com/office/drawing/2014/main" xmlns="" w="9525">
+                <a14:hiddenLine xmlns="" xmlns:a16="http://schemas.microsoft.com/office/drawing/2014/main" xmlns:a14="http://schemas.microsoft.com/office/drawing/2010/main" w="9525">
                   <a:solidFill>
                     <a:srgbClr val="000000"/>
                   </a:solidFill>
@@ -23428,7 +23430,7 @@
             </a:ln>
             <a:extLst>
               <a:ext uri="{91240B29-F687-4f45-9708-019B960494DF}">
-                <a14:hiddenLine xmlns:a14="http://schemas.microsoft.com/office/drawing/2010/main" xmlns:a16="http://schemas.microsoft.com/office/drawing/2014/main" xmlns="" w="9525">
+                <a14:hiddenLine xmlns="" xmlns:a16="http://schemas.microsoft.com/office/drawing/2014/main" xmlns:a14="http://schemas.microsoft.com/office/drawing/2010/main" w="9525">
                   <a:solidFill>
                     <a:srgbClr val="000000"/>
                   </a:solidFill>
@@ -23499,7 +23501,7 @@
             </a:ln>
             <a:extLst>
               <a:ext uri="{91240B29-F687-4f45-9708-019B960494DF}">
-                <a14:hiddenLine xmlns:a14="http://schemas.microsoft.com/office/drawing/2010/main" xmlns:a16="http://schemas.microsoft.com/office/drawing/2014/main" xmlns="" w="9525">
+                <a14:hiddenLine xmlns="" xmlns:a16="http://schemas.microsoft.com/office/drawing/2014/main" xmlns:a14="http://schemas.microsoft.com/office/drawing/2010/main" w="9525">
                   <a:solidFill>
                     <a:srgbClr val="000000"/>
                   </a:solidFill>
@@ -23604,7 +23606,7 @@
             </a:ln>
             <a:extLst>
               <a:ext uri="{91240B29-F687-4f45-9708-019B960494DF}">
-                <a14:hiddenLine xmlns:a14="http://schemas.microsoft.com/office/drawing/2010/main" xmlns:a16="http://schemas.microsoft.com/office/drawing/2014/main" xmlns="" w="9525">
+                <a14:hiddenLine xmlns="" xmlns:a16="http://schemas.microsoft.com/office/drawing/2014/main" xmlns:a14="http://schemas.microsoft.com/office/drawing/2010/main" w="9525">
                   <a:solidFill>
                     <a:srgbClr val="000000"/>
                   </a:solidFill>
@@ -23687,7 +23689,7 @@
             </a:ln>
             <a:extLst>
               <a:ext uri="{91240B29-F687-4f45-9708-019B960494DF}">
-                <a14:hiddenLine xmlns:a14="http://schemas.microsoft.com/office/drawing/2010/main" xmlns:a16="http://schemas.microsoft.com/office/drawing/2014/main" xmlns="" w="9525">
+                <a14:hiddenLine xmlns="" xmlns:a16="http://schemas.microsoft.com/office/drawing/2014/main" xmlns:a14="http://schemas.microsoft.com/office/drawing/2010/main" w="9525">
                   <a:solidFill>
                     <a:srgbClr val="000000"/>
                   </a:solidFill>
@@ -23792,7 +23794,7 @@
             </a:ln>
             <a:extLst>
               <a:ext uri="{91240B29-F687-4f45-9708-019B960494DF}">
-                <a14:hiddenLine xmlns:a14="http://schemas.microsoft.com/office/drawing/2010/main" xmlns:a16="http://schemas.microsoft.com/office/drawing/2014/main" xmlns="" w="9525">
+                <a14:hiddenLine xmlns="" xmlns:a16="http://schemas.microsoft.com/office/drawing/2014/main" xmlns:a14="http://schemas.microsoft.com/office/drawing/2010/main" w="9525">
                   <a:solidFill>
                     <a:srgbClr val="000000"/>
                   </a:solidFill>
@@ -23875,7 +23877,7 @@
             </a:ln>
             <a:extLst>
               <a:ext uri="{91240B29-F687-4f45-9708-019B960494DF}">
-                <a14:hiddenLine xmlns:a14="http://schemas.microsoft.com/office/drawing/2010/main" xmlns:a16="http://schemas.microsoft.com/office/drawing/2014/main" xmlns="" w="9525">
+                <a14:hiddenLine xmlns="" xmlns:a16="http://schemas.microsoft.com/office/drawing/2014/main" xmlns:a14="http://schemas.microsoft.com/office/drawing/2010/main" w="9525">
                   <a:solidFill>
                     <a:srgbClr val="000000"/>
                   </a:solidFill>
@@ -23980,7 +23982,7 @@
             </a:ln>
             <a:extLst>
               <a:ext uri="{91240B29-F687-4f45-9708-019B960494DF}">
-                <a14:hiddenLine xmlns:a14="http://schemas.microsoft.com/office/drawing/2010/main" xmlns:a16="http://schemas.microsoft.com/office/drawing/2014/main" xmlns="" w="9525">
+                <a14:hiddenLine xmlns="" xmlns:a16="http://schemas.microsoft.com/office/drawing/2014/main" xmlns:a14="http://schemas.microsoft.com/office/drawing/2010/main" w="9525">
                   <a:solidFill>
                     <a:srgbClr val="000000"/>
                   </a:solidFill>
@@ -24029,7 +24031,7 @@
             </a:ln>
             <a:extLst>
               <a:ext uri="{91240B29-F687-4f45-9708-019B960494DF}">
-                <a14:hiddenLine xmlns:a14="http://schemas.microsoft.com/office/drawing/2010/main" xmlns:a16="http://schemas.microsoft.com/office/drawing/2014/main" xmlns="" w="9525">
+                <a14:hiddenLine xmlns="" xmlns:a16="http://schemas.microsoft.com/office/drawing/2014/main" xmlns:a14="http://schemas.microsoft.com/office/drawing/2010/main" w="9525">
                   <a:solidFill>
                     <a:srgbClr val="000000"/>
                   </a:solidFill>
@@ -24134,7 +24136,7 @@
             </a:ln>
             <a:extLst>
               <a:ext uri="{91240B29-F687-4f45-9708-019B960494DF}">
-                <a14:hiddenLine xmlns:a14="http://schemas.microsoft.com/office/drawing/2010/main" xmlns:a16="http://schemas.microsoft.com/office/drawing/2014/main" xmlns="" w="9525">
+                <a14:hiddenLine xmlns="" xmlns:a16="http://schemas.microsoft.com/office/drawing/2014/main" xmlns:a14="http://schemas.microsoft.com/office/drawing/2010/main" w="9525">
                   <a:solidFill>
                     <a:srgbClr val="000000"/>
                   </a:solidFill>
@@ -24211,7 +24213,7 @@
             </a:ln>
             <a:extLst>
               <a:ext uri="{91240B29-F687-4f45-9708-019B960494DF}">
-                <a14:hiddenLine xmlns:a14="http://schemas.microsoft.com/office/drawing/2010/main" xmlns:a16="http://schemas.microsoft.com/office/drawing/2014/main" xmlns="" w="9525">
+                <a14:hiddenLine xmlns="" xmlns:a16="http://schemas.microsoft.com/office/drawing/2014/main" xmlns:a14="http://schemas.microsoft.com/office/drawing/2010/main" w="9525">
                   <a:solidFill>
                     <a:srgbClr val="000000"/>
                   </a:solidFill>
@@ -24288,7 +24290,7 @@
             </a:ln>
             <a:extLst>
               <a:ext uri="{91240B29-F687-4f45-9708-019B960494DF}">
-                <a14:hiddenLine xmlns:a14="http://schemas.microsoft.com/office/drawing/2010/main" xmlns:a16="http://schemas.microsoft.com/office/drawing/2014/main" xmlns="" w="9525">
+                <a14:hiddenLine xmlns="" xmlns:a16="http://schemas.microsoft.com/office/drawing/2014/main" xmlns:a14="http://schemas.microsoft.com/office/drawing/2010/main" w="9525">
                   <a:solidFill>
                     <a:srgbClr val="000000"/>
                   </a:solidFill>
@@ -24393,7 +24395,7 @@
             </a:ln>
             <a:extLst>
               <a:ext uri="{91240B29-F687-4f45-9708-019B960494DF}">
-                <a14:hiddenLine xmlns:a14="http://schemas.microsoft.com/office/drawing/2010/main" xmlns:a16="http://schemas.microsoft.com/office/drawing/2014/main" xmlns="" w="9525">
+                <a14:hiddenLine xmlns="" xmlns:a16="http://schemas.microsoft.com/office/drawing/2014/main" xmlns:a14="http://schemas.microsoft.com/office/drawing/2010/main" w="9525">
                   <a:solidFill>
                     <a:srgbClr val="000000"/>
                   </a:solidFill>
@@ -24476,7 +24478,7 @@
             </a:ln>
             <a:extLst>
               <a:ext uri="{91240B29-F687-4f45-9708-019B960494DF}">
-                <a14:hiddenLine xmlns:a14="http://schemas.microsoft.com/office/drawing/2010/main" xmlns:a16="http://schemas.microsoft.com/office/drawing/2014/main" xmlns="" w="9525">
+                <a14:hiddenLine xmlns="" xmlns:a16="http://schemas.microsoft.com/office/drawing/2014/main" xmlns:a14="http://schemas.microsoft.com/office/drawing/2010/main" w="9525">
                   <a:solidFill>
                     <a:srgbClr val="000000"/>
                   </a:solidFill>
@@ -24553,7 +24555,7 @@
             </a:ln>
             <a:extLst>
               <a:ext uri="{91240B29-F687-4f45-9708-019B960494DF}">
-                <a14:hiddenLine xmlns:a14="http://schemas.microsoft.com/office/drawing/2010/main" xmlns:a16="http://schemas.microsoft.com/office/drawing/2014/main" xmlns="" w="9525">
+                <a14:hiddenLine xmlns="" xmlns:a16="http://schemas.microsoft.com/office/drawing/2014/main" xmlns:a14="http://schemas.microsoft.com/office/drawing/2010/main" w="9525">
                   <a:solidFill>
                     <a:srgbClr val="000000"/>
                   </a:solidFill>
@@ -24658,7 +24660,7 @@
             </a:ln>
             <a:extLst>
               <a:ext uri="{91240B29-F687-4f45-9708-019B960494DF}">
-                <a14:hiddenLine xmlns:a14="http://schemas.microsoft.com/office/drawing/2010/main" xmlns:a16="http://schemas.microsoft.com/office/drawing/2014/main" xmlns="" w="9525">
+                <a14:hiddenLine xmlns="" xmlns:a16="http://schemas.microsoft.com/office/drawing/2014/main" xmlns:a14="http://schemas.microsoft.com/office/drawing/2010/main" w="9525">
                   <a:solidFill>
                     <a:srgbClr val="000000"/>
                   </a:solidFill>
@@ -24735,7 +24737,7 @@
             </a:ln>
             <a:extLst>
               <a:ext uri="{91240B29-F687-4f45-9708-019B960494DF}">
-                <a14:hiddenLine xmlns:a14="http://schemas.microsoft.com/office/drawing/2010/main" xmlns:a16="http://schemas.microsoft.com/office/drawing/2014/main" xmlns="" w="9525">
+                <a14:hiddenLine xmlns="" xmlns:a16="http://schemas.microsoft.com/office/drawing/2014/main" xmlns:a14="http://schemas.microsoft.com/office/drawing/2010/main" w="9525">
                   <a:solidFill>
                     <a:srgbClr val="000000"/>
                   </a:solidFill>
@@ -24840,7 +24842,7 @@
             </a:ln>
             <a:extLst>
               <a:ext uri="{91240B29-F687-4f45-9708-019B960494DF}">
-                <a14:hiddenLine xmlns:a14="http://schemas.microsoft.com/office/drawing/2010/main" xmlns:a16="http://schemas.microsoft.com/office/drawing/2014/main" xmlns="" w="9525">
+                <a14:hiddenLine xmlns="" xmlns:a16="http://schemas.microsoft.com/office/drawing/2014/main" xmlns:a14="http://schemas.microsoft.com/office/drawing/2010/main" w="9525">
                   <a:solidFill>
                     <a:srgbClr val="000000"/>
                   </a:solidFill>
@@ -24917,7 +24919,7 @@
             </a:ln>
             <a:extLst>
               <a:ext uri="{91240B29-F687-4f45-9708-019B960494DF}">
-                <a14:hiddenLine xmlns:a14="http://schemas.microsoft.com/office/drawing/2010/main" xmlns:a16="http://schemas.microsoft.com/office/drawing/2014/main" xmlns="" w="9525">
+                <a14:hiddenLine xmlns="" xmlns:a16="http://schemas.microsoft.com/office/drawing/2014/main" xmlns:a14="http://schemas.microsoft.com/office/drawing/2010/main" w="9525">
                   <a:solidFill>
                     <a:srgbClr val="000000"/>
                   </a:solidFill>
@@ -25022,7 +25024,7 @@
             </a:ln>
             <a:extLst>
               <a:ext uri="{91240B29-F687-4f45-9708-019B960494DF}">
-                <a14:hiddenLine xmlns:a14="http://schemas.microsoft.com/office/drawing/2010/main" xmlns:a16="http://schemas.microsoft.com/office/drawing/2014/main" xmlns="" w="9525">
+                <a14:hiddenLine xmlns="" xmlns:a16="http://schemas.microsoft.com/office/drawing/2014/main" xmlns:a14="http://schemas.microsoft.com/office/drawing/2010/main" w="9525">
                   <a:solidFill>
                     <a:srgbClr val="000000"/>
                   </a:solidFill>
@@ -25071,7 +25073,7 @@
             </a:ln>
             <a:extLst>
               <a:ext uri="{91240B29-F687-4f45-9708-019B960494DF}">
-                <a14:hiddenLine xmlns:a14="http://schemas.microsoft.com/office/drawing/2010/main" xmlns:a16="http://schemas.microsoft.com/office/drawing/2014/main" xmlns="" w="9525">
+                <a14:hiddenLine xmlns="" xmlns:a16="http://schemas.microsoft.com/office/drawing/2014/main" xmlns:a14="http://schemas.microsoft.com/office/drawing/2010/main" w="9525">
                   <a:solidFill>
                     <a:srgbClr val="000000"/>
                   </a:solidFill>
@@ -25151,7 +25153,7 @@
             </a:ln>
             <a:extLst>
               <a:ext uri="{91240B29-F687-4f45-9708-019B960494DF}">
-                <a14:hiddenLine xmlns:a14="http://schemas.microsoft.com/office/drawing/2010/main" xmlns:a16="http://schemas.microsoft.com/office/drawing/2014/main" xmlns="" w="9525">
+                <a14:hiddenLine xmlns="" xmlns:a16="http://schemas.microsoft.com/office/drawing/2014/main" xmlns:a14="http://schemas.microsoft.com/office/drawing/2010/main" w="9525">
                   <a:solidFill>
                     <a:srgbClr val="000000"/>
                   </a:solidFill>
@@ -25256,7 +25258,7 @@
             </a:ln>
             <a:extLst>
               <a:ext uri="{91240B29-F687-4f45-9708-019B960494DF}">
-                <a14:hiddenLine xmlns:a14="http://schemas.microsoft.com/office/drawing/2010/main" xmlns:a16="http://schemas.microsoft.com/office/drawing/2014/main" xmlns="" w="9525">
+                <a14:hiddenLine xmlns="" xmlns:a16="http://schemas.microsoft.com/office/drawing/2014/main" xmlns:a14="http://schemas.microsoft.com/office/drawing/2010/main" w="9525">
                   <a:solidFill>
                     <a:srgbClr val="000000"/>
                   </a:solidFill>
@@ -25333,7 +25335,7 @@
             </a:ln>
             <a:extLst>
               <a:ext uri="{91240B29-F687-4f45-9708-019B960494DF}">
-                <a14:hiddenLine xmlns:a14="http://schemas.microsoft.com/office/drawing/2010/main" xmlns:a16="http://schemas.microsoft.com/office/drawing/2014/main" xmlns="" w="9525">
+                <a14:hiddenLine xmlns="" xmlns:a16="http://schemas.microsoft.com/office/drawing/2014/main" xmlns:a14="http://schemas.microsoft.com/office/drawing/2010/main" w="9525">
                   <a:solidFill>
                     <a:srgbClr val="000000"/>
                   </a:solidFill>
@@ -25438,7 +25440,7 @@
             </a:ln>
             <a:extLst>
               <a:ext uri="{91240B29-F687-4f45-9708-019B960494DF}">
-                <a14:hiddenLine xmlns:a14="http://schemas.microsoft.com/office/drawing/2010/main" xmlns:a16="http://schemas.microsoft.com/office/drawing/2014/main" xmlns="" w="9525">
+                <a14:hiddenLine xmlns="" xmlns:a16="http://schemas.microsoft.com/office/drawing/2014/main" xmlns:a14="http://schemas.microsoft.com/office/drawing/2010/main" w="9525">
                   <a:solidFill>
                     <a:srgbClr val="000000"/>
                   </a:solidFill>
@@ -25543,7 +25545,7 @@
             </a:ln>
             <a:extLst>
               <a:ext uri="{91240B29-F687-4f45-9708-019B960494DF}">
-                <a14:hiddenLine xmlns:a14="http://schemas.microsoft.com/office/drawing/2010/main" xmlns:a16="http://schemas.microsoft.com/office/drawing/2014/main" xmlns="" w="9525">
+                <a14:hiddenLine xmlns="" xmlns:a16="http://schemas.microsoft.com/office/drawing/2014/main" xmlns:a14="http://schemas.microsoft.com/office/drawing/2010/main" w="9525">
                   <a:solidFill>
                     <a:srgbClr val="000000"/>
                   </a:solidFill>
@@ -25623,7 +25625,7 @@
             </a:ln>
             <a:extLst>
               <a:ext uri="{91240B29-F687-4f45-9708-019B960494DF}">
-                <a14:hiddenLine xmlns:a14="http://schemas.microsoft.com/office/drawing/2010/main" xmlns:a16="http://schemas.microsoft.com/office/drawing/2014/main" xmlns="" w="9525">
+                <a14:hiddenLine xmlns="" xmlns:a16="http://schemas.microsoft.com/office/drawing/2014/main" xmlns:a14="http://schemas.microsoft.com/office/drawing/2010/main" w="9525">
                   <a:solidFill>
                     <a:srgbClr val="000000"/>
                   </a:solidFill>
@@ -25700,7 +25702,7 @@
             </a:ln>
             <a:extLst>
               <a:ext uri="{91240B29-F687-4f45-9708-019B960494DF}">
-                <a14:hiddenLine xmlns:a14="http://schemas.microsoft.com/office/drawing/2010/main" xmlns:a16="http://schemas.microsoft.com/office/drawing/2014/main" xmlns="" w="9525">
+                <a14:hiddenLine xmlns="" xmlns:a16="http://schemas.microsoft.com/office/drawing/2014/main" xmlns:a14="http://schemas.microsoft.com/office/drawing/2010/main" w="9525">
                   <a:solidFill>
                     <a:srgbClr val="000000"/>
                   </a:solidFill>
@@ -25805,7 +25807,7 @@
             </a:ln>
             <a:extLst>
               <a:ext uri="{91240B29-F687-4f45-9708-019B960494DF}">
-                <a14:hiddenLine xmlns:a14="http://schemas.microsoft.com/office/drawing/2010/main" xmlns:a16="http://schemas.microsoft.com/office/drawing/2014/main" xmlns="" w="9525">
+                <a14:hiddenLine xmlns="" xmlns:a16="http://schemas.microsoft.com/office/drawing/2014/main" xmlns:a14="http://schemas.microsoft.com/office/drawing/2010/main" w="9525">
                   <a:solidFill>
                     <a:srgbClr val="000000"/>
                   </a:solidFill>
@@ -25910,7 +25912,7 @@
             </a:ln>
             <a:extLst>
               <a:ext uri="{91240B29-F687-4f45-9708-019B960494DF}">
-                <a14:hiddenLine xmlns:a14="http://schemas.microsoft.com/office/drawing/2010/main" xmlns:a16="http://schemas.microsoft.com/office/drawing/2014/main" xmlns="" w="9525">
+                <a14:hiddenLine xmlns="" xmlns:a16="http://schemas.microsoft.com/office/drawing/2014/main" xmlns:a14="http://schemas.microsoft.com/office/drawing/2010/main" w="9525">
                   <a:solidFill>
                     <a:srgbClr val="000000"/>
                   </a:solidFill>
@@ -25987,7 +25989,7 @@
             </a:ln>
             <a:extLst>
               <a:ext uri="{91240B29-F687-4f45-9708-019B960494DF}">
-                <a14:hiddenLine xmlns:a14="http://schemas.microsoft.com/office/drawing/2010/main" xmlns:a16="http://schemas.microsoft.com/office/drawing/2014/main" xmlns="" w="9525">
+                <a14:hiddenLine xmlns="" xmlns:a16="http://schemas.microsoft.com/office/drawing/2014/main" xmlns:a14="http://schemas.microsoft.com/office/drawing/2010/main" w="9525">
                   <a:solidFill>
                     <a:srgbClr val="000000"/>
                   </a:solidFill>
@@ -26122,7 +26124,7 @@
             </a:ln>
             <a:extLst>
               <a:ext uri="{91240B29-F687-4f45-9708-019B960494DF}">
-                <a14:hiddenLine xmlns:a14="http://schemas.microsoft.com/office/drawing/2010/main" xmlns:a16="http://schemas.microsoft.com/office/drawing/2014/main" xmlns="" w="9525">
+                <a14:hiddenLine xmlns="" xmlns:a16="http://schemas.microsoft.com/office/drawing/2014/main" xmlns:a14="http://schemas.microsoft.com/office/drawing/2010/main" w="9525">
                   <a:solidFill>
                     <a:srgbClr val="000000"/>
                   </a:solidFill>
@@ -26205,7 +26207,7 @@
             </a:ln>
             <a:extLst>
               <a:ext uri="{91240B29-F687-4f45-9708-019B960494DF}">
-                <a14:hiddenLine xmlns:a14="http://schemas.microsoft.com/office/drawing/2010/main" xmlns:a16="http://schemas.microsoft.com/office/drawing/2014/main" xmlns="" w="9525">
+                <a14:hiddenLine xmlns="" xmlns:a16="http://schemas.microsoft.com/office/drawing/2014/main" xmlns:a14="http://schemas.microsoft.com/office/drawing/2010/main" w="9525">
                   <a:solidFill>
                     <a:srgbClr val="000000"/>
                   </a:solidFill>
@@ -26310,7 +26312,7 @@
             </a:ln>
             <a:extLst>
               <a:ext uri="{91240B29-F687-4f45-9708-019B960494DF}">
-                <a14:hiddenLine xmlns:a14="http://schemas.microsoft.com/office/drawing/2010/main" xmlns:a16="http://schemas.microsoft.com/office/drawing/2014/main" xmlns="" w="9525">
+                <a14:hiddenLine xmlns="" xmlns:a16="http://schemas.microsoft.com/office/drawing/2014/main" xmlns:a14="http://schemas.microsoft.com/office/drawing/2010/main" w="9525">
                   <a:solidFill>
                     <a:srgbClr val="000000"/>
                   </a:solidFill>
@@ -26457,7 +26459,7 @@
             </a:ln>
             <a:extLst>
               <a:ext uri="{91240B29-F687-4f45-9708-019B960494DF}">
-                <a14:hiddenLine xmlns:a14="http://schemas.microsoft.com/office/drawing/2010/main" xmlns:p14="http://schemas.microsoft.com/office/powerpoint/2010/main" xmlns:a16="http://schemas.microsoft.com/office/drawing/2014/main" xmlns="" w="9525">
+                <a14:hiddenLine xmlns="" xmlns:a16="http://schemas.microsoft.com/office/drawing/2014/main" xmlns:p14="http://schemas.microsoft.com/office/powerpoint/2010/main" xmlns:a14="http://schemas.microsoft.com/office/drawing/2010/main" w="9525">
                   <a:solidFill>
                     <a:srgbClr val="000000"/>
                   </a:solidFill>
@@ -26562,7 +26564,7 @@
             </a:ln>
             <a:extLst>
               <a:ext uri="{91240B29-F687-4f45-9708-019B960494DF}">
-                <a14:hiddenLine xmlns:a14="http://schemas.microsoft.com/office/drawing/2010/main" xmlns:p14="http://schemas.microsoft.com/office/powerpoint/2010/main" xmlns:a16="http://schemas.microsoft.com/office/drawing/2014/main" xmlns="" w="9525">
+                <a14:hiddenLine xmlns="" xmlns:a16="http://schemas.microsoft.com/office/drawing/2014/main" xmlns:p14="http://schemas.microsoft.com/office/powerpoint/2010/main" xmlns:a14="http://schemas.microsoft.com/office/drawing/2010/main" w="9525">
                   <a:solidFill>
                     <a:srgbClr val="000000"/>
                   </a:solidFill>
@@ -26667,7 +26669,7 @@
             </a:ln>
             <a:extLst>
               <a:ext uri="{91240B29-F687-4f45-9708-019B960494DF}">
-                <a14:hiddenLine xmlns:a14="http://schemas.microsoft.com/office/drawing/2010/main" xmlns:p14="http://schemas.microsoft.com/office/powerpoint/2010/main" xmlns:a16="http://schemas.microsoft.com/office/drawing/2014/main" xmlns="" w="9525">
+                <a14:hiddenLine xmlns="" xmlns:a16="http://schemas.microsoft.com/office/drawing/2014/main" xmlns:p14="http://schemas.microsoft.com/office/powerpoint/2010/main" xmlns:a14="http://schemas.microsoft.com/office/drawing/2010/main" w="9525">
                   <a:solidFill>
                     <a:srgbClr val="000000"/>
                   </a:solidFill>
@@ -26716,7 +26718,7 @@
             </a:ln>
             <a:extLst>
               <a:ext uri="{91240B29-F687-4f45-9708-019B960494DF}">
-                <a14:hiddenLine xmlns:a14="http://schemas.microsoft.com/office/drawing/2010/main" xmlns:p14="http://schemas.microsoft.com/office/powerpoint/2010/main" xmlns:a16="http://schemas.microsoft.com/office/drawing/2014/main" xmlns="" w="9525">
+                <a14:hiddenLine xmlns="" xmlns:a16="http://schemas.microsoft.com/office/drawing/2014/main" xmlns:p14="http://schemas.microsoft.com/office/powerpoint/2010/main" xmlns:a14="http://schemas.microsoft.com/office/drawing/2010/main" w="9525">
                   <a:solidFill>
                     <a:srgbClr val="000000"/>
                   </a:solidFill>
@@ -26821,7 +26823,7 @@
             </a:ln>
             <a:extLst>
               <a:ext uri="{91240B29-F687-4f45-9708-019B960494DF}">
-                <a14:hiddenLine xmlns:a14="http://schemas.microsoft.com/office/drawing/2010/main" xmlns:p14="http://schemas.microsoft.com/office/powerpoint/2010/main" xmlns:a16="http://schemas.microsoft.com/office/drawing/2014/main" xmlns="" w="9525">
+                <a14:hiddenLine xmlns="" xmlns:a16="http://schemas.microsoft.com/office/drawing/2014/main" xmlns:p14="http://schemas.microsoft.com/office/powerpoint/2010/main" xmlns:a14="http://schemas.microsoft.com/office/drawing/2010/main" w="9525">
                   <a:solidFill>
                     <a:srgbClr val="000000"/>
                   </a:solidFill>
@@ -26898,7 +26900,7 @@
             </a:ln>
             <a:extLst>
               <a:ext uri="{91240B29-F687-4f45-9708-019B960494DF}">
-                <a14:hiddenLine xmlns:a14="http://schemas.microsoft.com/office/drawing/2010/main" xmlns:p14="http://schemas.microsoft.com/office/powerpoint/2010/main" xmlns:a16="http://schemas.microsoft.com/office/drawing/2014/main" xmlns="" w="9525">
+                <a14:hiddenLine xmlns="" xmlns:a16="http://schemas.microsoft.com/office/drawing/2014/main" xmlns:p14="http://schemas.microsoft.com/office/powerpoint/2010/main" xmlns:a14="http://schemas.microsoft.com/office/drawing/2010/main" w="9525">
                   <a:solidFill>
                     <a:srgbClr val="000000"/>
                   </a:solidFill>
@@ -26975,7 +26977,7 @@
             </a:ln>
             <a:extLst>
               <a:ext uri="{91240B29-F687-4f45-9708-019B960494DF}">
-                <a14:hiddenLine xmlns:a14="http://schemas.microsoft.com/office/drawing/2010/main" xmlns:p14="http://schemas.microsoft.com/office/powerpoint/2010/main" xmlns:a16="http://schemas.microsoft.com/office/drawing/2014/main" xmlns="" w="9525">
+                <a14:hiddenLine xmlns="" xmlns:a16="http://schemas.microsoft.com/office/drawing/2014/main" xmlns:p14="http://schemas.microsoft.com/office/powerpoint/2010/main" xmlns:a14="http://schemas.microsoft.com/office/drawing/2010/main" w="9525">
                   <a:solidFill>
                     <a:srgbClr val="000000"/>
                   </a:solidFill>
@@ -27080,7 +27082,7 @@
             </a:ln>
             <a:extLst>
               <a:ext uri="{91240B29-F687-4f45-9708-019B960494DF}">
-                <a14:hiddenLine xmlns:a14="http://schemas.microsoft.com/office/drawing/2010/main" xmlns:p14="http://schemas.microsoft.com/office/powerpoint/2010/main" xmlns:a16="http://schemas.microsoft.com/office/drawing/2014/main" xmlns="" w="9525">
+                <a14:hiddenLine xmlns="" xmlns:a16="http://schemas.microsoft.com/office/drawing/2014/main" xmlns:p14="http://schemas.microsoft.com/office/powerpoint/2010/main" xmlns:a14="http://schemas.microsoft.com/office/drawing/2010/main" w="9525">
                   <a:solidFill>
                     <a:srgbClr val="000000"/>
                   </a:solidFill>
@@ -27157,7 +27159,7 @@
             </a:ln>
             <a:extLst>
               <a:ext uri="{91240B29-F687-4f45-9708-019B960494DF}">
-                <a14:hiddenLine xmlns:a14="http://schemas.microsoft.com/office/drawing/2010/main" xmlns:p14="http://schemas.microsoft.com/office/powerpoint/2010/main" xmlns:a16="http://schemas.microsoft.com/office/drawing/2014/main" xmlns="" w="9525">
+                <a14:hiddenLine xmlns="" xmlns:a16="http://schemas.microsoft.com/office/drawing/2014/main" xmlns:p14="http://schemas.microsoft.com/office/powerpoint/2010/main" xmlns:a14="http://schemas.microsoft.com/office/drawing/2010/main" w="9525">
                   <a:solidFill>
                     <a:srgbClr val="000000"/>
                   </a:solidFill>
@@ -27234,7 +27236,7 @@
             </a:ln>
             <a:extLst>
               <a:ext uri="{91240B29-F687-4f45-9708-019B960494DF}">
-                <a14:hiddenLine xmlns:a14="http://schemas.microsoft.com/office/drawing/2010/main" xmlns:p14="http://schemas.microsoft.com/office/powerpoint/2010/main" xmlns:a16="http://schemas.microsoft.com/office/drawing/2014/main" xmlns="" w="9525">
+                <a14:hiddenLine xmlns="" xmlns:a16="http://schemas.microsoft.com/office/drawing/2014/main" xmlns:p14="http://schemas.microsoft.com/office/powerpoint/2010/main" xmlns:a14="http://schemas.microsoft.com/office/drawing/2010/main" w="9525">
                   <a:solidFill>
                     <a:srgbClr val="000000"/>
                   </a:solidFill>
@@ -27339,7 +27341,7 @@
             </a:ln>
             <a:extLst>
               <a:ext uri="{91240B29-F687-4f45-9708-019B960494DF}">
-                <a14:hiddenLine xmlns:a14="http://schemas.microsoft.com/office/drawing/2010/main" xmlns:p14="http://schemas.microsoft.com/office/powerpoint/2010/main" xmlns:a16="http://schemas.microsoft.com/office/drawing/2014/main" xmlns="" w="9525">
+                <a14:hiddenLine xmlns="" xmlns:a16="http://schemas.microsoft.com/office/drawing/2014/main" xmlns:p14="http://schemas.microsoft.com/office/powerpoint/2010/main" xmlns:a14="http://schemas.microsoft.com/office/drawing/2010/main" w="9525">
                   <a:solidFill>
                     <a:srgbClr val="000000"/>
                   </a:solidFill>
@@ -27444,7 +27446,7 @@
             </a:ln>
             <a:extLst>
               <a:ext uri="{91240B29-F687-4f45-9708-019B960494DF}">
-                <a14:hiddenLine xmlns:a14="http://schemas.microsoft.com/office/drawing/2010/main" xmlns:p14="http://schemas.microsoft.com/office/powerpoint/2010/main" xmlns:a16="http://schemas.microsoft.com/office/drawing/2014/main" xmlns="" w="9525">
+                <a14:hiddenLine xmlns="" xmlns:a16="http://schemas.microsoft.com/office/drawing/2014/main" xmlns:p14="http://schemas.microsoft.com/office/powerpoint/2010/main" xmlns:a14="http://schemas.microsoft.com/office/drawing/2010/main" w="9525">
                   <a:solidFill>
                     <a:srgbClr val="000000"/>
                   </a:solidFill>
@@ -27521,7 +27523,7 @@
             </a:ln>
             <a:extLst>
               <a:ext uri="{91240B29-F687-4f45-9708-019B960494DF}">
-                <a14:hiddenLine xmlns:a14="http://schemas.microsoft.com/office/drawing/2010/main" xmlns:p14="http://schemas.microsoft.com/office/powerpoint/2010/main" xmlns:a16="http://schemas.microsoft.com/office/drawing/2014/main" xmlns="" w="9525">
+                <a14:hiddenLine xmlns="" xmlns:a16="http://schemas.microsoft.com/office/drawing/2014/main" xmlns:p14="http://schemas.microsoft.com/office/powerpoint/2010/main" xmlns:a14="http://schemas.microsoft.com/office/drawing/2010/main" w="9525">
                   <a:solidFill>
                     <a:srgbClr val="000000"/>
                   </a:solidFill>
@@ -27646,7 +27648,7 @@
             </a:ln>
             <a:extLst>
               <a:ext uri="{91240B29-F687-4f45-9708-019B960494DF}">
-                <a14:hiddenLine xmlns:a14="http://schemas.microsoft.com/office/drawing/2010/main" xmlns:p14="http://schemas.microsoft.com/office/powerpoint/2010/main" xmlns:a16="http://schemas.microsoft.com/office/drawing/2014/main" xmlns="" w="9525">
+                <a14:hiddenLine xmlns="" xmlns:a16="http://schemas.microsoft.com/office/drawing/2014/main" xmlns:p14="http://schemas.microsoft.com/office/powerpoint/2010/main" xmlns:a14="http://schemas.microsoft.com/office/drawing/2010/main" w="9525">
                   <a:solidFill>
                     <a:srgbClr val="000000"/>
                   </a:solidFill>
@@ -27723,7 +27725,7 @@
             </a:ln>
             <a:extLst>
               <a:ext uri="{91240B29-F687-4f45-9708-019B960494DF}">
-                <a14:hiddenLine xmlns:a14="http://schemas.microsoft.com/office/drawing/2010/main" xmlns:p14="http://schemas.microsoft.com/office/powerpoint/2010/main" xmlns:a16="http://schemas.microsoft.com/office/drawing/2014/main" xmlns="" w="9525">
+                <a14:hiddenLine xmlns="" xmlns:a16="http://schemas.microsoft.com/office/drawing/2014/main" xmlns:p14="http://schemas.microsoft.com/office/powerpoint/2010/main" xmlns:a14="http://schemas.microsoft.com/office/drawing/2010/main" w="9525">
                   <a:solidFill>
                     <a:srgbClr val="000000"/>
                   </a:solidFill>
@@ -27828,7 +27830,7 @@
             </a:ln>
             <a:extLst>
               <a:ext uri="{91240B29-F687-4f45-9708-019B960494DF}">
-                <a14:hiddenLine xmlns:a14="http://schemas.microsoft.com/office/drawing/2010/main" xmlns:p14="http://schemas.microsoft.com/office/powerpoint/2010/main" xmlns:a16="http://schemas.microsoft.com/office/drawing/2014/main" xmlns="" w="9525">
+                <a14:hiddenLine xmlns="" xmlns:a16="http://schemas.microsoft.com/office/drawing/2014/main" xmlns:p14="http://schemas.microsoft.com/office/powerpoint/2010/main" xmlns:a14="http://schemas.microsoft.com/office/drawing/2010/main" w="9525">
                   <a:solidFill>
                     <a:srgbClr val="000000"/>
                   </a:solidFill>
@@ -27933,7 +27935,7 @@
             </a:ln>
             <a:extLst>
               <a:ext uri="{91240B29-F687-4f45-9708-019B960494DF}">
-                <a14:hiddenLine xmlns:a14="http://schemas.microsoft.com/office/drawing/2010/main" xmlns:p14="http://schemas.microsoft.com/office/powerpoint/2010/main" xmlns:a16="http://schemas.microsoft.com/office/drawing/2014/main" xmlns="" w="9525">
+                <a14:hiddenLine xmlns="" xmlns:a16="http://schemas.microsoft.com/office/drawing/2014/main" xmlns:p14="http://schemas.microsoft.com/office/powerpoint/2010/main" xmlns:a14="http://schemas.microsoft.com/office/drawing/2010/main" w="9525">
                   <a:solidFill>
                     <a:srgbClr val="000000"/>
                   </a:solidFill>
@@ -28010,7 +28012,7 @@
             </a:ln>
             <a:extLst>
               <a:ext uri="{91240B29-F687-4f45-9708-019B960494DF}">
-                <a14:hiddenLine xmlns:a14="http://schemas.microsoft.com/office/drawing/2010/main" xmlns:p14="http://schemas.microsoft.com/office/powerpoint/2010/main" xmlns:a16="http://schemas.microsoft.com/office/drawing/2014/main" xmlns="" w="9525">
+                <a14:hiddenLine xmlns="" xmlns:a16="http://schemas.microsoft.com/office/drawing/2014/main" xmlns:p14="http://schemas.microsoft.com/office/powerpoint/2010/main" xmlns:a14="http://schemas.microsoft.com/office/drawing/2010/main" w="9525">
                   <a:solidFill>
                     <a:srgbClr val="000000"/>
                   </a:solidFill>
@@ -28115,7 +28117,7 @@
             </a:ln>
             <a:extLst>
               <a:ext uri="{91240B29-F687-4f45-9708-019B960494DF}">
-                <a14:hiddenLine xmlns:a14="http://schemas.microsoft.com/office/drawing/2010/main" xmlns:p14="http://schemas.microsoft.com/office/powerpoint/2010/main" xmlns:a16="http://schemas.microsoft.com/office/drawing/2014/main" xmlns="" w="9525">
+                <a14:hiddenLine xmlns="" xmlns:a16="http://schemas.microsoft.com/office/drawing/2014/main" xmlns:p14="http://schemas.microsoft.com/office/powerpoint/2010/main" xmlns:a14="http://schemas.microsoft.com/office/drawing/2010/main" w="9525">
                   <a:solidFill>
                     <a:srgbClr val="000000"/>
                   </a:solidFill>
@@ -28220,7 +28222,7 @@
             </a:ln>
             <a:extLst>
               <a:ext uri="{91240B29-F687-4f45-9708-019B960494DF}">
-                <a14:hiddenLine xmlns:a14="http://schemas.microsoft.com/office/drawing/2010/main" xmlns:p14="http://schemas.microsoft.com/office/powerpoint/2010/main" xmlns:a16="http://schemas.microsoft.com/office/drawing/2014/main" xmlns="" w="9525">
+                <a14:hiddenLine xmlns="" xmlns:a16="http://schemas.microsoft.com/office/drawing/2014/main" xmlns:p14="http://schemas.microsoft.com/office/powerpoint/2010/main" xmlns:a14="http://schemas.microsoft.com/office/drawing/2010/main" w="9525">
                   <a:solidFill>
                     <a:srgbClr val="000000"/>
                   </a:solidFill>
@@ -28291,7 +28293,7 @@
             </a:ln>
             <a:extLst>
               <a:ext uri="{91240B29-F687-4f45-9708-019B960494DF}">
-                <a14:hiddenLine xmlns:a14="http://schemas.microsoft.com/office/drawing/2010/main" xmlns:p14="http://schemas.microsoft.com/office/powerpoint/2010/main" xmlns:a16="http://schemas.microsoft.com/office/drawing/2014/main" xmlns="" w="9525">
+                <a14:hiddenLine xmlns="" xmlns:a16="http://schemas.microsoft.com/office/drawing/2014/main" xmlns:p14="http://schemas.microsoft.com/office/powerpoint/2010/main" xmlns:a14="http://schemas.microsoft.com/office/drawing/2010/main" w="9525">
                   <a:solidFill>
                     <a:srgbClr val="000000"/>
                   </a:solidFill>
@@ -28396,7 +28398,7 @@
             </a:ln>
             <a:extLst>
               <a:ext uri="{91240B29-F687-4f45-9708-019B960494DF}">
-                <a14:hiddenLine xmlns:a14="http://schemas.microsoft.com/office/drawing/2010/main" xmlns:p14="http://schemas.microsoft.com/office/powerpoint/2010/main" xmlns:a16="http://schemas.microsoft.com/office/drawing/2014/main" xmlns="" w="9525">
+                <a14:hiddenLine xmlns="" xmlns:a16="http://schemas.microsoft.com/office/drawing/2014/main" xmlns:p14="http://schemas.microsoft.com/office/powerpoint/2010/main" xmlns:a14="http://schemas.microsoft.com/office/drawing/2010/main" w="9525">
                   <a:solidFill>
                     <a:srgbClr val="000000"/>
                   </a:solidFill>
@@ -28467,7 +28469,7 @@
             </a:ln>
             <a:extLst>
               <a:ext uri="{91240B29-F687-4f45-9708-019B960494DF}">
-                <a14:hiddenLine xmlns:a14="http://schemas.microsoft.com/office/drawing/2010/main" xmlns:p14="http://schemas.microsoft.com/office/powerpoint/2010/main" xmlns:a16="http://schemas.microsoft.com/office/drawing/2014/main" xmlns="" w="9525">
+                <a14:hiddenLine xmlns="" xmlns:a16="http://schemas.microsoft.com/office/drawing/2014/main" xmlns:p14="http://schemas.microsoft.com/office/powerpoint/2010/main" xmlns:a14="http://schemas.microsoft.com/office/drawing/2010/main" w="9525">
                   <a:solidFill>
                     <a:srgbClr val="000000"/>
                   </a:solidFill>
@@ -28572,7 +28574,7 @@
             </a:ln>
             <a:extLst>
               <a:ext uri="{91240B29-F687-4f45-9708-019B960494DF}">
-                <a14:hiddenLine xmlns:a14="http://schemas.microsoft.com/office/drawing/2010/main" xmlns:p14="http://schemas.microsoft.com/office/powerpoint/2010/main" xmlns:a16="http://schemas.microsoft.com/office/drawing/2014/main" xmlns="" w="9525">
+                <a14:hiddenLine xmlns="" xmlns:a16="http://schemas.microsoft.com/office/drawing/2014/main" xmlns:p14="http://schemas.microsoft.com/office/powerpoint/2010/main" xmlns:a14="http://schemas.microsoft.com/office/drawing/2010/main" w="9525">
                   <a:solidFill>
                     <a:srgbClr val="000000"/>
                   </a:solidFill>
@@ -28655,7 +28657,7 @@
             </a:ln>
             <a:extLst>
               <a:ext uri="{91240B29-F687-4f45-9708-019B960494DF}">
-                <a14:hiddenLine xmlns:a14="http://schemas.microsoft.com/office/drawing/2010/main" xmlns:p14="http://schemas.microsoft.com/office/powerpoint/2010/main" xmlns:a16="http://schemas.microsoft.com/office/drawing/2014/main" xmlns="" w="9525">
+                <a14:hiddenLine xmlns="" xmlns:a16="http://schemas.microsoft.com/office/drawing/2014/main" xmlns:p14="http://schemas.microsoft.com/office/powerpoint/2010/main" xmlns:a14="http://schemas.microsoft.com/office/drawing/2010/main" w="9525">
                   <a:solidFill>
                     <a:srgbClr val="000000"/>
                   </a:solidFill>
@@ -28760,7 +28762,7 @@
             </a:ln>
             <a:extLst>
               <a:ext uri="{91240B29-F687-4f45-9708-019B960494DF}">
-                <a14:hiddenLine xmlns:a14="http://schemas.microsoft.com/office/drawing/2010/main" xmlns:p14="http://schemas.microsoft.com/office/powerpoint/2010/main" xmlns:a16="http://schemas.microsoft.com/office/drawing/2014/main" xmlns="" w="9525">
+                <a14:hiddenLine xmlns="" xmlns:a16="http://schemas.microsoft.com/office/drawing/2014/main" xmlns:p14="http://schemas.microsoft.com/office/powerpoint/2010/main" xmlns:a14="http://schemas.microsoft.com/office/drawing/2010/main" w="9525">
                   <a:solidFill>
                     <a:srgbClr val="000000"/>
                   </a:solidFill>
@@ -28843,7 +28845,7 @@
             </a:ln>
             <a:extLst>
               <a:ext uri="{91240B29-F687-4f45-9708-019B960494DF}">
-                <a14:hiddenLine xmlns:a14="http://schemas.microsoft.com/office/drawing/2010/main" xmlns:p14="http://schemas.microsoft.com/office/powerpoint/2010/main" xmlns:a16="http://schemas.microsoft.com/office/drawing/2014/main" xmlns="" w="9525">
+                <a14:hiddenLine xmlns="" xmlns:a16="http://schemas.microsoft.com/office/drawing/2014/main" xmlns:p14="http://schemas.microsoft.com/office/powerpoint/2010/main" xmlns:a14="http://schemas.microsoft.com/office/drawing/2010/main" w="9525">
                   <a:solidFill>
                     <a:srgbClr val="000000"/>
                   </a:solidFill>
@@ -28948,7 +28950,7 @@
             </a:ln>
             <a:extLst>
               <a:ext uri="{91240B29-F687-4f45-9708-019B960494DF}">
-                <a14:hiddenLine xmlns:a14="http://schemas.microsoft.com/office/drawing/2010/main" xmlns:p14="http://schemas.microsoft.com/office/powerpoint/2010/main" xmlns:a16="http://schemas.microsoft.com/office/drawing/2014/main" xmlns="" w="9525">
+                <a14:hiddenLine xmlns="" xmlns:a16="http://schemas.microsoft.com/office/drawing/2014/main" xmlns:p14="http://schemas.microsoft.com/office/powerpoint/2010/main" xmlns:a14="http://schemas.microsoft.com/office/drawing/2010/main" w="9525">
                   <a:solidFill>
                     <a:srgbClr val="000000"/>
                   </a:solidFill>
@@ -28997,7 +28999,7 @@
             </a:ln>
             <a:extLst>
               <a:ext uri="{91240B29-F687-4f45-9708-019B960494DF}">
-                <a14:hiddenLine xmlns:a14="http://schemas.microsoft.com/office/drawing/2010/main" xmlns:p14="http://schemas.microsoft.com/office/powerpoint/2010/main" xmlns:a16="http://schemas.microsoft.com/office/drawing/2014/main" xmlns="" w="9525">
+                <a14:hiddenLine xmlns="" xmlns:a16="http://schemas.microsoft.com/office/drawing/2014/main" xmlns:p14="http://schemas.microsoft.com/office/powerpoint/2010/main" xmlns:a14="http://schemas.microsoft.com/office/drawing/2010/main" w="9525">
                   <a:solidFill>
                     <a:srgbClr val="000000"/>
                   </a:solidFill>
@@ -29102,7 +29104,7 @@
             </a:ln>
             <a:extLst>
               <a:ext uri="{91240B29-F687-4f45-9708-019B960494DF}">
-                <a14:hiddenLine xmlns:a14="http://schemas.microsoft.com/office/drawing/2010/main" xmlns:p14="http://schemas.microsoft.com/office/powerpoint/2010/main" xmlns:a16="http://schemas.microsoft.com/office/drawing/2014/main" xmlns="" w="9525">
+                <a14:hiddenLine xmlns="" xmlns:a16="http://schemas.microsoft.com/office/drawing/2014/main" xmlns:p14="http://schemas.microsoft.com/office/powerpoint/2010/main" xmlns:a14="http://schemas.microsoft.com/office/drawing/2010/main" w="9525">
                   <a:solidFill>
                     <a:srgbClr val="000000"/>
                   </a:solidFill>
@@ -29179,7 +29181,7 @@
             </a:ln>
             <a:extLst>
               <a:ext uri="{91240B29-F687-4f45-9708-019B960494DF}">
-                <a14:hiddenLine xmlns:a14="http://schemas.microsoft.com/office/drawing/2010/main" xmlns:p14="http://schemas.microsoft.com/office/powerpoint/2010/main" xmlns:a16="http://schemas.microsoft.com/office/drawing/2014/main" xmlns="" w="9525">
+                <a14:hiddenLine xmlns="" xmlns:a16="http://schemas.microsoft.com/office/drawing/2014/main" xmlns:p14="http://schemas.microsoft.com/office/powerpoint/2010/main" xmlns:a14="http://schemas.microsoft.com/office/drawing/2010/main" w="9525">
                   <a:solidFill>
                     <a:srgbClr val="000000"/>
                   </a:solidFill>
@@ -29256,7 +29258,7 @@
             </a:ln>
             <a:extLst>
               <a:ext uri="{91240B29-F687-4f45-9708-019B960494DF}">
-                <a14:hiddenLine xmlns:a14="http://schemas.microsoft.com/office/drawing/2010/main" xmlns:p14="http://schemas.microsoft.com/office/powerpoint/2010/main" xmlns:a16="http://schemas.microsoft.com/office/drawing/2014/main" xmlns="" w="9525">
+                <a14:hiddenLine xmlns="" xmlns:a16="http://schemas.microsoft.com/office/drawing/2014/main" xmlns:p14="http://schemas.microsoft.com/office/powerpoint/2010/main" xmlns:a14="http://schemas.microsoft.com/office/drawing/2010/main" w="9525">
                   <a:solidFill>
                     <a:srgbClr val="000000"/>
                   </a:solidFill>
@@ -29361,7 +29363,7 @@
             </a:ln>
             <a:extLst>
               <a:ext uri="{91240B29-F687-4f45-9708-019B960494DF}">
-                <a14:hiddenLine xmlns:a14="http://schemas.microsoft.com/office/drawing/2010/main" xmlns:p14="http://schemas.microsoft.com/office/powerpoint/2010/main" xmlns:a16="http://schemas.microsoft.com/office/drawing/2014/main" xmlns="" w="9525">
+                <a14:hiddenLine xmlns="" xmlns:a16="http://schemas.microsoft.com/office/drawing/2014/main" xmlns:p14="http://schemas.microsoft.com/office/powerpoint/2010/main" xmlns:a14="http://schemas.microsoft.com/office/drawing/2010/main" w="9525">
                   <a:solidFill>
                     <a:srgbClr val="000000"/>
                   </a:solidFill>
@@ -29444,7 +29446,7 @@
             </a:ln>
             <a:extLst>
               <a:ext uri="{91240B29-F687-4f45-9708-019B960494DF}">
-                <a14:hiddenLine xmlns:a14="http://schemas.microsoft.com/office/drawing/2010/main" xmlns:p14="http://schemas.microsoft.com/office/powerpoint/2010/main" xmlns:a16="http://schemas.microsoft.com/office/drawing/2014/main" xmlns="" w="9525">
+                <a14:hiddenLine xmlns="" xmlns:a16="http://schemas.microsoft.com/office/drawing/2014/main" xmlns:p14="http://schemas.microsoft.com/office/powerpoint/2010/main" xmlns:a14="http://schemas.microsoft.com/office/drawing/2010/main" w="9525">
                   <a:solidFill>
                     <a:srgbClr val="000000"/>
                   </a:solidFill>
@@ -29521,7 +29523,7 @@
             </a:ln>
             <a:extLst>
               <a:ext uri="{91240B29-F687-4f45-9708-019B960494DF}">
-                <a14:hiddenLine xmlns:a14="http://schemas.microsoft.com/office/drawing/2010/main" xmlns:p14="http://schemas.microsoft.com/office/powerpoint/2010/main" xmlns:a16="http://schemas.microsoft.com/office/drawing/2014/main" xmlns="" w="9525">
+                <a14:hiddenLine xmlns="" xmlns:a16="http://schemas.microsoft.com/office/drawing/2014/main" xmlns:p14="http://schemas.microsoft.com/office/powerpoint/2010/main" xmlns:a14="http://schemas.microsoft.com/office/drawing/2010/main" w="9525">
                   <a:solidFill>
                     <a:srgbClr val="000000"/>
                   </a:solidFill>
@@ -29626,7 +29628,7 @@
             </a:ln>
             <a:extLst>
               <a:ext uri="{91240B29-F687-4f45-9708-019B960494DF}">
-                <a14:hiddenLine xmlns:a14="http://schemas.microsoft.com/office/drawing/2010/main" xmlns:p14="http://schemas.microsoft.com/office/powerpoint/2010/main" xmlns:a16="http://schemas.microsoft.com/office/drawing/2014/main" xmlns="" w="9525">
+                <a14:hiddenLine xmlns="" xmlns:a16="http://schemas.microsoft.com/office/drawing/2014/main" xmlns:p14="http://schemas.microsoft.com/office/powerpoint/2010/main" xmlns:a14="http://schemas.microsoft.com/office/drawing/2010/main" w="9525">
                   <a:solidFill>
                     <a:srgbClr val="000000"/>
                   </a:solidFill>
@@ -29703,7 +29705,7 @@
             </a:ln>
             <a:extLst>
               <a:ext uri="{91240B29-F687-4f45-9708-019B960494DF}">
-                <a14:hiddenLine xmlns:a14="http://schemas.microsoft.com/office/drawing/2010/main" xmlns:p14="http://schemas.microsoft.com/office/powerpoint/2010/main" xmlns:a16="http://schemas.microsoft.com/office/drawing/2014/main" xmlns="" w="9525">
+                <a14:hiddenLine xmlns="" xmlns:a16="http://schemas.microsoft.com/office/drawing/2014/main" xmlns:p14="http://schemas.microsoft.com/office/powerpoint/2010/main" xmlns:a14="http://schemas.microsoft.com/office/drawing/2010/main" w="9525">
                   <a:solidFill>
                     <a:srgbClr val="000000"/>
                   </a:solidFill>
@@ -29808,7 +29810,7 @@
             </a:ln>
             <a:extLst>
               <a:ext uri="{91240B29-F687-4f45-9708-019B960494DF}">
-                <a14:hiddenLine xmlns:a14="http://schemas.microsoft.com/office/drawing/2010/main" xmlns:p14="http://schemas.microsoft.com/office/powerpoint/2010/main" xmlns:a16="http://schemas.microsoft.com/office/drawing/2014/main" xmlns="" w="9525">
+                <a14:hiddenLine xmlns="" xmlns:a16="http://schemas.microsoft.com/office/drawing/2014/main" xmlns:p14="http://schemas.microsoft.com/office/powerpoint/2010/main" xmlns:a14="http://schemas.microsoft.com/office/drawing/2010/main" w="9525">
                   <a:solidFill>
                     <a:srgbClr val="000000"/>
                   </a:solidFill>
@@ -29885,7 +29887,7 @@
             </a:ln>
             <a:extLst>
               <a:ext uri="{91240B29-F687-4f45-9708-019B960494DF}">
-                <a14:hiddenLine xmlns:a14="http://schemas.microsoft.com/office/drawing/2010/main" xmlns:p14="http://schemas.microsoft.com/office/powerpoint/2010/main" xmlns:a16="http://schemas.microsoft.com/office/drawing/2014/main" xmlns="" w="9525">
+                <a14:hiddenLine xmlns="" xmlns:a16="http://schemas.microsoft.com/office/drawing/2014/main" xmlns:p14="http://schemas.microsoft.com/office/powerpoint/2010/main" xmlns:a14="http://schemas.microsoft.com/office/drawing/2010/main" w="9525">
                   <a:solidFill>
                     <a:srgbClr val="000000"/>
                   </a:solidFill>
@@ -29990,7 +29992,7 @@
             </a:ln>
             <a:extLst>
               <a:ext uri="{91240B29-F687-4f45-9708-019B960494DF}">
-                <a14:hiddenLine xmlns:a14="http://schemas.microsoft.com/office/drawing/2010/main" xmlns:p14="http://schemas.microsoft.com/office/powerpoint/2010/main" xmlns:a16="http://schemas.microsoft.com/office/drawing/2014/main" xmlns="" w="9525">
+                <a14:hiddenLine xmlns="" xmlns:a16="http://schemas.microsoft.com/office/drawing/2014/main" xmlns:p14="http://schemas.microsoft.com/office/powerpoint/2010/main" xmlns:a14="http://schemas.microsoft.com/office/drawing/2010/main" w="9525">
                   <a:solidFill>
                     <a:srgbClr val="000000"/>
                   </a:solidFill>
@@ -30039,7 +30041,7 @@
             </a:ln>
             <a:extLst>
               <a:ext uri="{91240B29-F687-4f45-9708-019B960494DF}">
-                <a14:hiddenLine xmlns:a14="http://schemas.microsoft.com/office/drawing/2010/main" xmlns:p14="http://schemas.microsoft.com/office/powerpoint/2010/main" xmlns:a16="http://schemas.microsoft.com/office/drawing/2014/main" xmlns="" w="9525">
+                <a14:hiddenLine xmlns="" xmlns:a16="http://schemas.microsoft.com/office/drawing/2014/main" xmlns:p14="http://schemas.microsoft.com/office/powerpoint/2010/main" xmlns:a14="http://schemas.microsoft.com/office/drawing/2010/main" w="9525">
                   <a:solidFill>
                     <a:srgbClr val="000000"/>
                   </a:solidFill>
@@ -30119,7 +30121,7 @@
             </a:ln>
             <a:extLst>
               <a:ext uri="{91240B29-F687-4f45-9708-019B960494DF}">
-                <a14:hiddenLine xmlns:a14="http://schemas.microsoft.com/office/drawing/2010/main" xmlns:p14="http://schemas.microsoft.com/office/powerpoint/2010/main" xmlns:a16="http://schemas.microsoft.com/office/drawing/2014/main" xmlns="" w="9525">
+                <a14:hiddenLine xmlns="" xmlns:a16="http://schemas.microsoft.com/office/drawing/2014/main" xmlns:p14="http://schemas.microsoft.com/office/powerpoint/2010/main" xmlns:a14="http://schemas.microsoft.com/office/drawing/2010/main" w="9525">
                   <a:solidFill>
                     <a:srgbClr val="000000"/>
                   </a:solidFill>
@@ -30224,7 +30226,7 @@
             </a:ln>
             <a:extLst>
               <a:ext uri="{91240B29-F687-4f45-9708-019B960494DF}">
-                <a14:hiddenLine xmlns:a14="http://schemas.microsoft.com/office/drawing/2010/main" xmlns:p14="http://schemas.microsoft.com/office/powerpoint/2010/main" xmlns:a16="http://schemas.microsoft.com/office/drawing/2014/main" xmlns="" w="9525">
+                <a14:hiddenLine xmlns="" xmlns:a16="http://schemas.microsoft.com/office/drawing/2014/main" xmlns:p14="http://schemas.microsoft.com/office/powerpoint/2010/main" xmlns:a14="http://schemas.microsoft.com/office/drawing/2010/main" w="9525">
                   <a:solidFill>
                     <a:srgbClr val="000000"/>
                   </a:solidFill>
@@ -30301,7 +30303,7 @@
             </a:ln>
             <a:extLst>
               <a:ext uri="{91240B29-F687-4f45-9708-019B960494DF}">
-                <a14:hiddenLine xmlns:a14="http://schemas.microsoft.com/office/drawing/2010/main" xmlns:p14="http://schemas.microsoft.com/office/powerpoint/2010/main" xmlns:a16="http://schemas.microsoft.com/office/drawing/2014/main" xmlns="" w="9525">
+                <a14:hiddenLine xmlns="" xmlns:a16="http://schemas.microsoft.com/office/drawing/2014/main" xmlns:p14="http://schemas.microsoft.com/office/powerpoint/2010/main" xmlns:a14="http://schemas.microsoft.com/office/drawing/2010/main" w="9525">
                   <a:solidFill>
                     <a:srgbClr val="000000"/>
                   </a:solidFill>
@@ -30406,7 +30408,7 @@
             </a:ln>
             <a:extLst>
               <a:ext uri="{91240B29-F687-4f45-9708-019B960494DF}">
-                <a14:hiddenLine xmlns:a14="http://schemas.microsoft.com/office/drawing/2010/main" xmlns:p14="http://schemas.microsoft.com/office/powerpoint/2010/main" xmlns:a16="http://schemas.microsoft.com/office/drawing/2014/main" xmlns="" w="9525">
+                <a14:hiddenLine xmlns="" xmlns:a16="http://schemas.microsoft.com/office/drawing/2014/main" xmlns:p14="http://schemas.microsoft.com/office/powerpoint/2010/main" xmlns:a14="http://schemas.microsoft.com/office/drawing/2010/main" w="9525">
                   <a:solidFill>
                     <a:srgbClr val="000000"/>
                   </a:solidFill>
@@ -30511,7 +30513,7 @@
             </a:ln>
             <a:extLst>
               <a:ext uri="{91240B29-F687-4f45-9708-019B960494DF}">
-                <a14:hiddenLine xmlns:a14="http://schemas.microsoft.com/office/drawing/2010/main" xmlns:p14="http://schemas.microsoft.com/office/powerpoint/2010/main" xmlns:a16="http://schemas.microsoft.com/office/drawing/2014/main" xmlns="" w="9525">
+                <a14:hiddenLine xmlns="" xmlns:a16="http://schemas.microsoft.com/office/drawing/2014/main" xmlns:p14="http://schemas.microsoft.com/office/powerpoint/2010/main" xmlns:a14="http://schemas.microsoft.com/office/drawing/2010/main" w="9525">
                   <a:solidFill>
                     <a:srgbClr val="000000"/>
                   </a:solidFill>
@@ -30591,7 +30593,7 @@
             </a:ln>
             <a:extLst>
               <a:ext uri="{91240B29-F687-4f45-9708-019B960494DF}">
-                <a14:hiddenLine xmlns:a14="http://schemas.microsoft.com/office/drawing/2010/main" xmlns:p14="http://schemas.microsoft.com/office/powerpoint/2010/main" xmlns:a16="http://schemas.microsoft.com/office/drawing/2014/main" xmlns="" w="9525">
+                <a14:hiddenLine xmlns="" xmlns:a16="http://schemas.microsoft.com/office/drawing/2014/main" xmlns:p14="http://schemas.microsoft.com/office/powerpoint/2010/main" xmlns:a14="http://schemas.microsoft.com/office/drawing/2010/main" w="9525">
                   <a:solidFill>
                     <a:srgbClr val="000000"/>
                   </a:solidFill>
@@ -30668,7 +30670,7 @@
             </a:ln>
             <a:extLst>
               <a:ext uri="{91240B29-F687-4f45-9708-019B960494DF}">
-                <a14:hiddenLine xmlns:a14="http://schemas.microsoft.com/office/drawing/2010/main" xmlns:p14="http://schemas.microsoft.com/office/powerpoint/2010/main" xmlns:a16="http://schemas.microsoft.com/office/drawing/2014/main" xmlns="" w="9525">
+                <a14:hiddenLine xmlns="" xmlns:a16="http://schemas.microsoft.com/office/drawing/2014/main" xmlns:p14="http://schemas.microsoft.com/office/powerpoint/2010/main" xmlns:a14="http://schemas.microsoft.com/office/drawing/2010/main" w="9525">
                   <a:solidFill>
                     <a:srgbClr val="000000"/>
                   </a:solidFill>
@@ -30773,7 +30775,7 @@
             </a:ln>
             <a:extLst>
               <a:ext uri="{91240B29-F687-4f45-9708-019B960494DF}">
-                <a14:hiddenLine xmlns:a14="http://schemas.microsoft.com/office/drawing/2010/main" xmlns:p14="http://schemas.microsoft.com/office/powerpoint/2010/main" xmlns:a16="http://schemas.microsoft.com/office/drawing/2014/main" xmlns="" w="9525">
+                <a14:hiddenLine xmlns="" xmlns:a16="http://schemas.microsoft.com/office/drawing/2014/main" xmlns:p14="http://schemas.microsoft.com/office/powerpoint/2010/main" xmlns:a14="http://schemas.microsoft.com/office/drawing/2010/main" w="9525">
                   <a:solidFill>
                     <a:srgbClr val="000000"/>
                   </a:solidFill>
@@ -30878,7 +30880,7 @@
             </a:ln>
             <a:extLst>
               <a:ext uri="{91240B29-F687-4f45-9708-019B960494DF}">
-                <a14:hiddenLine xmlns:a14="http://schemas.microsoft.com/office/drawing/2010/main" xmlns:p14="http://schemas.microsoft.com/office/powerpoint/2010/main" xmlns:a16="http://schemas.microsoft.com/office/drawing/2014/main" xmlns="" w="9525">
+                <a14:hiddenLine xmlns="" xmlns:a16="http://schemas.microsoft.com/office/drawing/2014/main" xmlns:p14="http://schemas.microsoft.com/office/powerpoint/2010/main" xmlns:a14="http://schemas.microsoft.com/office/drawing/2010/main" w="9525">
                   <a:solidFill>
                     <a:srgbClr val="000000"/>
                   </a:solidFill>
@@ -30955,7 +30957,7 @@
             </a:ln>
             <a:extLst>
               <a:ext uri="{91240B29-F687-4f45-9708-019B960494DF}">
-                <a14:hiddenLine xmlns:a14="http://schemas.microsoft.com/office/drawing/2010/main" xmlns:p14="http://schemas.microsoft.com/office/powerpoint/2010/main" xmlns:a16="http://schemas.microsoft.com/office/drawing/2014/main" xmlns="" w="9525">
+                <a14:hiddenLine xmlns="" xmlns:a16="http://schemas.microsoft.com/office/drawing/2014/main" xmlns:p14="http://schemas.microsoft.com/office/powerpoint/2010/main" xmlns:a14="http://schemas.microsoft.com/office/drawing/2010/main" w="9525">
                   <a:solidFill>
                     <a:srgbClr val="000000"/>
                   </a:solidFill>
@@ -31090,7 +31092,7 @@
             </a:ln>
             <a:extLst>
               <a:ext uri="{91240B29-F687-4f45-9708-019B960494DF}">
-                <a14:hiddenLine xmlns:a14="http://schemas.microsoft.com/office/drawing/2010/main" xmlns:p14="http://schemas.microsoft.com/office/powerpoint/2010/main" xmlns:a16="http://schemas.microsoft.com/office/drawing/2014/main" xmlns="" w="9525">
+                <a14:hiddenLine xmlns="" xmlns:a16="http://schemas.microsoft.com/office/drawing/2014/main" xmlns:p14="http://schemas.microsoft.com/office/powerpoint/2010/main" xmlns:a14="http://schemas.microsoft.com/office/drawing/2010/main" w="9525">
                   <a:solidFill>
                     <a:srgbClr val="000000"/>
                   </a:solidFill>
@@ -31173,7 +31175,7 @@
             </a:ln>
             <a:extLst>
               <a:ext uri="{91240B29-F687-4f45-9708-019B960494DF}">
-                <a14:hiddenLine xmlns:a14="http://schemas.microsoft.com/office/drawing/2010/main" xmlns:p14="http://schemas.microsoft.com/office/powerpoint/2010/main" xmlns:a16="http://schemas.microsoft.com/office/drawing/2014/main" xmlns="" w="9525">
+                <a14:hiddenLine xmlns="" xmlns:a16="http://schemas.microsoft.com/office/drawing/2014/main" xmlns:p14="http://schemas.microsoft.com/office/powerpoint/2010/main" xmlns:a14="http://schemas.microsoft.com/office/drawing/2010/main" w="9525">
                   <a:solidFill>
                     <a:srgbClr val="000000"/>
                   </a:solidFill>
@@ -31278,7 +31280,7 @@
             </a:ln>
             <a:extLst>
               <a:ext uri="{91240B29-F687-4f45-9708-019B960494DF}">
-                <a14:hiddenLine xmlns:a14="http://schemas.microsoft.com/office/drawing/2010/main" xmlns:p14="http://schemas.microsoft.com/office/powerpoint/2010/main" xmlns:a16="http://schemas.microsoft.com/office/drawing/2014/main" xmlns="" w="9525">
+                <a14:hiddenLine xmlns="" xmlns:a16="http://schemas.microsoft.com/office/drawing/2014/main" xmlns:p14="http://schemas.microsoft.com/office/powerpoint/2010/main" xmlns:a14="http://schemas.microsoft.com/office/drawing/2010/main" w="9525">
                   <a:solidFill>
                     <a:srgbClr val="000000"/>
                   </a:solidFill>
@@ -31346,7 +31348,7 @@
           <a:noFill/>
           <a:extLst>
             <a:ext uri="{909E8E84-426E-40dd-AFC4-6F175D3DCCD1}">
-              <a14:hiddenFill xmlns:a14="http://schemas.microsoft.com/office/drawing/2010/main" xmlns:p14="http://schemas.microsoft.com/office/powerpoint/2010/main" xmlns:a16="http://schemas.microsoft.com/office/drawing/2014/main" xmlns="">
+              <a14:hiddenFill xmlns="" xmlns:a16="http://schemas.microsoft.com/office/drawing/2014/main" xmlns:p14="http://schemas.microsoft.com/office/powerpoint/2010/main" xmlns:a14="http://schemas.microsoft.com/office/drawing/2010/main">
                 <a:solidFill>
                   <a:srgbClr val="FFFFFF"/>
                 </a:solidFill>
@@ -33255,7 +33257,7 @@
           <a:noFill/>
           <a:extLst>
             <a:ext uri="{909E8E84-426E-40dd-AFC4-6F175D3DCCD1}">
-              <a14:hiddenFill xmlns:a14="http://schemas.microsoft.com/office/drawing/2010/main" xmlns:p14="http://schemas.microsoft.com/office/powerpoint/2010/main" xmlns:a16="http://schemas.microsoft.com/office/drawing/2014/main" xmlns="">
+              <a14:hiddenFill xmlns="" xmlns:a16="http://schemas.microsoft.com/office/drawing/2014/main" xmlns:p14="http://schemas.microsoft.com/office/powerpoint/2010/main" xmlns:a14="http://schemas.microsoft.com/office/drawing/2010/main">
                 <a:solidFill>
                   <a:srgbClr val="FFFFFF"/>
                 </a:solidFill>
@@ -33376,7 +33378,7 @@
               </a:ln>
               <a:extLst>
                 <a:ext uri="{91240B29-F687-4f45-9708-019B960494DF}">
-                  <a14:hiddenLine xmlns:a14="http://schemas.microsoft.com/office/drawing/2010/main" xmlns:p14="http://schemas.microsoft.com/office/powerpoint/2010/main" xmlns:a16="http://schemas.microsoft.com/office/drawing/2014/main" xmlns="" w="9525">
+                  <a14:hiddenLine xmlns="" xmlns:a16="http://schemas.microsoft.com/office/drawing/2014/main" xmlns:p14="http://schemas.microsoft.com/office/powerpoint/2010/main" xmlns:a14="http://schemas.microsoft.com/office/drawing/2010/main" w="9525">
                     <a:solidFill>
                       <a:srgbClr val="000000"/>
                     </a:solidFill>
@@ -33481,7 +33483,7 @@
               </a:ln>
               <a:extLst>
                 <a:ext uri="{91240B29-F687-4f45-9708-019B960494DF}">
-                  <a14:hiddenLine xmlns:a14="http://schemas.microsoft.com/office/drawing/2010/main" xmlns:p14="http://schemas.microsoft.com/office/powerpoint/2010/main" xmlns:a16="http://schemas.microsoft.com/office/drawing/2014/main" xmlns="" w="9525">
+                  <a14:hiddenLine xmlns="" xmlns:a16="http://schemas.microsoft.com/office/drawing/2014/main" xmlns:p14="http://schemas.microsoft.com/office/powerpoint/2010/main" xmlns:a14="http://schemas.microsoft.com/office/drawing/2010/main" w="9525">
                     <a:solidFill>
                       <a:srgbClr val="000000"/>
                     </a:solidFill>
@@ -33586,7 +33588,7 @@
               </a:ln>
               <a:extLst>
                 <a:ext uri="{91240B29-F687-4f45-9708-019B960494DF}">
-                  <a14:hiddenLine xmlns:a14="http://schemas.microsoft.com/office/drawing/2010/main" xmlns:p14="http://schemas.microsoft.com/office/powerpoint/2010/main" xmlns:a16="http://schemas.microsoft.com/office/drawing/2014/main" xmlns="" w="9525">
+                  <a14:hiddenLine xmlns="" xmlns:a16="http://schemas.microsoft.com/office/drawing/2014/main" xmlns:p14="http://schemas.microsoft.com/office/powerpoint/2010/main" xmlns:a14="http://schemas.microsoft.com/office/drawing/2010/main" w="9525">
                     <a:solidFill>
                       <a:srgbClr val="000000"/>
                     </a:solidFill>
@@ -33663,7 +33665,7 @@
               </a:ln>
               <a:extLst>
                 <a:ext uri="{91240B29-F687-4f45-9708-019B960494DF}">
-                  <a14:hiddenLine xmlns:a14="http://schemas.microsoft.com/office/drawing/2010/main" xmlns:p14="http://schemas.microsoft.com/office/powerpoint/2010/main" xmlns:a16="http://schemas.microsoft.com/office/drawing/2014/main" xmlns="" w="9525">
+                  <a14:hiddenLine xmlns="" xmlns:a16="http://schemas.microsoft.com/office/drawing/2014/main" xmlns:p14="http://schemas.microsoft.com/office/powerpoint/2010/main" xmlns:a14="http://schemas.microsoft.com/office/drawing/2010/main" w="9525">
                     <a:solidFill>
                       <a:srgbClr val="000000"/>
                     </a:solidFill>
@@ -33768,7 +33770,7 @@
               </a:ln>
               <a:extLst>
                 <a:ext uri="{91240B29-F687-4f45-9708-019B960494DF}">
-                  <a14:hiddenLine xmlns:a14="http://schemas.microsoft.com/office/drawing/2010/main" xmlns:p14="http://schemas.microsoft.com/office/powerpoint/2010/main" xmlns:a16="http://schemas.microsoft.com/office/drawing/2014/main" xmlns="" w="9525">
+                  <a14:hiddenLine xmlns="" xmlns:a16="http://schemas.microsoft.com/office/drawing/2014/main" xmlns:p14="http://schemas.microsoft.com/office/powerpoint/2010/main" xmlns:a14="http://schemas.microsoft.com/office/drawing/2010/main" w="9525">
                     <a:solidFill>
                       <a:srgbClr val="000000"/>
                     </a:solidFill>
@@ -33845,7 +33847,7 @@
               </a:ln>
               <a:extLst>
                 <a:ext uri="{91240B29-F687-4f45-9708-019B960494DF}">
-                  <a14:hiddenLine xmlns:a14="http://schemas.microsoft.com/office/drawing/2010/main" xmlns:p14="http://schemas.microsoft.com/office/powerpoint/2010/main" xmlns:a16="http://schemas.microsoft.com/office/drawing/2014/main" xmlns="" w="9525">
+                  <a14:hiddenLine xmlns="" xmlns:a16="http://schemas.microsoft.com/office/drawing/2014/main" xmlns:p14="http://schemas.microsoft.com/office/powerpoint/2010/main" xmlns:a14="http://schemas.microsoft.com/office/drawing/2010/main" w="9525">
                     <a:solidFill>
                       <a:srgbClr val="000000"/>
                     </a:solidFill>
@@ -33922,7 +33924,7 @@
               </a:ln>
               <a:extLst>
                 <a:ext uri="{91240B29-F687-4f45-9708-019B960494DF}">
-                  <a14:hiddenLine xmlns:a14="http://schemas.microsoft.com/office/drawing/2010/main" xmlns:p14="http://schemas.microsoft.com/office/powerpoint/2010/main" xmlns:a16="http://schemas.microsoft.com/office/drawing/2014/main" xmlns="" w="9525">
+                  <a14:hiddenLine xmlns="" xmlns:a16="http://schemas.microsoft.com/office/drawing/2014/main" xmlns:p14="http://schemas.microsoft.com/office/powerpoint/2010/main" xmlns:a14="http://schemas.microsoft.com/office/drawing/2010/main" w="9525">
                     <a:solidFill>
                       <a:srgbClr val="000000"/>
                     </a:solidFill>
@@ -34027,7 +34029,7 @@
               </a:ln>
               <a:extLst>
                 <a:ext uri="{91240B29-F687-4f45-9708-019B960494DF}">
-                  <a14:hiddenLine xmlns:a14="http://schemas.microsoft.com/office/drawing/2010/main" xmlns:p14="http://schemas.microsoft.com/office/powerpoint/2010/main" xmlns:a16="http://schemas.microsoft.com/office/drawing/2014/main" xmlns="" w="9525">
+                  <a14:hiddenLine xmlns="" xmlns:a16="http://schemas.microsoft.com/office/drawing/2014/main" xmlns:p14="http://schemas.microsoft.com/office/powerpoint/2010/main" xmlns:a14="http://schemas.microsoft.com/office/drawing/2010/main" w="9525">
                     <a:solidFill>
                       <a:srgbClr val="000000"/>
                     </a:solidFill>
@@ -34132,7 +34134,7 @@
               </a:ln>
               <a:extLst>
                 <a:ext uri="{91240B29-F687-4f45-9708-019B960494DF}">
-                  <a14:hiddenLine xmlns:a14="http://schemas.microsoft.com/office/drawing/2010/main" xmlns:p14="http://schemas.microsoft.com/office/powerpoint/2010/main" xmlns:a16="http://schemas.microsoft.com/office/drawing/2014/main" xmlns="" w="9525">
+                  <a14:hiddenLine xmlns="" xmlns:a16="http://schemas.microsoft.com/office/drawing/2014/main" xmlns:p14="http://schemas.microsoft.com/office/powerpoint/2010/main" xmlns:a14="http://schemas.microsoft.com/office/drawing/2010/main" w="9525">
                     <a:solidFill>
                       <a:srgbClr val="000000"/>
                     </a:solidFill>
@@ -34209,7 +34211,7 @@
               </a:ln>
               <a:extLst>
                 <a:ext uri="{91240B29-F687-4f45-9708-019B960494DF}">
-                  <a14:hiddenLine xmlns:a14="http://schemas.microsoft.com/office/drawing/2010/main" xmlns:p14="http://schemas.microsoft.com/office/powerpoint/2010/main" xmlns:a16="http://schemas.microsoft.com/office/drawing/2014/main" xmlns="" w="9525">
+                  <a14:hiddenLine xmlns="" xmlns:a16="http://schemas.microsoft.com/office/drawing/2014/main" xmlns:p14="http://schemas.microsoft.com/office/powerpoint/2010/main" xmlns:a14="http://schemas.microsoft.com/office/drawing/2010/main" w="9525">
                     <a:solidFill>
                       <a:srgbClr val="000000"/>
                     </a:solidFill>
@@ -34334,7 +34336,7 @@
               </a:ln>
               <a:extLst>
                 <a:ext uri="{91240B29-F687-4f45-9708-019B960494DF}">
-                  <a14:hiddenLine xmlns:a14="http://schemas.microsoft.com/office/drawing/2010/main" xmlns:p14="http://schemas.microsoft.com/office/powerpoint/2010/main" xmlns:a16="http://schemas.microsoft.com/office/drawing/2014/main" xmlns="" w="9525">
+                  <a14:hiddenLine xmlns="" xmlns:a16="http://schemas.microsoft.com/office/drawing/2014/main" xmlns:p14="http://schemas.microsoft.com/office/powerpoint/2010/main" xmlns:a14="http://schemas.microsoft.com/office/drawing/2010/main" w="9525">
                     <a:solidFill>
                       <a:srgbClr val="000000"/>
                     </a:solidFill>
@@ -34448,7 +34450,7 @@
               </a:ln>
               <a:extLst>
                 <a:ext uri="{91240B29-F687-4f45-9708-019B960494DF}">
-                  <a14:hiddenLine xmlns:a14="http://schemas.microsoft.com/office/drawing/2010/main" xmlns:p14="http://schemas.microsoft.com/office/powerpoint/2010/main" xmlns:a16="http://schemas.microsoft.com/office/drawing/2014/main" xmlns="" w="9525">
+                  <a14:hiddenLine xmlns="" xmlns:a16="http://schemas.microsoft.com/office/drawing/2014/main" xmlns:p14="http://schemas.microsoft.com/office/powerpoint/2010/main" xmlns:a14="http://schemas.microsoft.com/office/drawing/2010/main" w="9525">
                     <a:solidFill>
                       <a:srgbClr val="000000"/>
                     </a:solidFill>
@@ -34525,7 +34527,7 @@
               </a:ln>
               <a:extLst>
                 <a:ext uri="{91240B29-F687-4f45-9708-019B960494DF}">
-                  <a14:hiddenLine xmlns:a14="http://schemas.microsoft.com/office/drawing/2010/main" xmlns:p14="http://schemas.microsoft.com/office/powerpoint/2010/main" xmlns:a16="http://schemas.microsoft.com/office/drawing/2014/main" xmlns="" w="9525">
+                  <a14:hiddenLine xmlns="" xmlns:a16="http://schemas.microsoft.com/office/drawing/2014/main" xmlns:p14="http://schemas.microsoft.com/office/powerpoint/2010/main" xmlns:a14="http://schemas.microsoft.com/office/drawing/2010/main" w="9525">
                     <a:solidFill>
                       <a:srgbClr val="000000"/>
                     </a:solidFill>
@@ -34602,7 +34604,7 @@
               </a:ln>
               <a:extLst>
                 <a:ext uri="{91240B29-F687-4f45-9708-019B960494DF}">
-                  <a14:hiddenLine xmlns:a14="http://schemas.microsoft.com/office/drawing/2010/main" xmlns:p14="http://schemas.microsoft.com/office/powerpoint/2010/main" xmlns:a16="http://schemas.microsoft.com/office/drawing/2014/main" xmlns="" w="9525">
+                  <a14:hiddenLine xmlns="" xmlns:a16="http://schemas.microsoft.com/office/drawing/2014/main" xmlns:p14="http://schemas.microsoft.com/office/powerpoint/2010/main" xmlns:a14="http://schemas.microsoft.com/office/drawing/2010/main" w="9525">
                     <a:solidFill>
                       <a:srgbClr val="000000"/>
                     </a:solidFill>
@@ -34707,7 +34709,7 @@
               </a:ln>
               <a:extLst>
                 <a:ext uri="{91240B29-F687-4f45-9708-019B960494DF}">
-                  <a14:hiddenLine xmlns:a14="http://schemas.microsoft.com/office/drawing/2010/main" xmlns:p14="http://schemas.microsoft.com/office/powerpoint/2010/main" xmlns:a16="http://schemas.microsoft.com/office/drawing/2014/main" xmlns="" w="9525">
+                  <a14:hiddenLine xmlns="" xmlns:a16="http://schemas.microsoft.com/office/drawing/2014/main" xmlns:p14="http://schemas.microsoft.com/office/powerpoint/2010/main" xmlns:a14="http://schemas.microsoft.com/office/drawing/2010/main" w="9525">
                     <a:solidFill>
                       <a:srgbClr val="000000"/>
                     </a:solidFill>
@@ -34756,7 +34758,7 @@
               </a:ln>
               <a:extLst>
                 <a:ext uri="{91240B29-F687-4f45-9708-019B960494DF}">
-                  <a14:hiddenLine xmlns:a14="http://schemas.microsoft.com/office/drawing/2010/main" xmlns:p14="http://schemas.microsoft.com/office/powerpoint/2010/main" xmlns:a16="http://schemas.microsoft.com/office/drawing/2014/main" xmlns="" w="9525">
+                  <a14:hiddenLine xmlns="" xmlns:a16="http://schemas.microsoft.com/office/drawing/2014/main" xmlns:p14="http://schemas.microsoft.com/office/powerpoint/2010/main" xmlns:a14="http://schemas.microsoft.com/office/drawing/2010/main" w="9525">
                     <a:solidFill>
                       <a:srgbClr val="000000"/>
                     </a:solidFill>
@@ -34836,7 +34838,7 @@
               </a:ln>
               <a:extLst>
                 <a:ext uri="{91240B29-F687-4f45-9708-019B960494DF}">
-                  <a14:hiddenLine xmlns:a14="http://schemas.microsoft.com/office/drawing/2010/main" xmlns:p14="http://schemas.microsoft.com/office/powerpoint/2010/main" xmlns:a16="http://schemas.microsoft.com/office/drawing/2014/main" xmlns="" w="9525">
+                  <a14:hiddenLine xmlns="" xmlns:a16="http://schemas.microsoft.com/office/drawing/2014/main" xmlns:p14="http://schemas.microsoft.com/office/powerpoint/2010/main" xmlns:a14="http://schemas.microsoft.com/office/drawing/2010/main" w="9525">
                     <a:solidFill>
                       <a:srgbClr val="000000"/>
                     </a:solidFill>
@@ -34941,7 +34943,7 @@
               </a:ln>
               <a:extLst>
                 <a:ext uri="{91240B29-F687-4f45-9708-019B960494DF}">
-                  <a14:hiddenLine xmlns:a14="http://schemas.microsoft.com/office/drawing/2010/main" xmlns:p14="http://schemas.microsoft.com/office/powerpoint/2010/main" xmlns:a16="http://schemas.microsoft.com/office/drawing/2014/main" xmlns="" w="9525">
+                  <a14:hiddenLine xmlns="" xmlns:a16="http://schemas.microsoft.com/office/drawing/2014/main" xmlns:p14="http://schemas.microsoft.com/office/powerpoint/2010/main" xmlns:a14="http://schemas.microsoft.com/office/drawing/2010/main" w="9525">
                     <a:solidFill>
                       <a:srgbClr val="000000"/>
                     </a:solidFill>
@@ -35018,7 +35020,7 @@
               </a:ln>
               <a:extLst>
                 <a:ext uri="{91240B29-F687-4f45-9708-019B960494DF}">
-                  <a14:hiddenLine xmlns:a14="http://schemas.microsoft.com/office/drawing/2010/main" xmlns:p14="http://schemas.microsoft.com/office/powerpoint/2010/main" xmlns:a16="http://schemas.microsoft.com/office/drawing/2014/main" xmlns="" w="9525">
+                  <a14:hiddenLine xmlns="" xmlns:a16="http://schemas.microsoft.com/office/drawing/2014/main" xmlns:p14="http://schemas.microsoft.com/office/powerpoint/2010/main" xmlns:a14="http://schemas.microsoft.com/office/drawing/2010/main" w="9525">
                     <a:solidFill>
                       <a:srgbClr val="000000"/>
                     </a:solidFill>
@@ -35123,7 +35125,7 @@
               </a:ln>
               <a:extLst>
                 <a:ext uri="{91240B29-F687-4f45-9708-019B960494DF}">
-                  <a14:hiddenLine xmlns:a14="http://schemas.microsoft.com/office/drawing/2010/main" xmlns:p14="http://schemas.microsoft.com/office/powerpoint/2010/main" xmlns:a16="http://schemas.microsoft.com/office/drawing/2014/main" xmlns="" w="9525">
+                  <a14:hiddenLine xmlns="" xmlns:a16="http://schemas.microsoft.com/office/drawing/2014/main" xmlns:p14="http://schemas.microsoft.com/office/powerpoint/2010/main" xmlns:a14="http://schemas.microsoft.com/office/drawing/2010/main" w="9525">
                     <a:solidFill>
                       <a:srgbClr val="000000"/>
                     </a:solidFill>
@@ -35203,7 +35205,7 @@
               </a:ln>
               <a:extLst>
                 <a:ext uri="{91240B29-F687-4f45-9708-019B960494DF}">
-                  <a14:hiddenLine xmlns:a14="http://schemas.microsoft.com/office/drawing/2010/main" xmlns:p14="http://schemas.microsoft.com/office/powerpoint/2010/main" xmlns:a16="http://schemas.microsoft.com/office/drawing/2014/main" xmlns="" w="9525">
+                  <a14:hiddenLine xmlns="" xmlns:a16="http://schemas.microsoft.com/office/drawing/2014/main" xmlns:p14="http://schemas.microsoft.com/office/powerpoint/2010/main" xmlns:a14="http://schemas.microsoft.com/office/drawing/2010/main" w="9525">
                     <a:solidFill>
                       <a:srgbClr val="000000"/>
                     </a:solidFill>
@@ -35280,7 +35282,7 @@
               </a:ln>
               <a:extLst>
                 <a:ext uri="{91240B29-F687-4f45-9708-019B960494DF}">
-                  <a14:hiddenLine xmlns:a14="http://schemas.microsoft.com/office/drawing/2010/main" xmlns:p14="http://schemas.microsoft.com/office/powerpoint/2010/main" xmlns:a16="http://schemas.microsoft.com/office/drawing/2014/main" xmlns="" w="9525">
+                  <a14:hiddenLine xmlns="" xmlns:a16="http://schemas.microsoft.com/office/drawing/2014/main" xmlns:p14="http://schemas.microsoft.com/office/powerpoint/2010/main" xmlns:a14="http://schemas.microsoft.com/office/drawing/2010/main" w="9525">
                     <a:solidFill>
                       <a:srgbClr val="000000"/>
                     </a:solidFill>
@@ -35385,7 +35387,7 @@
               </a:ln>
               <a:extLst>
                 <a:ext uri="{91240B29-F687-4f45-9708-019B960494DF}">
-                  <a14:hiddenLine xmlns:a14="http://schemas.microsoft.com/office/drawing/2010/main" xmlns:p14="http://schemas.microsoft.com/office/powerpoint/2010/main" xmlns:a16="http://schemas.microsoft.com/office/drawing/2014/main" xmlns="" w="9525">
+                  <a14:hiddenLine xmlns="" xmlns:a16="http://schemas.microsoft.com/office/drawing/2014/main" xmlns:p14="http://schemas.microsoft.com/office/powerpoint/2010/main" xmlns:a14="http://schemas.microsoft.com/office/drawing/2010/main" w="9525">
                     <a:solidFill>
                       <a:srgbClr val="000000"/>
                     </a:solidFill>
@@ -35490,7 +35492,7 @@
               </a:ln>
               <a:extLst>
                 <a:ext uri="{91240B29-F687-4f45-9708-019B960494DF}">
-                  <a14:hiddenLine xmlns:a14="http://schemas.microsoft.com/office/drawing/2010/main" xmlns:p14="http://schemas.microsoft.com/office/powerpoint/2010/main" xmlns:a16="http://schemas.microsoft.com/office/drawing/2014/main" xmlns="" w="9525">
+                  <a14:hiddenLine xmlns="" xmlns:a16="http://schemas.microsoft.com/office/drawing/2014/main" xmlns:p14="http://schemas.microsoft.com/office/powerpoint/2010/main" xmlns:a14="http://schemas.microsoft.com/office/drawing/2010/main" w="9525">
                     <a:solidFill>
                       <a:srgbClr val="000000"/>
                     </a:solidFill>
@@ -35570,7 +35572,7 @@
               </a:ln>
               <a:extLst>
                 <a:ext uri="{91240B29-F687-4f45-9708-019B960494DF}">
-                  <a14:hiddenLine xmlns:a14="http://schemas.microsoft.com/office/drawing/2010/main" xmlns:p14="http://schemas.microsoft.com/office/powerpoint/2010/main" xmlns:a16="http://schemas.microsoft.com/office/drawing/2014/main" xmlns="" w="9525">
+                  <a14:hiddenLine xmlns="" xmlns:a16="http://schemas.microsoft.com/office/drawing/2014/main" xmlns:p14="http://schemas.microsoft.com/office/powerpoint/2010/main" xmlns:a14="http://schemas.microsoft.com/office/drawing/2010/main" w="9525">
                     <a:solidFill>
                       <a:srgbClr val="000000"/>
                     </a:solidFill>
@@ -35705,7 +35707,7 @@
               </a:ln>
               <a:extLst>
                 <a:ext uri="{91240B29-F687-4f45-9708-019B960494DF}">
-                  <a14:hiddenLine xmlns:a14="http://schemas.microsoft.com/office/drawing/2010/main" xmlns:p14="http://schemas.microsoft.com/office/powerpoint/2010/main" xmlns:a16="http://schemas.microsoft.com/office/drawing/2014/main" xmlns="" w="9525">
+                  <a14:hiddenLine xmlns="" xmlns:a16="http://schemas.microsoft.com/office/drawing/2014/main" xmlns:p14="http://schemas.microsoft.com/office/powerpoint/2010/main" xmlns:a14="http://schemas.microsoft.com/office/drawing/2010/main" w="9525">
                     <a:solidFill>
                       <a:srgbClr val="000000"/>
                     </a:solidFill>
@@ -35816,7 +35818,7 @@
               </a:ln>
               <a:extLst>
                 <a:ext uri="{91240B29-F687-4f45-9708-019B960494DF}">
-                  <a14:hiddenLine xmlns:a14="http://schemas.microsoft.com/office/drawing/2010/main" xmlns:p14="http://schemas.microsoft.com/office/powerpoint/2010/main" xmlns:a16="http://schemas.microsoft.com/office/drawing/2014/main" xmlns="" w="9525">
+                  <a14:hiddenLine xmlns="" xmlns:a16="http://schemas.microsoft.com/office/drawing/2014/main" xmlns:p14="http://schemas.microsoft.com/office/powerpoint/2010/main" xmlns:a14="http://schemas.microsoft.com/office/drawing/2010/main" w="9525">
                     <a:solidFill>
                       <a:srgbClr val="000000"/>
                     </a:solidFill>
@@ -35946,7 +35948,7 @@
               </a:ln>
               <a:extLst>
                 <a:ext uri="{91240B29-F687-4f45-9708-019B960494DF}">
-                  <a14:hiddenLine xmlns:a14="http://schemas.microsoft.com/office/drawing/2010/main" xmlns:p14="http://schemas.microsoft.com/office/powerpoint/2010/main" xmlns:a16="http://schemas.microsoft.com/office/drawing/2014/main" xmlns="" w="9525">
+                  <a14:hiddenLine xmlns="" xmlns:a16="http://schemas.microsoft.com/office/drawing/2014/main" xmlns:p14="http://schemas.microsoft.com/office/powerpoint/2010/main" xmlns:a14="http://schemas.microsoft.com/office/drawing/2010/main" w="9525">
                     <a:solidFill>
                       <a:srgbClr val="000000"/>
                     </a:solidFill>
@@ -36051,7 +36053,7 @@
               </a:ln>
               <a:extLst>
                 <a:ext uri="{91240B29-F687-4f45-9708-019B960494DF}">
-                  <a14:hiddenLine xmlns:a14="http://schemas.microsoft.com/office/drawing/2010/main" xmlns:p14="http://schemas.microsoft.com/office/powerpoint/2010/main" xmlns:a16="http://schemas.microsoft.com/office/drawing/2014/main" xmlns="" w="9525">
+                  <a14:hiddenLine xmlns="" xmlns:a16="http://schemas.microsoft.com/office/drawing/2014/main" xmlns:p14="http://schemas.microsoft.com/office/powerpoint/2010/main" xmlns:a14="http://schemas.microsoft.com/office/drawing/2010/main" w="9525">
                     <a:solidFill>
                       <a:srgbClr val="000000"/>
                     </a:solidFill>
@@ -36131,7 +36133,7 @@
               </a:ln>
               <a:extLst>
                 <a:ext uri="{91240B29-F687-4f45-9708-019B960494DF}">
-                  <a14:hiddenLine xmlns:a14="http://schemas.microsoft.com/office/drawing/2010/main" xmlns:p14="http://schemas.microsoft.com/office/powerpoint/2010/main" xmlns:a16="http://schemas.microsoft.com/office/drawing/2014/main" xmlns="" w="9525">
+                  <a14:hiddenLine xmlns="" xmlns:a16="http://schemas.microsoft.com/office/drawing/2014/main" xmlns:p14="http://schemas.microsoft.com/office/powerpoint/2010/main" xmlns:a14="http://schemas.microsoft.com/office/drawing/2010/main" w="9525">
                     <a:solidFill>
                       <a:srgbClr val="000000"/>
                     </a:solidFill>
@@ -36236,7 +36238,7 @@
               </a:ln>
               <a:extLst>
                 <a:ext uri="{91240B29-F687-4f45-9708-019B960494DF}">
-                  <a14:hiddenLine xmlns:a14="http://schemas.microsoft.com/office/drawing/2010/main" xmlns:p14="http://schemas.microsoft.com/office/powerpoint/2010/main" xmlns:a16="http://schemas.microsoft.com/office/drawing/2014/main" xmlns="" w="9525">
+                  <a14:hiddenLine xmlns="" xmlns:a16="http://schemas.microsoft.com/office/drawing/2014/main" xmlns:p14="http://schemas.microsoft.com/office/powerpoint/2010/main" xmlns:a14="http://schemas.microsoft.com/office/drawing/2010/main" w="9525">
                     <a:solidFill>
                       <a:srgbClr val="000000"/>
                     </a:solidFill>
@@ -36319,7 +36321,7 @@
               </a:ln>
               <a:extLst>
                 <a:ext uri="{91240B29-F687-4f45-9708-019B960494DF}">
-                  <a14:hiddenLine xmlns:a14="http://schemas.microsoft.com/office/drawing/2010/main" xmlns:p14="http://schemas.microsoft.com/office/powerpoint/2010/main" xmlns:a16="http://schemas.microsoft.com/office/drawing/2014/main" xmlns="" w="9525">
+                  <a14:hiddenLine xmlns="" xmlns:a16="http://schemas.microsoft.com/office/drawing/2014/main" xmlns:p14="http://schemas.microsoft.com/office/powerpoint/2010/main" xmlns:a14="http://schemas.microsoft.com/office/drawing/2010/main" w="9525">
                     <a:solidFill>
                       <a:srgbClr val="000000"/>
                     </a:solidFill>
@@ -36424,7 +36426,7 @@
               </a:ln>
               <a:extLst>
                 <a:ext uri="{91240B29-F687-4f45-9708-019B960494DF}">
-                  <a14:hiddenLine xmlns:a14="http://schemas.microsoft.com/office/drawing/2010/main" xmlns:p14="http://schemas.microsoft.com/office/powerpoint/2010/main" xmlns:a16="http://schemas.microsoft.com/office/drawing/2014/main" xmlns="" w="9525">
+                  <a14:hiddenLine xmlns="" xmlns:a16="http://schemas.microsoft.com/office/drawing/2014/main" xmlns:p14="http://schemas.microsoft.com/office/powerpoint/2010/main" xmlns:a14="http://schemas.microsoft.com/office/drawing/2010/main" w="9525">
                     <a:solidFill>
                       <a:srgbClr val="000000"/>
                     </a:solidFill>
@@ -36507,7 +36509,7 @@
               </a:ln>
               <a:extLst>
                 <a:ext uri="{91240B29-F687-4f45-9708-019B960494DF}">
-                  <a14:hiddenLine xmlns:a14="http://schemas.microsoft.com/office/drawing/2010/main" xmlns:p14="http://schemas.microsoft.com/office/powerpoint/2010/main" xmlns:a16="http://schemas.microsoft.com/office/drawing/2014/main" xmlns="" w="9525">
+                  <a14:hiddenLine xmlns="" xmlns:a16="http://schemas.microsoft.com/office/drawing/2014/main" xmlns:p14="http://schemas.microsoft.com/office/powerpoint/2010/main" xmlns:a14="http://schemas.microsoft.com/office/drawing/2010/main" w="9525">
                     <a:solidFill>
                       <a:srgbClr val="000000"/>
                     </a:solidFill>
@@ -36612,7 +36614,7 @@
               </a:ln>
               <a:extLst>
                 <a:ext uri="{91240B29-F687-4f45-9708-019B960494DF}">
-                  <a14:hiddenLine xmlns:a14="http://schemas.microsoft.com/office/drawing/2010/main" xmlns:p14="http://schemas.microsoft.com/office/powerpoint/2010/main" xmlns:a16="http://schemas.microsoft.com/office/drawing/2014/main" xmlns="" w="9525">
+                  <a14:hiddenLine xmlns="" xmlns:a16="http://schemas.microsoft.com/office/drawing/2014/main" xmlns:p14="http://schemas.microsoft.com/office/powerpoint/2010/main" xmlns:a14="http://schemas.microsoft.com/office/drawing/2010/main" w="9525">
                     <a:solidFill>
                       <a:srgbClr val="000000"/>
                     </a:solidFill>
@@ -36661,7 +36663,7 @@
               </a:ln>
               <a:extLst>
                 <a:ext uri="{91240B29-F687-4f45-9708-019B960494DF}">
-                  <a14:hiddenLine xmlns:a14="http://schemas.microsoft.com/office/drawing/2010/main" xmlns:p14="http://schemas.microsoft.com/office/powerpoint/2010/main" xmlns:a16="http://schemas.microsoft.com/office/drawing/2014/main" xmlns="" w="9525">
+                  <a14:hiddenLine xmlns="" xmlns:a16="http://schemas.microsoft.com/office/drawing/2014/main" xmlns:p14="http://schemas.microsoft.com/office/powerpoint/2010/main" xmlns:a14="http://schemas.microsoft.com/office/drawing/2010/main" w="9525">
                     <a:solidFill>
                       <a:srgbClr val="000000"/>
                     </a:solidFill>
@@ -36819,7 +36821,7 @@
             <a:noFill/>
             <a:extLst>
               <a:ext uri="{909E8E84-426E-40dd-AFC4-6F175D3DCCD1}">
-                <a14:hiddenFill xmlns:a14="http://schemas.microsoft.com/office/drawing/2010/main" xmlns:p14="http://schemas.microsoft.com/office/powerpoint/2010/main" xmlns:a16="http://schemas.microsoft.com/office/drawing/2014/main" xmlns="">
+                <a14:hiddenFill xmlns="" xmlns:a16="http://schemas.microsoft.com/office/drawing/2014/main" xmlns:p14="http://schemas.microsoft.com/office/powerpoint/2010/main" xmlns:a14="http://schemas.microsoft.com/office/drawing/2010/main">
                   <a:solidFill>
                     <a:srgbClr val="FFFFFF"/>
                   </a:solidFill>
@@ -36912,7 +36914,7 @@
             </a:ln>
             <a:extLst>
               <a:ext uri="{91240B29-F687-4f45-9708-019B960494DF}">
-                <a14:hiddenLine xmlns:a14="http://schemas.microsoft.com/office/drawing/2010/main" xmlns:p14="http://schemas.microsoft.com/office/powerpoint/2010/main" xmlns:a16="http://schemas.microsoft.com/office/drawing/2014/main" xmlns="" w="9525">
+                <a14:hiddenLine xmlns="" xmlns:a16="http://schemas.microsoft.com/office/drawing/2014/main" xmlns:p14="http://schemas.microsoft.com/office/powerpoint/2010/main" xmlns:a14="http://schemas.microsoft.com/office/drawing/2010/main" w="9525">
                   <a:solidFill>
                     <a:srgbClr val="000000"/>
                   </a:solidFill>
@@ -37017,7 +37019,7 @@
             </a:ln>
             <a:extLst>
               <a:ext uri="{91240B29-F687-4f45-9708-019B960494DF}">
-                <a14:hiddenLine xmlns:a14="http://schemas.microsoft.com/office/drawing/2010/main" xmlns:p14="http://schemas.microsoft.com/office/powerpoint/2010/main" xmlns:a16="http://schemas.microsoft.com/office/drawing/2014/main" xmlns="" w="9525">
+                <a14:hiddenLine xmlns="" xmlns:a16="http://schemas.microsoft.com/office/drawing/2014/main" xmlns:p14="http://schemas.microsoft.com/office/powerpoint/2010/main" xmlns:a14="http://schemas.microsoft.com/office/drawing/2010/main" w="9525">
                   <a:solidFill>
                     <a:srgbClr val="000000"/>
                   </a:solidFill>
@@ -37122,7 +37124,7 @@
             </a:ln>
             <a:extLst>
               <a:ext uri="{91240B29-F687-4f45-9708-019B960494DF}">
-                <a14:hiddenLine xmlns:a14="http://schemas.microsoft.com/office/drawing/2010/main" xmlns:p14="http://schemas.microsoft.com/office/powerpoint/2010/main" xmlns:a16="http://schemas.microsoft.com/office/drawing/2014/main" xmlns="" w="9525">
+                <a14:hiddenLine xmlns="" xmlns:a16="http://schemas.microsoft.com/office/drawing/2014/main" xmlns:p14="http://schemas.microsoft.com/office/powerpoint/2010/main" xmlns:a14="http://schemas.microsoft.com/office/drawing/2010/main" w="9525">
                   <a:solidFill>
                     <a:srgbClr val="000000"/>
                   </a:solidFill>
@@ -37171,7 +37173,7 @@
             </a:ln>
             <a:extLst>
               <a:ext uri="{91240B29-F687-4f45-9708-019B960494DF}">
-                <a14:hiddenLine xmlns:a14="http://schemas.microsoft.com/office/drawing/2010/main" xmlns:p14="http://schemas.microsoft.com/office/powerpoint/2010/main" xmlns:a16="http://schemas.microsoft.com/office/drawing/2014/main" xmlns="" w="9525">
+                <a14:hiddenLine xmlns="" xmlns:a16="http://schemas.microsoft.com/office/drawing/2014/main" xmlns:p14="http://schemas.microsoft.com/office/powerpoint/2010/main" xmlns:a14="http://schemas.microsoft.com/office/drawing/2010/main" w="9525">
                   <a:solidFill>
                     <a:srgbClr val="000000"/>
                   </a:solidFill>
@@ -37276,7 +37278,7 @@
             </a:ln>
             <a:extLst>
               <a:ext uri="{91240B29-F687-4f45-9708-019B960494DF}">
-                <a14:hiddenLine xmlns:a14="http://schemas.microsoft.com/office/drawing/2010/main" xmlns:p14="http://schemas.microsoft.com/office/powerpoint/2010/main" xmlns:a16="http://schemas.microsoft.com/office/drawing/2014/main" xmlns="" w="9525">
+                <a14:hiddenLine xmlns="" xmlns:a16="http://schemas.microsoft.com/office/drawing/2014/main" xmlns:p14="http://schemas.microsoft.com/office/powerpoint/2010/main" xmlns:a14="http://schemas.microsoft.com/office/drawing/2010/main" w="9525">
                   <a:solidFill>
                     <a:srgbClr val="000000"/>
                   </a:solidFill>
@@ -37353,7 +37355,7 @@
             </a:ln>
             <a:extLst>
               <a:ext uri="{91240B29-F687-4f45-9708-019B960494DF}">
-                <a14:hiddenLine xmlns:a14="http://schemas.microsoft.com/office/drawing/2010/main" xmlns:p14="http://schemas.microsoft.com/office/powerpoint/2010/main" xmlns:a16="http://schemas.microsoft.com/office/drawing/2014/main" xmlns="" w="9525">
+                <a14:hiddenLine xmlns="" xmlns:a16="http://schemas.microsoft.com/office/drawing/2014/main" xmlns:p14="http://schemas.microsoft.com/office/powerpoint/2010/main" xmlns:a14="http://schemas.microsoft.com/office/drawing/2010/main" w="9525">
                   <a:solidFill>
                     <a:srgbClr val="000000"/>
                   </a:solidFill>
@@ -37430,7 +37432,7 @@
             </a:ln>
             <a:extLst>
               <a:ext uri="{91240B29-F687-4f45-9708-019B960494DF}">
-                <a14:hiddenLine xmlns:a14="http://schemas.microsoft.com/office/drawing/2010/main" xmlns:p14="http://schemas.microsoft.com/office/powerpoint/2010/main" xmlns:a16="http://schemas.microsoft.com/office/drawing/2014/main" xmlns="" w="9525">
+                <a14:hiddenLine xmlns="" xmlns:a16="http://schemas.microsoft.com/office/drawing/2014/main" xmlns:p14="http://schemas.microsoft.com/office/powerpoint/2010/main" xmlns:a14="http://schemas.microsoft.com/office/drawing/2010/main" w="9525">
                   <a:solidFill>
                     <a:srgbClr val="000000"/>
                   </a:solidFill>
@@ -37535,7 +37537,7 @@
             </a:ln>
             <a:extLst>
               <a:ext uri="{91240B29-F687-4f45-9708-019B960494DF}">
-                <a14:hiddenLine xmlns:a14="http://schemas.microsoft.com/office/drawing/2010/main" xmlns:p14="http://schemas.microsoft.com/office/powerpoint/2010/main" xmlns:a16="http://schemas.microsoft.com/office/drawing/2014/main" xmlns="" w="9525">
+                <a14:hiddenLine xmlns="" xmlns:a16="http://schemas.microsoft.com/office/drawing/2014/main" xmlns:p14="http://schemas.microsoft.com/office/powerpoint/2010/main" xmlns:a14="http://schemas.microsoft.com/office/drawing/2010/main" w="9525">
                   <a:solidFill>
                     <a:srgbClr val="000000"/>
                   </a:solidFill>
@@ -37612,7 +37614,7 @@
             </a:ln>
             <a:extLst>
               <a:ext uri="{91240B29-F687-4f45-9708-019B960494DF}">
-                <a14:hiddenLine xmlns:a14="http://schemas.microsoft.com/office/drawing/2010/main" xmlns:p14="http://schemas.microsoft.com/office/powerpoint/2010/main" xmlns:a16="http://schemas.microsoft.com/office/drawing/2014/main" xmlns="" w="9525">
+                <a14:hiddenLine xmlns="" xmlns:a16="http://schemas.microsoft.com/office/drawing/2014/main" xmlns:p14="http://schemas.microsoft.com/office/powerpoint/2010/main" xmlns:a14="http://schemas.microsoft.com/office/drawing/2010/main" w="9525">
                   <a:solidFill>
                     <a:srgbClr val="000000"/>
                   </a:solidFill>
@@ -37689,7 +37691,7 @@
             </a:ln>
             <a:extLst>
               <a:ext uri="{91240B29-F687-4f45-9708-019B960494DF}">
-                <a14:hiddenLine xmlns:a14="http://schemas.microsoft.com/office/drawing/2010/main" xmlns:p14="http://schemas.microsoft.com/office/powerpoint/2010/main" xmlns:a16="http://schemas.microsoft.com/office/drawing/2014/main" xmlns="" w="9525">
+                <a14:hiddenLine xmlns="" xmlns:a16="http://schemas.microsoft.com/office/drawing/2014/main" xmlns:p14="http://schemas.microsoft.com/office/powerpoint/2010/main" xmlns:a14="http://schemas.microsoft.com/office/drawing/2010/main" w="9525">
                   <a:solidFill>
                     <a:srgbClr val="000000"/>
                   </a:solidFill>
@@ -37794,7 +37796,7 @@
             </a:ln>
             <a:extLst>
               <a:ext uri="{91240B29-F687-4f45-9708-019B960494DF}">
-                <a14:hiddenLine xmlns:a14="http://schemas.microsoft.com/office/drawing/2010/main" xmlns:p14="http://schemas.microsoft.com/office/powerpoint/2010/main" xmlns:a16="http://schemas.microsoft.com/office/drawing/2014/main" xmlns="" w="9525">
+                <a14:hiddenLine xmlns="" xmlns:a16="http://schemas.microsoft.com/office/drawing/2014/main" xmlns:p14="http://schemas.microsoft.com/office/powerpoint/2010/main" xmlns:a14="http://schemas.microsoft.com/office/drawing/2010/main" w="9525">
                   <a:solidFill>
                     <a:srgbClr val="000000"/>
                   </a:solidFill>
@@ -37899,7 +37901,7 @@
             </a:ln>
             <a:extLst>
               <a:ext uri="{91240B29-F687-4f45-9708-019B960494DF}">
-                <a14:hiddenLine xmlns:a14="http://schemas.microsoft.com/office/drawing/2010/main" xmlns:p14="http://schemas.microsoft.com/office/powerpoint/2010/main" xmlns:a16="http://schemas.microsoft.com/office/drawing/2014/main" xmlns="" w="9525">
+                <a14:hiddenLine xmlns="" xmlns:a16="http://schemas.microsoft.com/office/drawing/2014/main" xmlns:p14="http://schemas.microsoft.com/office/powerpoint/2010/main" xmlns:a14="http://schemas.microsoft.com/office/drawing/2010/main" w="9525">
                   <a:solidFill>
                     <a:srgbClr val="000000"/>
                   </a:solidFill>
@@ -37976,7 +37978,7 @@
             </a:ln>
             <a:extLst>
               <a:ext uri="{91240B29-F687-4f45-9708-019B960494DF}">
-                <a14:hiddenLine xmlns:a14="http://schemas.microsoft.com/office/drawing/2010/main" xmlns:p14="http://schemas.microsoft.com/office/powerpoint/2010/main" xmlns:a16="http://schemas.microsoft.com/office/drawing/2014/main" xmlns="" w="9525">
+                <a14:hiddenLine xmlns="" xmlns:a16="http://schemas.microsoft.com/office/drawing/2014/main" xmlns:p14="http://schemas.microsoft.com/office/powerpoint/2010/main" xmlns:a14="http://schemas.microsoft.com/office/drawing/2010/main" w="9525">
                   <a:solidFill>
                     <a:srgbClr val="000000"/>
                   </a:solidFill>
@@ -38101,7 +38103,7 @@
             </a:ln>
             <a:extLst>
               <a:ext uri="{91240B29-F687-4f45-9708-019B960494DF}">
-                <a14:hiddenLine xmlns:a14="http://schemas.microsoft.com/office/drawing/2010/main" xmlns:p14="http://schemas.microsoft.com/office/powerpoint/2010/main" xmlns:a16="http://schemas.microsoft.com/office/drawing/2014/main" xmlns="" w="9525">
+                <a14:hiddenLine xmlns="" xmlns:a16="http://schemas.microsoft.com/office/drawing/2014/main" xmlns:p14="http://schemas.microsoft.com/office/powerpoint/2010/main" xmlns:a14="http://schemas.microsoft.com/office/drawing/2010/main" w="9525">
                   <a:solidFill>
                     <a:srgbClr val="000000"/>
                   </a:solidFill>
@@ -38178,7 +38180,7 @@
             </a:ln>
             <a:extLst>
               <a:ext uri="{91240B29-F687-4f45-9708-019B960494DF}">
-                <a14:hiddenLine xmlns:a14="http://schemas.microsoft.com/office/drawing/2010/main" xmlns:p14="http://schemas.microsoft.com/office/powerpoint/2010/main" xmlns:a16="http://schemas.microsoft.com/office/drawing/2014/main" xmlns="" w="9525">
+                <a14:hiddenLine xmlns="" xmlns:a16="http://schemas.microsoft.com/office/drawing/2014/main" xmlns:p14="http://schemas.microsoft.com/office/powerpoint/2010/main" xmlns:a14="http://schemas.microsoft.com/office/drawing/2010/main" w="9525">
                   <a:solidFill>
                     <a:srgbClr val="000000"/>
                   </a:solidFill>
@@ -38283,7 +38285,7 @@
             </a:ln>
             <a:extLst>
               <a:ext uri="{91240B29-F687-4f45-9708-019B960494DF}">
-                <a14:hiddenLine xmlns:a14="http://schemas.microsoft.com/office/drawing/2010/main" xmlns:p14="http://schemas.microsoft.com/office/powerpoint/2010/main" xmlns:a16="http://schemas.microsoft.com/office/drawing/2014/main" xmlns="" w="9525">
+                <a14:hiddenLine xmlns="" xmlns:a16="http://schemas.microsoft.com/office/drawing/2014/main" xmlns:p14="http://schemas.microsoft.com/office/powerpoint/2010/main" xmlns:a14="http://schemas.microsoft.com/office/drawing/2010/main" w="9525">
                   <a:solidFill>
                     <a:srgbClr val="000000"/>
                   </a:solidFill>
@@ -38388,7 +38390,7 @@
             </a:ln>
             <a:extLst>
               <a:ext uri="{91240B29-F687-4f45-9708-019B960494DF}">
-                <a14:hiddenLine xmlns:a14="http://schemas.microsoft.com/office/drawing/2010/main" xmlns:p14="http://schemas.microsoft.com/office/powerpoint/2010/main" xmlns:a16="http://schemas.microsoft.com/office/drawing/2014/main" xmlns="" w="9525">
+                <a14:hiddenLine xmlns="" xmlns:a16="http://schemas.microsoft.com/office/drawing/2014/main" xmlns:p14="http://schemas.microsoft.com/office/powerpoint/2010/main" xmlns:a14="http://schemas.microsoft.com/office/drawing/2010/main" w="9525">
                   <a:solidFill>
                     <a:srgbClr val="000000"/>
                   </a:solidFill>
@@ -38465,7 +38467,7 @@
             </a:ln>
             <a:extLst>
               <a:ext uri="{91240B29-F687-4f45-9708-019B960494DF}">
-                <a14:hiddenLine xmlns:a14="http://schemas.microsoft.com/office/drawing/2010/main" xmlns:p14="http://schemas.microsoft.com/office/powerpoint/2010/main" xmlns:a16="http://schemas.microsoft.com/office/drawing/2014/main" xmlns="" w="9525">
+                <a14:hiddenLine xmlns="" xmlns:a16="http://schemas.microsoft.com/office/drawing/2014/main" xmlns:p14="http://schemas.microsoft.com/office/powerpoint/2010/main" xmlns:a14="http://schemas.microsoft.com/office/drawing/2010/main" w="9525">
                   <a:solidFill>
                     <a:srgbClr val="000000"/>
                   </a:solidFill>
@@ -38570,7 +38572,7 @@
             </a:ln>
             <a:extLst>
               <a:ext uri="{91240B29-F687-4f45-9708-019B960494DF}">
-                <a14:hiddenLine xmlns:a14="http://schemas.microsoft.com/office/drawing/2010/main" xmlns:p14="http://schemas.microsoft.com/office/powerpoint/2010/main" xmlns:a16="http://schemas.microsoft.com/office/drawing/2014/main" xmlns="" w="9525">
+                <a14:hiddenLine xmlns="" xmlns:a16="http://schemas.microsoft.com/office/drawing/2014/main" xmlns:p14="http://schemas.microsoft.com/office/powerpoint/2010/main" xmlns:a14="http://schemas.microsoft.com/office/drawing/2010/main" w="9525">
                   <a:solidFill>
                     <a:srgbClr val="000000"/>
                   </a:solidFill>
@@ -38675,7 +38677,7 @@
             </a:ln>
             <a:extLst>
               <a:ext uri="{91240B29-F687-4f45-9708-019B960494DF}">
-                <a14:hiddenLine xmlns:a14="http://schemas.microsoft.com/office/drawing/2010/main" xmlns:p14="http://schemas.microsoft.com/office/powerpoint/2010/main" xmlns:a16="http://schemas.microsoft.com/office/drawing/2014/main" xmlns="" w="9525">
+                <a14:hiddenLine xmlns="" xmlns:a16="http://schemas.microsoft.com/office/drawing/2014/main" xmlns:p14="http://schemas.microsoft.com/office/powerpoint/2010/main" xmlns:a14="http://schemas.microsoft.com/office/drawing/2010/main" w="9525">
                   <a:solidFill>
                     <a:srgbClr val="000000"/>
                   </a:solidFill>
@@ -38746,7 +38748,7 @@
             </a:ln>
             <a:extLst>
               <a:ext uri="{91240B29-F687-4f45-9708-019B960494DF}">
-                <a14:hiddenLine xmlns:a14="http://schemas.microsoft.com/office/drawing/2010/main" xmlns:p14="http://schemas.microsoft.com/office/powerpoint/2010/main" xmlns:a16="http://schemas.microsoft.com/office/drawing/2014/main" xmlns="" w="9525">
+                <a14:hiddenLine xmlns="" xmlns:a16="http://schemas.microsoft.com/office/drawing/2014/main" xmlns:p14="http://schemas.microsoft.com/office/powerpoint/2010/main" xmlns:a14="http://schemas.microsoft.com/office/drawing/2010/main" w="9525">
                   <a:solidFill>
                     <a:srgbClr val="000000"/>
                   </a:solidFill>
@@ -38851,7 +38853,7 @@
             </a:ln>
             <a:extLst>
               <a:ext uri="{91240B29-F687-4f45-9708-019B960494DF}">
-                <a14:hiddenLine xmlns:a14="http://schemas.microsoft.com/office/drawing/2010/main" xmlns:p14="http://schemas.microsoft.com/office/powerpoint/2010/main" xmlns:a16="http://schemas.microsoft.com/office/drawing/2014/main" xmlns="" w="9525">
+                <a14:hiddenLine xmlns="" xmlns:a16="http://schemas.microsoft.com/office/drawing/2014/main" xmlns:p14="http://schemas.microsoft.com/office/powerpoint/2010/main" xmlns:a14="http://schemas.microsoft.com/office/drawing/2010/main" w="9525">
                   <a:solidFill>
                     <a:srgbClr val="000000"/>
                   </a:solidFill>
@@ -38922,7 +38924,7 @@
             </a:ln>
             <a:extLst>
               <a:ext uri="{91240B29-F687-4f45-9708-019B960494DF}">
-                <a14:hiddenLine xmlns:a14="http://schemas.microsoft.com/office/drawing/2010/main" xmlns:p14="http://schemas.microsoft.com/office/powerpoint/2010/main" xmlns:a16="http://schemas.microsoft.com/office/drawing/2014/main" xmlns="" w="9525">
+                <a14:hiddenLine xmlns="" xmlns:a16="http://schemas.microsoft.com/office/drawing/2014/main" xmlns:p14="http://schemas.microsoft.com/office/powerpoint/2010/main" xmlns:a14="http://schemas.microsoft.com/office/drawing/2010/main" w="9525">
                   <a:solidFill>
                     <a:srgbClr val="000000"/>
                   </a:solidFill>
@@ -39027,7 +39029,7 @@
             </a:ln>
             <a:extLst>
               <a:ext uri="{91240B29-F687-4f45-9708-019B960494DF}">
-                <a14:hiddenLine xmlns:a14="http://schemas.microsoft.com/office/drawing/2010/main" xmlns:p14="http://schemas.microsoft.com/office/powerpoint/2010/main" xmlns:a16="http://schemas.microsoft.com/office/drawing/2014/main" xmlns="" w="9525">
+                <a14:hiddenLine xmlns="" xmlns:a16="http://schemas.microsoft.com/office/drawing/2014/main" xmlns:p14="http://schemas.microsoft.com/office/powerpoint/2010/main" xmlns:a14="http://schemas.microsoft.com/office/drawing/2010/main" w="9525">
                   <a:solidFill>
                     <a:srgbClr val="000000"/>
                   </a:solidFill>
@@ -39110,7 +39112,7 @@
             </a:ln>
             <a:extLst>
               <a:ext uri="{91240B29-F687-4f45-9708-019B960494DF}">
-                <a14:hiddenLine xmlns:a14="http://schemas.microsoft.com/office/drawing/2010/main" xmlns:p14="http://schemas.microsoft.com/office/powerpoint/2010/main" xmlns:a16="http://schemas.microsoft.com/office/drawing/2014/main" xmlns="" w="9525">
+                <a14:hiddenLine xmlns="" xmlns:a16="http://schemas.microsoft.com/office/drawing/2014/main" xmlns:p14="http://schemas.microsoft.com/office/powerpoint/2010/main" xmlns:a14="http://schemas.microsoft.com/office/drawing/2010/main" w="9525">
                   <a:solidFill>
                     <a:srgbClr val="000000"/>
                   </a:solidFill>
@@ -39215,7 +39217,7 @@
             </a:ln>
             <a:extLst>
               <a:ext uri="{91240B29-F687-4f45-9708-019B960494DF}">
-                <a14:hiddenLine xmlns:a14="http://schemas.microsoft.com/office/drawing/2010/main" xmlns:p14="http://schemas.microsoft.com/office/powerpoint/2010/main" xmlns:a16="http://schemas.microsoft.com/office/drawing/2014/main" xmlns="" w="9525">
+                <a14:hiddenLine xmlns="" xmlns:a16="http://schemas.microsoft.com/office/drawing/2014/main" xmlns:p14="http://schemas.microsoft.com/office/powerpoint/2010/main" xmlns:a14="http://schemas.microsoft.com/office/drawing/2010/main" w="9525">
                   <a:solidFill>
                     <a:srgbClr val="000000"/>
                   </a:solidFill>
@@ -39298,7 +39300,7 @@
             </a:ln>
             <a:extLst>
               <a:ext uri="{91240B29-F687-4f45-9708-019B960494DF}">
-                <a14:hiddenLine xmlns:a14="http://schemas.microsoft.com/office/drawing/2010/main" xmlns:p14="http://schemas.microsoft.com/office/powerpoint/2010/main" xmlns:a16="http://schemas.microsoft.com/office/drawing/2014/main" xmlns="" w="9525">
+                <a14:hiddenLine xmlns="" xmlns:a16="http://schemas.microsoft.com/office/drawing/2014/main" xmlns:p14="http://schemas.microsoft.com/office/powerpoint/2010/main" xmlns:a14="http://schemas.microsoft.com/office/drawing/2010/main" w="9525">
                   <a:solidFill>
                     <a:srgbClr val="000000"/>
                   </a:solidFill>
@@ -39403,7 +39405,7 @@
             </a:ln>
             <a:extLst>
               <a:ext uri="{91240B29-F687-4f45-9708-019B960494DF}">
-                <a14:hiddenLine xmlns:a14="http://schemas.microsoft.com/office/drawing/2010/main" xmlns:p14="http://schemas.microsoft.com/office/powerpoint/2010/main" xmlns:a16="http://schemas.microsoft.com/office/drawing/2014/main" xmlns="" w="9525">
+                <a14:hiddenLine xmlns="" xmlns:a16="http://schemas.microsoft.com/office/drawing/2014/main" xmlns:p14="http://schemas.microsoft.com/office/powerpoint/2010/main" xmlns:a14="http://schemas.microsoft.com/office/drawing/2010/main" w="9525">
                   <a:solidFill>
                     <a:srgbClr val="000000"/>
                   </a:solidFill>
@@ -39452,7 +39454,7 @@
             </a:ln>
             <a:extLst>
               <a:ext uri="{91240B29-F687-4f45-9708-019B960494DF}">
-                <a14:hiddenLine xmlns:a14="http://schemas.microsoft.com/office/drawing/2010/main" xmlns:p14="http://schemas.microsoft.com/office/powerpoint/2010/main" xmlns:a16="http://schemas.microsoft.com/office/drawing/2014/main" xmlns="" w="9525">
+                <a14:hiddenLine xmlns="" xmlns:a16="http://schemas.microsoft.com/office/drawing/2014/main" xmlns:p14="http://schemas.microsoft.com/office/powerpoint/2010/main" xmlns:a14="http://schemas.microsoft.com/office/drawing/2010/main" w="9525">
                   <a:solidFill>
                     <a:srgbClr val="000000"/>
                   </a:solidFill>
@@ -39557,7 +39559,7 @@
             </a:ln>
             <a:extLst>
               <a:ext uri="{91240B29-F687-4f45-9708-019B960494DF}">
-                <a14:hiddenLine xmlns:a14="http://schemas.microsoft.com/office/drawing/2010/main" xmlns:p14="http://schemas.microsoft.com/office/powerpoint/2010/main" xmlns:a16="http://schemas.microsoft.com/office/drawing/2014/main" xmlns="" w="9525">
+                <a14:hiddenLine xmlns="" xmlns:a16="http://schemas.microsoft.com/office/drawing/2014/main" xmlns:p14="http://schemas.microsoft.com/office/powerpoint/2010/main" xmlns:a14="http://schemas.microsoft.com/office/drawing/2010/main" w="9525">
                   <a:solidFill>
                     <a:srgbClr val="000000"/>
                   </a:solidFill>
@@ -39634,7 +39636,7 @@
             </a:ln>
             <a:extLst>
               <a:ext uri="{91240B29-F687-4f45-9708-019B960494DF}">
-                <a14:hiddenLine xmlns:a14="http://schemas.microsoft.com/office/drawing/2010/main" xmlns:p14="http://schemas.microsoft.com/office/powerpoint/2010/main" xmlns:a16="http://schemas.microsoft.com/office/drawing/2014/main" xmlns="" w="9525">
+                <a14:hiddenLine xmlns="" xmlns:a16="http://schemas.microsoft.com/office/drawing/2014/main" xmlns:p14="http://schemas.microsoft.com/office/powerpoint/2010/main" xmlns:a14="http://schemas.microsoft.com/office/drawing/2010/main" w="9525">
                   <a:solidFill>
                     <a:srgbClr val="000000"/>
                   </a:solidFill>
@@ -39711,7 +39713,7 @@
             </a:ln>
             <a:extLst>
               <a:ext uri="{91240B29-F687-4f45-9708-019B960494DF}">
-                <a14:hiddenLine xmlns:a14="http://schemas.microsoft.com/office/drawing/2010/main" xmlns:p14="http://schemas.microsoft.com/office/powerpoint/2010/main" xmlns:a16="http://schemas.microsoft.com/office/drawing/2014/main" xmlns="" w="9525">
+                <a14:hiddenLine xmlns="" xmlns:a16="http://schemas.microsoft.com/office/drawing/2014/main" xmlns:p14="http://schemas.microsoft.com/office/powerpoint/2010/main" xmlns:a14="http://schemas.microsoft.com/office/drawing/2010/main" w="9525">
                   <a:solidFill>
                     <a:srgbClr val="000000"/>
                   </a:solidFill>
@@ -39816,7 +39818,7 @@
             </a:ln>
             <a:extLst>
               <a:ext uri="{91240B29-F687-4f45-9708-019B960494DF}">
-                <a14:hiddenLine xmlns:a14="http://schemas.microsoft.com/office/drawing/2010/main" xmlns:p14="http://schemas.microsoft.com/office/powerpoint/2010/main" xmlns:a16="http://schemas.microsoft.com/office/drawing/2014/main" xmlns="" w="9525">
+                <a14:hiddenLine xmlns="" xmlns:a16="http://schemas.microsoft.com/office/drawing/2014/main" xmlns:p14="http://schemas.microsoft.com/office/powerpoint/2010/main" xmlns:a14="http://schemas.microsoft.com/office/drawing/2010/main" w="9525">
                   <a:solidFill>
                     <a:srgbClr val="000000"/>
                   </a:solidFill>
@@ -39899,7 +39901,7 @@
             </a:ln>
             <a:extLst>
               <a:ext uri="{91240B29-F687-4f45-9708-019B960494DF}">
-                <a14:hiddenLine xmlns:a14="http://schemas.microsoft.com/office/drawing/2010/main" xmlns:p14="http://schemas.microsoft.com/office/powerpoint/2010/main" xmlns:a16="http://schemas.microsoft.com/office/drawing/2014/main" xmlns="" w="9525">
+                <a14:hiddenLine xmlns="" xmlns:a16="http://schemas.microsoft.com/office/drawing/2014/main" xmlns:p14="http://schemas.microsoft.com/office/powerpoint/2010/main" xmlns:a14="http://schemas.microsoft.com/office/drawing/2010/main" w="9525">
                   <a:solidFill>
                     <a:srgbClr val="000000"/>
                   </a:solidFill>
@@ -39976,7 +39978,7 @@
             </a:ln>
             <a:extLst>
               <a:ext uri="{91240B29-F687-4f45-9708-019B960494DF}">
-                <a14:hiddenLine xmlns:a14="http://schemas.microsoft.com/office/drawing/2010/main" xmlns:p14="http://schemas.microsoft.com/office/powerpoint/2010/main" xmlns:a16="http://schemas.microsoft.com/office/drawing/2014/main" xmlns="" w="9525">
+                <a14:hiddenLine xmlns="" xmlns:a16="http://schemas.microsoft.com/office/drawing/2014/main" xmlns:p14="http://schemas.microsoft.com/office/powerpoint/2010/main" xmlns:a14="http://schemas.microsoft.com/office/drawing/2010/main" w="9525">
                   <a:solidFill>
                     <a:srgbClr val="000000"/>
                   </a:solidFill>
@@ -40081,7 +40083,7 @@
             </a:ln>
             <a:extLst>
               <a:ext uri="{91240B29-F687-4f45-9708-019B960494DF}">
-                <a14:hiddenLine xmlns:a14="http://schemas.microsoft.com/office/drawing/2010/main" xmlns:p14="http://schemas.microsoft.com/office/powerpoint/2010/main" xmlns:a16="http://schemas.microsoft.com/office/drawing/2014/main" xmlns="" w="9525">
+                <a14:hiddenLine xmlns="" xmlns:a16="http://schemas.microsoft.com/office/drawing/2014/main" xmlns:p14="http://schemas.microsoft.com/office/powerpoint/2010/main" xmlns:a14="http://schemas.microsoft.com/office/drawing/2010/main" w="9525">
                   <a:solidFill>
                     <a:srgbClr val="000000"/>
                   </a:solidFill>
@@ -40158,7 +40160,7 @@
             </a:ln>
             <a:extLst>
               <a:ext uri="{91240B29-F687-4f45-9708-019B960494DF}">
-                <a14:hiddenLine xmlns:a14="http://schemas.microsoft.com/office/drawing/2010/main" xmlns:p14="http://schemas.microsoft.com/office/powerpoint/2010/main" xmlns:a16="http://schemas.microsoft.com/office/drawing/2014/main" xmlns="" w="9525">
+                <a14:hiddenLine xmlns="" xmlns:a16="http://schemas.microsoft.com/office/drawing/2014/main" xmlns:p14="http://schemas.microsoft.com/office/powerpoint/2010/main" xmlns:a14="http://schemas.microsoft.com/office/drawing/2010/main" w="9525">
                   <a:solidFill>
                     <a:srgbClr val="000000"/>
                   </a:solidFill>
@@ -40263,7 +40265,7 @@
             </a:ln>
             <a:extLst>
               <a:ext uri="{91240B29-F687-4f45-9708-019B960494DF}">
-                <a14:hiddenLine xmlns:a14="http://schemas.microsoft.com/office/drawing/2010/main" xmlns:p14="http://schemas.microsoft.com/office/powerpoint/2010/main" xmlns:a16="http://schemas.microsoft.com/office/drawing/2014/main" xmlns="" w="9525">
+                <a14:hiddenLine xmlns="" xmlns:a16="http://schemas.microsoft.com/office/drawing/2014/main" xmlns:p14="http://schemas.microsoft.com/office/powerpoint/2010/main" xmlns:a14="http://schemas.microsoft.com/office/drawing/2010/main" w="9525">
                   <a:solidFill>
                     <a:srgbClr val="000000"/>
                   </a:solidFill>
@@ -40340,7 +40342,7 @@
             </a:ln>
             <a:extLst>
               <a:ext uri="{91240B29-F687-4f45-9708-019B960494DF}">
-                <a14:hiddenLine xmlns:a14="http://schemas.microsoft.com/office/drawing/2010/main" xmlns:p14="http://schemas.microsoft.com/office/powerpoint/2010/main" xmlns:a16="http://schemas.microsoft.com/office/drawing/2014/main" xmlns="" w="9525">
+                <a14:hiddenLine xmlns="" xmlns:a16="http://schemas.microsoft.com/office/drawing/2014/main" xmlns:p14="http://schemas.microsoft.com/office/powerpoint/2010/main" xmlns:a14="http://schemas.microsoft.com/office/drawing/2010/main" w="9525">
                   <a:solidFill>
                     <a:srgbClr val="000000"/>
                   </a:solidFill>
@@ -40445,7 +40447,7 @@
             </a:ln>
             <a:extLst>
               <a:ext uri="{91240B29-F687-4f45-9708-019B960494DF}">
-                <a14:hiddenLine xmlns:a14="http://schemas.microsoft.com/office/drawing/2010/main" xmlns:p14="http://schemas.microsoft.com/office/powerpoint/2010/main" xmlns:a16="http://schemas.microsoft.com/office/drawing/2014/main" xmlns="" w="9525">
+                <a14:hiddenLine xmlns="" xmlns:a16="http://schemas.microsoft.com/office/drawing/2014/main" xmlns:p14="http://schemas.microsoft.com/office/powerpoint/2010/main" xmlns:a14="http://schemas.microsoft.com/office/drawing/2010/main" w="9525">
                   <a:solidFill>
                     <a:srgbClr val="000000"/>
                   </a:solidFill>
@@ -40494,7 +40496,7 @@
             </a:ln>
             <a:extLst>
               <a:ext uri="{91240B29-F687-4f45-9708-019B960494DF}">
-                <a14:hiddenLine xmlns:a14="http://schemas.microsoft.com/office/drawing/2010/main" xmlns:p14="http://schemas.microsoft.com/office/powerpoint/2010/main" xmlns:a16="http://schemas.microsoft.com/office/drawing/2014/main" xmlns="" w="9525">
+                <a14:hiddenLine xmlns="" xmlns:a16="http://schemas.microsoft.com/office/drawing/2014/main" xmlns:p14="http://schemas.microsoft.com/office/powerpoint/2010/main" xmlns:a14="http://schemas.microsoft.com/office/drawing/2010/main" w="9525">
                   <a:solidFill>
                     <a:srgbClr val="000000"/>
                   </a:solidFill>
@@ -40574,7 +40576,7 @@
             </a:ln>
             <a:extLst>
               <a:ext uri="{91240B29-F687-4f45-9708-019B960494DF}">
-                <a14:hiddenLine xmlns:a14="http://schemas.microsoft.com/office/drawing/2010/main" xmlns:p14="http://schemas.microsoft.com/office/powerpoint/2010/main" xmlns:a16="http://schemas.microsoft.com/office/drawing/2014/main" xmlns="" w="9525">
+                <a14:hiddenLine xmlns="" xmlns:a16="http://schemas.microsoft.com/office/drawing/2014/main" xmlns:p14="http://schemas.microsoft.com/office/powerpoint/2010/main" xmlns:a14="http://schemas.microsoft.com/office/drawing/2010/main" w="9525">
                   <a:solidFill>
                     <a:srgbClr val="000000"/>
                   </a:solidFill>
@@ -40679,7 +40681,7 @@
             </a:ln>
             <a:extLst>
               <a:ext uri="{91240B29-F687-4f45-9708-019B960494DF}">
-                <a14:hiddenLine xmlns:a14="http://schemas.microsoft.com/office/drawing/2010/main" xmlns:p14="http://schemas.microsoft.com/office/powerpoint/2010/main" xmlns:a16="http://schemas.microsoft.com/office/drawing/2014/main" xmlns="" w="9525">
+                <a14:hiddenLine xmlns="" xmlns:a16="http://schemas.microsoft.com/office/drawing/2014/main" xmlns:p14="http://schemas.microsoft.com/office/powerpoint/2010/main" xmlns:a14="http://schemas.microsoft.com/office/drawing/2010/main" w="9525">
                   <a:solidFill>
                     <a:srgbClr val="000000"/>
                   </a:solidFill>
@@ -40756,7 +40758,7 @@
             </a:ln>
             <a:extLst>
               <a:ext uri="{91240B29-F687-4f45-9708-019B960494DF}">
-                <a14:hiddenLine xmlns:a14="http://schemas.microsoft.com/office/drawing/2010/main" xmlns:p14="http://schemas.microsoft.com/office/powerpoint/2010/main" xmlns:a16="http://schemas.microsoft.com/office/drawing/2014/main" xmlns="" w="9525">
+                <a14:hiddenLine xmlns="" xmlns:a16="http://schemas.microsoft.com/office/drawing/2014/main" xmlns:p14="http://schemas.microsoft.com/office/powerpoint/2010/main" xmlns:a14="http://schemas.microsoft.com/office/drawing/2010/main" w="9525">
                   <a:solidFill>
                     <a:srgbClr val="000000"/>
                   </a:solidFill>
@@ -40861,7 +40863,7 @@
             </a:ln>
             <a:extLst>
               <a:ext uri="{91240B29-F687-4f45-9708-019B960494DF}">
-                <a14:hiddenLine xmlns:a14="http://schemas.microsoft.com/office/drawing/2010/main" xmlns:p14="http://schemas.microsoft.com/office/powerpoint/2010/main" xmlns:a16="http://schemas.microsoft.com/office/drawing/2014/main" xmlns="" w="9525">
+                <a14:hiddenLine xmlns="" xmlns:a16="http://schemas.microsoft.com/office/drawing/2014/main" xmlns:p14="http://schemas.microsoft.com/office/powerpoint/2010/main" xmlns:a14="http://schemas.microsoft.com/office/drawing/2010/main" w="9525">
                   <a:solidFill>
                     <a:srgbClr val="000000"/>
                   </a:solidFill>
@@ -40966,7 +40968,7 @@
             </a:ln>
             <a:extLst>
               <a:ext uri="{91240B29-F687-4f45-9708-019B960494DF}">
-                <a14:hiddenLine xmlns:a14="http://schemas.microsoft.com/office/drawing/2010/main" xmlns:p14="http://schemas.microsoft.com/office/powerpoint/2010/main" xmlns:a16="http://schemas.microsoft.com/office/drawing/2014/main" xmlns="" w="9525">
+                <a14:hiddenLine xmlns="" xmlns:a16="http://schemas.microsoft.com/office/drawing/2014/main" xmlns:p14="http://schemas.microsoft.com/office/powerpoint/2010/main" xmlns:a14="http://schemas.microsoft.com/office/drawing/2010/main" w="9525">
                   <a:solidFill>
                     <a:srgbClr val="000000"/>
                   </a:solidFill>
@@ -41046,7 +41048,7 @@
             </a:ln>
             <a:extLst>
               <a:ext uri="{91240B29-F687-4f45-9708-019B960494DF}">
-                <a14:hiddenLine xmlns:a14="http://schemas.microsoft.com/office/drawing/2010/main" xmlns:p14="http://schemas.microsoft.com/office/powerpoint/2010/main" xmlns:a16="http://schemas.microsoft.com/office/drawing/2014/main" xmlns="" w="9525">
+                <a14:hiddenLine xmlns="" xmlns:a16="http://schemas.microsoft.com/office/drawing/2014/main" xmlns:p14="http://schemas.microsoft.com/office/powerpoint/2010/main" xmlns:a14="http://schemas.microsoft.com/office/drawing/2010/main" w="9525">
                   <a:solidFill>
                     <a:srgbClr val="000000"/>
                   </a:solidFill>
@@ -41123,7 +41125,7 @@
             </a:ln>
             <a:extLst>
               <a:ext uri="{91240B29-F687-4f45-9708-019B960494DF}">
-                <a14:hiddenLine xmlns:a14="http://schemas.microsoft.com/office/drawing/2010/main" xmlns:p14="http://schemas.microsoft.com/office/powerpoint/2010/main" xmlns:a16="http://schemas.microsoft.com/office/drawing/2014/main" xmlns="" w="9525">
+                <a14:hiddenLine xmlns="" xmlns:a16="http://schemas.microsoft.com/office/drawing/2014/main" xmlns:p14="http://schemas.microsoft.com/office/powerpoint/2010/main" xmlns:a14="http://schemas.microsoft.com/office/drawing/2010/main" w="9525">
                   <a:solidFill>
                     <a:srgbClr val="000000"/>
                   </a:solidFill>
@@ -41228,7 +41230,7 @@
             </a:ln>
             <a:extLst>
               <a:ext uri="{91240B29-F687-4f45-9708-019B960494DF}">
-                <a14:hiddenLine xmlns:a14="http://schemas.microsoft.com/office/drawing/2010/main" xmlns:p14="http://schemas.microsoft.com/office/powerpoint/2010/main" xmlns:a16="http://schemas.microsoft.com/office/drawing/2014/main" xmlns="" w="9525">
+                <a14:hiddenLine xmlns="" xmlns:a16="http://schemas.microsoft.com/office/drawing/2014/main" xmlns:p14="http://schemas.microsoft.com/office/powerpoint/2010/main" xmlns:a14="http://schemas.microsoft.com/office/drawing/2010/main" w="9525">
                   <a:solidFill>
                     <a:srgbClr val="000000"/>
                   </a:solidFill>
@@ -41333,7 +41335,7 @@
             </a:ln>
             <a:extLst>
               <a:ext uri="{91240B29-F687-4f45-9708-019B960494DF}">
-                <a14:hiddenLine xmlns:a14="http://schemas.microsoft.com/office/drawing/2010/main" xmlns:p14="http://schemas.microsoft.com/office/powerpoint/2010/main" xmlns:a16="http://schemas.microsoft.com/office/drawing/2014/main" xmlns="" w="9525">
+                <a14:hiddenLine xmlns="" xmlns:a16="http://schemas.microsoft.com/office/drawing/2014/main" xmlns:p14="http://schemas.microsoft.com/office/powerpoint/2010/main" xmlns:a14="http://schemas.microsoft.com/office/drawing/2010/main" w="9525">
                   <a:solidFill>
                     <a:srgbClr val="000000"/>
                   </a:solidFill>
@@ -41410,7 +41412,7 @@
             </a:ln>
             <a:extLst>
               <a:ext uri="{91240B29-F687-4f45-9708-019B960494DF}">
-                <a14:hiddenLine xmlns:a14="http://schemas.microsoft.com/office/drawing/2010/main" xmlns:p14="http://schemas.microsoft.com/office/powerpoint/2010/main" xmlns:a16="http://schemas.microsoft.com/office/drawing/2014/main" xmlns="" w="9525">
+                <a14:hiddenLine xmlns="" xmlns:a16="http://schemas.microsoft.com/office/drawing/2014/main" xmlns:p14="http://schemas.microsoft.com/office/powerpoint/2010/main" xmlns:a14="http://schemas.microsoft.com/office/drawing/2010/main" w="9525">
                   <a:solidFill>
                     <a:srgbClr val="000000"/>
                   </a:solidFill>
@@ -41545,7 +41547,7 @@
             </a:ln>
             <a:extLst>
               <a:ext uri="{91240B29-F687-4f45-9708-019B960494DF}">
-                <a14:hiddenLine xmlns:a14="http://schemas.microsoft.com/office/drawing/2010/main" xmlns:p14="http://schemas.microsoft.com/office/powerpoint/2010/main" xmlns:a16="http://schemas.microsoft.com/office/drawing/2014/main" xmlns="" w="9525">
+                <a14:hiddenLine xmlns="" xmlns:a16="http://schemas.microsoft.com/office/drawing/2014/main" xmlns:p14="http://schemas.microsoft.com/office/powerpoint/2010/main" xmlns:a14="http://schemas.microsoft.com/office/drawing/2010/main" w="9525">
                   <a:solidFill>
                     <a:srgbClr val="000000"/>
                   </a:solidFill>
@@ -41628,7 +41630,7 @@
             </a:ln>
             <a:extLst>
               <a:ext uri="{91240B29-F687-4f45-9708-019B960494DF}">
-                <a14:hiddenLine xmlns:a14="http://schemas.microsoft.com/office/drawing/2010/main" xmlns:p14="http://schemas.microsoft.com/office/powerpoint/2010/main" xmlns:a16="http://schemas.microsoft.com/office/drawing/2014/main" xmlns="" w="9525">
+                <a14:hiddenLine xmlns="" xmlns:a16="http://schemas.microsoft.com/office/drawing/2014/main" xmlns:p14="http://schemas.microsoft.com/office/powerpoint/2010/main" xmlns:a14="http://schemas.microsoft.com/office/drawing/2010/main" w="9525">
                   <a:solidFill>
                     <a:srgbClr val="000000"/>
                   </a:solidFill>
@@ -41733,7 +41735,7 @@
             </a:ln>
             <a:extLst>
               <a:ext uri="{91240B29-F687-4f45-9708-019B960494DF}">
-                <a14:hiddenLine xmlns:a14="http://schemas.microsoft.com/office/drawing/2010/main" xmlns:p14="http://schemas.microsoft.com/office/powerpoint/2010/main" xmlns:a16="http://schemas.microsoft.com/office/drawing/2014/main" xmlns="" w="9525">
+                <a14:hiddenLine xmlns="" xmlns:a16="http://schemas.microsoft.com/office/drawing/2014/main" xmlns:p14="http://schemas.microsoft.com/office/powerpoint/2010/main" xmlns:a14="http://schemas.microsoft.com/office/drawing/2010/main" w="9525">
                   <a:solidFill>
                     <a:srgbClr val="000000"/>
                   </a:solidFill>
@@ -42240,7 +42242,7 @@
           <a:noFill/>
           <a:extLst>
             <a:ext uri="{909E8E84-426E-40dd-AFC4-6F175D3DCCD1}">
-              <a14:hiddenFill xmlns:a14="http://schemas.microsoft.com/office/drawing/2010/main" xmlns:p14="http://schemas.microsoft.com/office/powerpoint/2010/main" xmlns:a16="http://schemas.microsoft.com/office/drawing/2014/main" xmlns="">
+              <a14:hiddenFill xmlns="" xmlns:a16="http://schemas.microsoft.com/office/drawing/2014/main" xmlns:p14="http://schemas.microsoft.com/office/powerpoint/2010/main" xmlns:a14="http://schemas.microsoft.com/office/drawing/2010/main">
                 <a:solidFill>
                   <a:srgbClr val="FFFFFF"/>
                 </a:solidFill>
@@ -42361,7 +42363,7 @@
               </a:ln>
               <a:extLst>
                 <a:ext uri="{91240B29-F687-4f45-9708-019B960494DF}">
-                  <a14:hiddenLine xmlns:a14="http://schemas.microsoft.com/office/drawing/2010/main" xmlns:p14="http://schemas.microsoft.com/office/powerpoint/2010/main" xmlns:a16="http://schemas.microsoft.com/office/drawing/2014/main" xmlns="" w="9525">
+                  <a14:hiddenLine xmlns="" xmlns:a16="http://schemas.microsoft.com/office/drawing/2014/main" xmlns:p14="http://schemas.microsoft.com/office/powerpoint/2010/main" xmlns:a14="http://schemas.microsoft.com/office/drawing/2010/main" w="9525">
                     <a:solidFill>
                       <a:srgbClr val="000000"/>
                     </a:solidFill>
@@ -42466,7 +42468,7 @@
               </a:ln>
               <a:extLst>
                 <a:ext uri="{91240B29-F687-4f45-9708-019B960494DF}">
-                  <a14:hiddenLine xmlns:a14="http://schemas.microsoft.com/office/drawing/2010/main" xmlns:p14="http://schemas.microsoft.com/office/powerpoint/2010/main" xmlns:a16="http://schemas.microsoft.com/office/drawing/2014/main" xmlns="" w="9525">
+                  <a14:hiddenLine xmlns="" xmlns:a16="http://schemas.microsoft.com/office/drawing/2014/main" xmlns:p14="http://schemas.microsoft.com/office/powerpoint/2010/main" xmlns:a14="http://schemas.microsoft.com/office/drawing/2010/main" w="9525">
                     <a:solidFill>
                       <a:srgbClr val="000000"/>
                     </a:solidFill>
@@ -42571,7 +42573,7 @@
               </a:ln>
               <a:extLst>
                 <a:ext uri="{91240B29-F687-4f45-9708-019B960494DF}">
-                  <a14:hiddenLine xmlns:a14="http://schemas.microsoft.com/office/drawing/2010/main" xmlns:p14="http://schemas.microsoft.com/office/powerpoint/2010/main" xmlns:a16="http://schemas.microsoft.com/office/drawing/2014/main" xmlns="" w="9525">
+                  <a14:hiddenLine xmlns="" xmlns:a16="http://schemas.microsoft.com/office/drawing/2014/main" xmlns:p14="http://schemas.microsoft.com/office/powerpoint/2010/main" xmlns:a14="http://schemas.microsoft.com/office/drawing/2010/main" w="9525">
                     <a:solidFill>
                       <a:srgbClr val="000000"/>
                     </a:solidFill>
@@ -42648,7 +42650,7 @@
               </a:ln>
               <a:extLst>
                 <a:ext uri="{91240B29-F687-4f45-9708-019B960494DF}">
-                  <a14:hiddenLine xmlns:a14="http://schemas.microsoft.com/office/drawing/2010/main" xmlns:p14="http://schemas.microsoft.com/office/powerpoint/2010/main" xmlns:a16="http://schemas.microsoft.com/office/drawing/2014/main" xmlns="" w="9525">
+                  <a14:hiddenLine xmlns="" xmlns:a16="http://schemas.microsoft.com/office/drawing/2014/main" xmlns:p14="http://schemas.microsoft.com/office/powerpoint/2010/main" xmlns:a14="http://schemas.microsoft.com/office/drawing/2010/main" w="9525">
                     <a:solidFill>
                       <a:srgbClr val="000000"/>
                     </a:solidFill>
@@ -42753,7 +42755,7 @@
               </a:ln>
               <a:extLst>
                 <a:ext uri="{91240B29-F687-4f45-9708-019B960494DF}">
-                  <a14:hiddenLine xmlns:a14="http://schemas.microsoft.com/office/drawing/2010/main" xmlns:p14="http://schemas.microsoft.com/office/powerpoint/2010/main" xmlns:a16="http://schemas.microsoft.com/office/drawing/2014/main" xmlns="" w="9525">
+                  <a14:hiddenLine xmlns="" xmlns:a16="http://schemas.microsoft.com/office/drawing/2014/main" xmlns:p14="http://schemas.microsoft.com/office/powerpoint/2010/main" xmlns:a14="http://schemas.microsoft.com/office/drawing/2010/main" w="9525">
                     <a:solidFill>
                       <a:srgbClr val="000000"/>
                     </a:solidFill>
@@ -42830,7 +42832,7 @@
               </a:ln>
               <a:extLst>
                 <a:ext uri="{91240B29-F687-4f45-9708-019B960494DF}">
-                  <a14:hiddenLine xmlns:a14="http://schemas.microsoft.com/office/drawing/2010/main" xmlns:p14="http://schemas.microsoft.com/office/powerpoint/2010/main" xmlns:a16="http://schemas.microsoft.com/office/drawing/2014/main" xmlns="" w="9525">
+                  <a14:hiddenLine xmlns="" xmlns:a16="http://schemas.microsoft.com/office/drawing/2014/main" xmlns:p14="http://schemas.microsoft.com/office/powerpoint/2010/main" xmlns:a14="http://schemas.microsoft.com/office/drawing/2010/main" w="9525">
                     <a:solidFill>
                       <a:srgbClr val="000000"/>
                     </a:solidFill>
@@ -42907,7 +42909,7 @@
               </a:ln>
               <a:extLst>
                 <a:ext uri="{91240B29-F687-4f45-9708-019B960494DF}">
-                  <a14:hiddenLine xmlns:a14="http://schemas.microsoft.com/office/drawing/2010/main" xmlns:p14="http://schemas.microsoft.com/office/powerpoint/2010/main" xmlns:a16="http://schemas.microsoft.com/office/drawing/2014/main" xmlns="" w="9525">
+                  <a14:hiddenLine xmlns="" xmlns:a16="http://schemas.microsoft.com/office/drawing/2014/main" xmlns:p14="http://schemas.microsoft.com/office/powerpoint/2010/main" xmlns:a14="http://schemas.microsoft.com/office/drawing/2010/main" w="9525">
                     <a:solidFill>
                       <a:srgbClr val="000000"/>
                     </a:solidFill>
@@ -43012,7 +43014,7 @@
               </a:ln>
               <a:extLst>
                 <a:ext uri="{91240B29-F687-4f45-9708-019B960494DF}">
-                  <a14:hiddenLine xmlns:a14="http://schemas.microsoft.com/office/drawing/2010/main" xmlns:p14="http://schemas.microsoft.com/office/powerpoint/2010/main" xmlns:a16="http://schemas.microsoft.com/office/drawing/2014/main" xmlns="" w="9525">
+                  <a14:hiddenLine xmlns="" xmlns:a16="http://schemas.microsoft.com/office/drawing/2014/main" xmlns:p14="http://schemas.microsoft.com/office/powerpoint/2010/main" xmlns:a14="http://schemas.microsoft.com/office/drawing/2010/main" w="9525">
                     <a:solidFill>
                       <a:srgbClr val="000000"/>
                     </a:solidFill>
@@ -43117,7 +43119,7 @@
               </a:ln>
               <a:extLst>
                 <a:ext uri="{91240B29-F687-4f45-9708-019B960494DF}">
-                  <a14:hiddenLine xmlns:a14="http://schemas.microsoft.com/office/drawing/2010/main" xmlns:p14="http://schemas.microsoft.com/office/powerpoint/2010/main" xmlns:a16="http://schemas.microsoft.com/office/drawing/2014/main" xmlns="" w="9525">
+                  <a14:hiddenLine xmlns="" xmlns:a16="http://schemas.microsoft.com/office/drawing/2014/main" xmlns:p14="http://schemas.microsoft.com/office/powerpoint/2010/main" xmlns:a14="http://schemas.microsoft.com/office/drawing/2010/main" w="9525">
                     <a:solidFill>
                       <a:srgbClr val="000000"/>
                     </a:solidFill>
@@ -43194,7 +43196,7 @@
               </a:ln>
               <a:extLst>
                 <a:ext uri="{91240B29-F687-4f45-9708-019B960494DF}">
-                  <a14:hiddenLine xmlns:a14="http://schemas.microsoft.com/office/drawing/2010/main" xmlns:p14="http://schemas.microsoft.com/office/powerpoint/2010/main" xmlns:a16="http://schemas.microsoft.com/office/drawing/2014/main" xmlns="" w="9525">
+                  <a14:hiddenLine xmlns="" xmlns:a16="http://schemas.microsoft.com/office/drawing/2014/main" xmlns:p14="http://schemas.microsoft.com/office/powerpoint/2010/main" xmlns:a14="http://schemas.microsoft.com/office/drawing/2010/main" w="9525">
                     <a:solidFill>
                       <a:srgbClr val="000000"/>
                     </a:solidFill>
@@ -43319,7 +43321,7 @@
               </a:ln>
               <a:extLst>
                 <a:ext uri="{91240B29-F687-4f45-9708-019B960494DF}">
-                  <a14:hiddenLine xmlns:a14="http://schemas.microsoft.com/office/drawing/2010/main" xmlns:p14="http://schemas.microsoft.com/office/powerpoint/2010/main" xmlns:a16="http://schemas.microsoft.com/office/drawing/2014/main" xmlns="" w="9525">
+                  <a14:hiddenLine xmlns="" xmlns:a16="http://schemas.microsoft.com/office/drawing/2014/main" xmlns:p14="http://schemas.microsoft.com/office/powerpoint/2010/main" xmlns:a14="http://schemas.microsoft.com/office/drawing/2010/main" w="9525">
                     <a:solidFill>
                       <a:srgbClr val="000000"/>
                     </a:solidFill>
@@ -43433,7 +43435,7 @@
               </a:ln>
               <a:extLst>
                 <a:ext uri="{91240B29-F687-4f45-9708-019B960494DF}">
-                  <a14:hiddenLine xmlns:a14="http://schemas.microsoft.com/office/drawing/2010/main" xmlns:p14="http://schemas.microsoft.com/office/powerpoint/2010/main" xmlns:a16="http://schemas.microsoft.com/office/drawing/2014/main" xmlns="" w="9525">
+                  <a14:hiddenLine xmlns="" xmlns:a16="http://schemas.microsoft.com/office/drawing/2014/main" xmlns:p14="http://schemas.microsoft.com/office/powerpoint/2010/main" xmlns:a14="http://schemas.microsoft.com/office/drawing/2010/main" w="9525">
                     <a:solidFill>
                       <a:srgbClr val="000000"/>
                     </a:solidFill>
@@ -43510,7 +43512,7 @@
               </a:ln>
               <a:extLst>
                 <a:ext uri="{91240B29-F687-4f45-9708-019B960494DF}">
-                  <a14:hiddenLine xmlns:a14="http://schemas.microsoft.com/office/drawing/2010/main" xmlns:p14="http://schemas.microsoft.com/office/powerpoint/2010/main" xmlns:a16="http://schemas.microsoft.com/office/drawing/2014/main" xmlns="" w="9525">
+                  <a14:hiddenLine xmlns="" xmlns:a16="http://schemas.microsoft.com/office/drawing/2014/main" xmlns:p14="http://schemas.microsoft.com/office/powerpoint/2010/main" xmlns:a14="http://schemas.microsoft.com/office/drawing/2010/main" w="9525">
                     <a:solidFill>
                       <a:srgbClr val="000000"/>
                     </a:solidFill>
@@ -43587,7 +43589,7 @@
               </a:ln>
               <a:extLst>
                 <a:ext uri="{91240B29-F687-4f45-9708-019B960494DF}">
-                  <a14:hiddenLine xmlns:a14="http://schemas.microsoft.com/office/drawing/2010/main" xmlns:p14="http://schemas.microsoft.com/office/powerpoint/2010/main" xmlns:a16="http://schemas.microsoft.com/office/drawing/2014/main" xmlns="" w="9525">
+                  <a14:hiddenLine xmlns="" xmlns:a16="http://schemas.microsoft.com/office/drawing/2014/main" xmlns:p14="http://schemas.microsoft.com/office/powerpoint/2010/main" xmlns:a14="http://schemas.microsoft.com/office/drawing/2010/main" w="9525">
                     <a:solidFill>
                       <a:srgbClr val="000000"/>
                     </a:solidFill>
@@ -43692,7 +43694,7 @@
               </a:ln>
               <a:extLst>
                 <a:ext uri="{91240B29-F687-4f45-9708-019B960494DF}">
-                  <a14:hiddenLine xmlns:a14="http://schemas.microsoft.com/office/drawing/2010/main" xmlns:p14="http://schemas.microsoft.com/office/powerpoint/2010/main" xmlns:a16="http://schemas.microsoft.com/office/drawing/2014/main" xmlns="" w="9525">
+                  <a14:hiddenLine xmlns="" xmlns:a16="http://schemas.microsoft.com/office/drawing/2014/main" xmlns:p14="http://schemas.microsoft.com/office/powerpoint/2010/main" xmlns:a14="http://schemas.microsoft.com/office/drawing/2010/main" w="9525">
                     <a:solidFill>
                       <a:srgbClr val="000000"/>
                     </a:solidFill>
@@ -43741,7 +43743,7 @@
               </a:ln>
               <a:extLst>
                 <a:ext uri="{91240B29-F687-4f45-9708-019B960494DF}">
-                  <a14:hiddenLine xmlns:a14="http://schemas.microsoft.com/office/drawing/2010/main" xmlns:p14="http://schemas.microsoft.com/office/powerpoint/2010/main" xmlns:a16="http://schemas.microsoft.com/office/drawing/2014/main" xmlns="" w="9525">
+                  <a14:hiddenLine xmlns="" xmlns:a16="http://schemas.microsoft.com/office/drawing/2014/main" xmlns:p14="http://schemas.microsoft.com/office/powerpoint/2010/main" xmlns:a14="http://schemas.microsoft.com/office/drawing/2010/main" w="9525">
                     <a:solidFill>
                       <a:srgbClr val="000000"/>
                     </a:solidFill>
@@ -43821,7 +43823,7 @@
               </a:ln>
               <a:extLst>
                 <a:ext uri="{91240B29-F687-4f45-9708-019B960494DF}">
-                  <a14:hiddenLine xmlns:a14="http://schemas.microsoft.com/office/drawing/2010/main" xmlns:p14="http://schemas.microsoft.com/office/powerpoint/2010/main" xmlns:a16="http://schemas.microsoft.com/office/drawing/2014/main" xmlns="" w="9525">
+                  <a14:hiddenLine xmlns="" xmlns:a16="http://schemas.microsoft.com/office/drawing/2014/main" xmlns:p14="http://schemas.microsoft.com/office/powerpoint/2010/main" xmlns:a14="http://schemas.microsoft.com/office/drawing/2010/main" w="9525">
                     <a:solidFill>
                       <a:srgbClr val="000000"/>
                     </a:solidFill>
@@ -43926,7 +43928,7 @@
               </a:ln>
               <a:extLst>
                 <a:ext uri="{91240B29-F687-4f45-9708-019B960494DF}">
-                  <a14:hiddenLine xmlns:a14="http://schemas.microsoft.com/office/drawing/2010/main" xmlns:p14="http://schemas.microsoft.com/office/powerpoint/2010/main" xmlns:a16="http://schemas.microsoft.com/office/drawing/2014/main" xmlns="" w="9525">
+                  <a14:hiddenLine xmlns="" xmlns:a16="http://schemas.microsoft.com/office/drawing/2014/main" xmlns:p14="http://schemas.microsoft.com/office/powerpoint/2010/main" xmlns:a14="http://schemas.microsoft.com/office/drawing/2010/main" w="9525">
                     <a:solidFill>
                       <a:srgbClr val="000000"/>
                     </a:solidFill>
@@ -44003,7 +44005,7 @@
               </a:ln>
               <a:extLst>
                 <a:ext uri="{91240B29-F687-4f45-9708-019B960494DF}">
-                  <a14:hiddenLine xmlns:a14="http://schemas.microsoft.com/office/drawing/2010/main" xmlns:p14="http://schemas.microsoft.com/office/powerpoint/2010/main" xmlns:a16="http://schemas.microsoft.com/office/drawing/2014/main" xmlns="" w="9525">
+                  <a14:hiddenLine xmlns="" xmlns:a16="http://schemas.microsoft.com/office/drawing/2014/main" xmlns:p14="http://schemas.microsoft.com/office/powerpoint/2010/main" xmlns:a14="http://schemas.microsoft.com/office/drawing/2010/main" w="9525">
                     <a:solidFill>
                       <a:srgbClr val="000000"/>
                     </a:solidFill>
@@ -44108,7 +44110,7 @@
               </a:ln>
               <a:extLst>
                 <a:ext uri="{91240B29-F687-4f45-9708-019B960494DF}">
-                  <a14:hiddenLine xmlns:a14="http://schemas.microsoft.com/office/drawing/2010/main" xmlns:p14="http://schemas.microsoft.com/office/powerpoint/2010/main" xmlns:a16="http://schemas.microsoft.com/office/drawing/2014/main" xmlns="" w="9525">
+                  <a14:hiddenLine xmlns="" xmlns:a16="http://schemas.microsoft.com/office/drawing/2014/main" xmlns:p14="http://schemas.microsoft.com/office/powerpoint/2010/main" xmlns:a14="http://schemas.microsoft.com/office/drawing/2010/main" w="9525">
                     <a:solidFill>
                       <a:srgbClr val="000000"/>
                     </a:solidFill>
@@ -44188,7 +44190,7 @@
               </a:ln>
               <a:extLst>
                 <a:ext uri="{91240B29-F687-4f45-9708-019B960494DF}">
-                  <a14:hiddenLine xmlns:a14="http://schemas.microsoft.com/office/drawing/2010/main" xmlns:p14="http://schemas.microsoft.com/office/powerpoint/2010/main" xmlns:a16="http://schemas.microsoft.com/office/drawing/2014/main" xmlns="" w="9525">
+                  <a14:hiddenLine xmlns="" xmlns:a16="http://schemas.microsoft.com/office/drawing/2014/main" xmlns:p14="http://schemas.microsoft.com/office/powerpoint/2010/main" xmlns:a14="http://schemas.microsoft.com/office/drawing/2010/main" w="9525">
                     <a:solidFill>
                       <a:srgbClr val="000000"/>
                     </a:solidFill>
@@ -44265,7 +44267,7 @@
               </a:ln>
               <a:extLst>
                 <a:ext uri="{91240B29-F687-4f45-9708-019B960494DF}">
-                  <a14:hiddenLine xmlns:a14="http://schemas.microsoft.com/office/drawing/2010/main" xmlns:p14="http://schemas.microsoft.com/office/powerpoint/2010/main" xmlns:a16="http://schemas.microsoft.com/office/drawing/2014/main" xmlns="" w="9525">
+                  <a14:hiddenLine xmlns="" xmlns:a16="http://schemas.microsoft.com/office/drawing/2014/main" xmlns:p14="http://schemas.microsoft.com/office/powerpoint/2010/main" xmlns:a14="http://schemas.microsoft.com/office/drawing/2010/main" w="9525">
                     <a:solidFill>
                       <a:srgbClr val="000000"/>
                     </a:solidFill>
@@ -44370,7 +44372,7 @@
               </a:ln>
               <a:extLst>
                 <a:ext uri="{91240B29-F687-4f45-9708-019B960494DF}">
-                  <a14:hiddenLine xmlns:a14="http://schemas.microsoft.com/office/drawing/2010/main" xmlns:p14="http://schemas.microsoft.com/office/powerpoint/2010/main" xmlns:a16="http://schemas.microsoft.com/office/drawing/2014/main" xmlns="" w="9525">
+                  <a14:hiddenLine xmlns="" xmlns:a16="http://schemas.microsoft.com/office/drawing/2014/main" xmlns:p14="http://schemas.microsoft.com/office/powerpoint/2010/main" xmlns:a14="http://schemas.microsoft.com/office/drawing/2010/main" w="9525">
                     <a:solidFill>
                       <a:srgbClr val="000000"/>
                     </a:solidFill>
@@ -44475,7 +44477,7 @@
               </a:ln>
               <a:extLst>
                 <a:ext uri="{91240B29-F687-4f45-9708-019B960494DF}">
-                  <a14:hiddenLine xmlns:a14="http://schemas.microsoft.com/office/drawing/2010/main" xmlns:p14="http://schemas.microsoft.com/office/powerpoint/2010/main" xmlns:a16="http://schemas.microsoft.com/office/drawing/2014/main" xmlns="" w="9525">
+                  <a14:hiddenLine xmlns="" xmlns:a16="http://schemas.microsoft.com/office/drawing/2014/main" xmlns:p14="http://schemas.microsoft.com/office/powerpoint/2010/main" xmlns:a14="http://schemas.microsoft.com/office/drawing/2010/main" w="9525">
                     <a:solidFill>
                       <a:srgbClr val="000000"/>
                     </a:solidFill>
@@ -44555,7 +44557,7 @@
               </a:ln>
               <a:extLst>
                 <a:ext uri="{91240B29-F687-4f45-9708-019B960494DF}">
-                  <a14:hiddenLine xmlns:a14="http://schemas.microsoft.com/office/drawing/2010/main" xmlns:p14="http://schemas.microsoft.com/office/powerpoint/2010/main" xmlns:a16="http://schemas.microsoft.com/office/drawing/2014/main" xmlns="" w="9525">
+                  <a14:hiddenLine xmlns="" xmlns:a16="http://schemas.microsoft.com/office/drawing/2014/main" xmlns:p14="http://schemas.microsoft.com/office/powerpoint/2010/main" xmlns:a14="http://schemas.microsoft.com/office/drawing/2010/main" w="9525">
                     <a:solidFill>
                       <a:srgbClr val="000000"/>
                     </a:solidFill>
@@ -44690,7 +44692,7 @@
               </a:ln>
               <a:extLst>
                 <a:ext uri="{91240B29-F687-4f45-9708-019B960494DF}">
-                  <a14:hiddenLine xmlns:a14="http://schemas.microsoft.com/office/drawing/2010/main" xmlns:p14="http://schemas.microsoft.com/office/powerpoint/2010/main" xmlns:a16="http://schemas.microsoft.com/office/drawing/2014/main" xmlns="" w="9525">
+                  <a14:hiddenLine xmlns="" xmlns:a16="http://schemas.microsoft.com/office/drawing/2014/main" xmlns:p14="http://schemas.microsoft.com/office/powerpoint/2010/main" xmlns:a14="http://schemas.microsoft.com/office/drawing/2010/main" w="9525">
                     <a:solidFill>
                       <a:srgbClr val="000000"/>
                     </a:solidFill>
@@ -44801,7 +44803,7 @@
               </a:ln>
               <a:extLst>
                 <a:ext uri="{91240B29-F687-4f45-9708-019B960494DF}">
-                  <a14:hiddenLine xmlns:a14="http://schemas.microsoft.com/office/drawing/2010/main" xmlns:p14="http://schemas.microsoft.com/office/powerpoint/2010/main" xmlns:a16="http://schemas.microsoft.com/office/drawing/2014/main" xmlns="" w="9525">
+                  <a14:hiddenLine xmlns="" xmlns:a16="http://schemas.microsoft.com/office/drawing/2014/main" xmlns:p14="http://schemas.microsoft.com/office/powerpoint/2010/main" xmlns:a14="http://schemas.microsoft.com/office/drawing/2010/main" w="9525">
                     <a:solidFill>
                       <a:srgbClr val="000000"/>
                     </a:solidFill>
@@ -44931,7 +44933,7 @@
               </a:ln>
               <a:extLst>
                 <a:ext uri="{91240B29-F687-4f45-9708-019B960494DF}">
-                  <a14:hiddenLine xmlns:a14="http://schemas.microsoft.com/office/drawing/2010/main" xmlns:p14="http://schemas.microsoft.com/office/powerpoint/2010/main" xmlns:a16="http://schemas.microsoft.com/office/drawing/2014/main" xmlns="" w="9525">
+                  <a14:hiddenLine xmlns="" xmlns:a16="http://schemas.microsoft.com/office/drawing/2014/main" xmlns:p14="http://schemas.microsoft.com/office/powerpoint/2010/main" xmlns:a14="http://schemas.microsoft.com/office/drawing/2010/main" w="9525">
                     <a:solidFill>
                       <a:srgbClr val="000000"/>
                     </a:solidFill>
@@ -45036,7 +45038,7 @@
               </a:ln>
               <a:extLst>
                 <a:ext uri="{91240B29-F687-4f45-9708-019B960494DF}">
-                  <a14:hiddenLine xmlns:a14="http://schemas.microsoft.com/office/drawing/2010/main" xmlns:p14="http://schemas.microsoft.com/office/powerpoint/2010/main" xmlns:a16="http://schemas.microsoft.com/office/drawing/2014/main" xmlns="" w="9525">
+                  <a14:hiddenLine xmlns="" xmlns:a16="http://schemas.microsoft.com/office/drawing/2014/main" xmlns:p14="http://schemas.microsoft.com/office/powerpoint/2010/main" xmlns:a14="http://schemas.microsoft.com/office/drawing/2010/main" w="9525">
                     <a:solidFill>
                       <a:srgbClr val="000000"/>
                     </a:solidFill>
@@ -45116,7 +45118,7 @@
               </a:ln>
               <a:extLst>
                 <a:ext uri="{91240B29-F687-4f45-9708-019B960494DF}">
-                  <a14:hiddenLine xmlns:a14="http://schemas.microsoft.com/office/drawing/2010/main" xmlns:p14="http://schemas.microsoft.com/office/powerpoint/2010/main" xmlns:a16="http://schemas.microsoft.com/office/drawing/2014/main" xmlns="" w="9525">
+                  <a14:hiddenLine xmlns="" xmlns:a16="http://schemas.microsoft.com/office/drawing/2014/main" xmlns:p14="http://schemas.microsoft.com/office/powerpoint/2010/main" xmlns:a14="http://schemas.microsoft.com/office/drawing/2010/main" w="9525">
                     <a:solidFill>
                       <a:srgbClr val="000000"/>
                     </a:solidFill>
@@ -45221,7 +45223,7 @@
               </a:ln>
               <a:extLst>
                 <a:ext uri="{91240B29-F687-4f45-9708-019B960494DF}">
-                  <a14:hiddenLine xmlns:a14="http://schemas.microsoft.com/office/drawing/2010/main" xmlns:p14="http://schemas.microsoft.com/office/powerpoint/2010/main" xmlns:a16="http://schemas.microsoft.com/office/drawing/2014/main" xmlns="" w="9525">
+                  <a14:hiddenLine xmlns="" xmlns:a16="http://schemas.microsoft.com/office/drawing/2014/main" xmlns:p14="http://schemas.microsoft.com/office/powerpoint/2010/main" xmlns:a14="http://schemas.microsoft.com/office/drawing/2010/main" w="9525">
                     <a:solidFill>
                       <a:srgbClr val="000000"/>
                     </a:solidFill>
@@ -45304,7 +45306,7 @@
               </a:ln>
               <a:extLst>
                 <a:ext uri="{91240B29-F687-4f45-9708-019B960494DF}">
-                  <a14:hiddenLine xmlns:a14="http://schemas.microsoft.com/office/drawing/2010/main" xmlns:p14="http://schemas.microsoft.com/office/powerpoint/2010/main" xmlns:a16="http://schemas.microsoft.com/office/drawing/2014/main" xmlns="" w="9525">
+                  <a14:hiddenLine xmlns="" xmlns:a16="http://schemas.microsoft.com/office/drawing/2014/main" xmlns:p14="http://schemas.microsoft.com/office/powerpoint/2010/main" xmlns:a14="http://schemas.microsoft.com/office/drawing/2010/main" w="9525">
                     <a:solidFill>
                       <a:srgbClr val="000000"/>
                     </a:solidFill>
@@ -45409,7 +45411,7 @@
               </a:ln>
               <a:extLst>
                 <a:ext uri="{91240B29-F687-4f45-9708-019B960494DF}">
-                  <a14:hiddenLine xmlns:a14="http://schemas.microsoft.com/office/drawing/2010/main" xmlns:p14="http://schemas.microsoft.com/office/powerpoint/2010/main" xmlns:a16="http://schemas.microsoft.com/office/drawing/2014/main" xmlns="" w="9525">
+                  <a14:hiddenLine xmlns="" xmlns:a16="http://schemas.microsoft.com/office/drawing/2014/main" xmlns:p14="http://schemas.microsoft.com/office/powerpoint/2010/main" xmlns:a14="http://schemas.microsoft.com/office/drawing/2010/main" w="9525">
                     <a:solidFill>
                       <a:srgbClr val="000000"/>
                     </a:solidFill>
@@ -45492,7 +45494,7 @@
               </a:ln>
               <a:extLst>
                 <a:ext uri="{91240B29-F687-4f45-9708-019B960494DF}">
-                  <a14:hiddenLine xmlns:a14="http://schemas.microsoft.com/office/drawing/2010/main" xmlns:p14="http://schemas.microsoft.com/office/powerpoint/2010/main" xmlns:a16="http://schemas.microsoft.com/office/drawing/2014/main" xmlns="" w="9525">
+                  <a14:hiddenLine xmlns="" xmlns:a16="http://schemas.microsoft.com/office/drawing/2014/main" xmlns:p14="http://schemas.microsoft.com/office/powerpoint/2010/main" xmlns:a14="http://schemas.microsoft.com/office/drawing/2010/main" w="9525">
                     <a:solidFill>
                       <a:srgbClr val="000000"/>
                     </a:solidFill>
@@ -45597,7 +45599,7 @@
               </a:ln>
               <a:extLst>
                 <a:ext uri="{91240B29-F687-4f45-9708-019B960494DF}">
-                  <a14:hiddenLine xmlns:a14="http://schemas.microsoft.com/office/drawing/2010/main" xmlns:p14="http://schemas.microsoft.com/office/powerpoint/2010/main" xmlns:a16="http://schemas.microsoft.com/office/drawing/2014/main" xmlns="" w="9525">
+                  <a14:hiddenLine xmlns="" xmlns:a16="http://schemas.microsoft.com/office/drawing/2014/main" xmlns:p14="http://schemas.microsoft.com/office/powerpoint/2010/main" xmlns:a14="http://schemas.microsoft.com/office/drawing/2010/main" w="9525">
                     <a:solidFill>
                       <a:srgbClr val="000000"/>
                     </a:solidFill>
@@ -45646,7 +45648,7 @@
               </a:ln>
               <a:extLst>
                 <a:ext uri="{91240B29-F687-4f45-9708-019B960494DF}">
-                  <a14:hiddenLine xmlns:a14="http://schemas.microsoft.com/office/drawing/2010/main" xmlns:p14="http://schemas.microsoft.com/office/powerpoint/2010/main" xmlns:a16="http://schemas.microsoft.com/office/drawing/2014/main" xmlns="" w="9525">
+                  <a14:hiddenLine xmlns="" xmlns:a16="http://schemas.microsoft.com/office/drawing/2014/main" xmlns:p14="http://schemas.microsoft.com/office/powerpoint/2010/main" xmlns:a14="http://schemas.microsoft.com/office/drawing/2010/main" w="9525">
                     <a:solidFill>
                       <a:srgbClr val="000000"/>
                     </a:solidFill>
@@ -47213,7 +47215,7 @@
         </p:blipFill>
         <p:spPr>
           <a:xfrm>
-            <a:off x="597159" y="5327780"/>
+            <a:off x="597159" y="5337111"/>
             <a:ext cx="11278904" cy="1395989"/>
           </a:xfrm>
           <a:prstGeom prst="rect">
@@ -48302,6 +48304,82 @@
           <p:cNvPr id="2" name="Title 1">
             <a:extLst>
               <a:ext uri="{FF2B5EF4-FFF2-40B4-BE49-F238E27FC236}">
+                <a16:creationId xmlns:a16="http://schemas.microsoft.com/office/drawing/2014/main" id="{FFA9883A-0D66-4C54-AB88-B3721C0827C9}"/>
+              </a:ext>
+            </a:extLst>
+          </p:cNvPr>
+          <p:cNvSpPr>
+            <a:spLocks noGrp="1"/>
+          </p:cNvSpPr>
+          <p:nvPr>
+            <p:ph type="title"/>
+          </p:nvPr>
+        </p:nvSpPr>
+        <p:spPr>
+          <a:xfrm>
+            <a:off x="1141413" y="618517"/>
+            <a:ext cx="10157958" cy="5185123"/>
+          </a:xfrm>
+        </p:spPr>
+        <p:txBody>
+          <a:bodyPr>
+            <a:normAutofit/>
+          </a:bodyPr>
+          <a:lstStyle/>
+          <a:p>
+            <a:r>
+              <a:rPr lang="en-US" dirty="0">
+                <a:latin typeface="Agency FB" panose="020B0503020202020204" pitchFamily="34" charset="0"/>
+              </a:rPr>
+              <a:t>The Models show us the accuracy of prediction of the customer rating and user feedback on various features of the products can determine and guide the app market to the right direction for future </a:t>
+            </a:r>
+            <a:r>
+              <a:rPr lang="en-US">
+                <a:latin typeface="Agency FB" panose="020B0503020202020204" pitchFamily="34" charset="0"/>
+              </a:rPr>
+              <a:t>app development. </a:t>
+            </a:r>
+            <a:endParaRPr lang="en-US" dirty="0">
+              <a:latin typeface="Agency FB" panose="020B0503020202020204" pitchFamily="34" charset="0"/>
+            </a:endParaRPr>
+          </a:p>
+        </p:txBody>
+      </p:sp>
+    </p:spTree>
+    <p:extLst>
+      <p:ext uri="{BB962C8B-B14F-4D97-AF65-F5344CB8AC3E}">
+        <p14:creationId xmlns:p14="http://schemas.microsoft.com/office/powerpoint/2010/main" val="1470412442"/>
+      </p:ext>
+    </p:extLst>
+  </p:cSld>
+  <p:clrMapOvr>
+    <a:masterClrMapping/>
+  </p:clrMapOvr>
+</p:sld>
+</file>
+
+<file path=ppt/slides/slide32.xml><?xml version="1.0" encoding="utf-8"?>
+<p:sld xmlns:a="http://schemas.openxmlformats.org/drawingml/2006/main" xmlns:r="http://schemas.openxmlformats.org/officeDocument/2006/relationships" xmlns:p="http://schemas.openxmlformats.org/presentationml/2006/main">
+  <p:cSld>
+    <p:spTree>
+      <p:nvGrpSpPr>
+        <p:cNvPr id="1" name=""/>
+        <p:cNvGrpSpPr/>
+        <p:nvPr/>
+      </p:nvGrpSpPr>
+      <p:grpSpPr>
+        <a:xfrm>
+          <a:off x="0" y="0"/>
+          <a:ext cx="0" cy="0"/>
+          <a:chOff x="0" y="0"/>
+          <a:chExt cx="0" cy="0"/>
+        </a:xfrm>
+      </p:grpSpPr>
+      <p:sp>
+        <p:nvSpPr>
+          <p:cNvPr id="2" name="Title 1">
+            <a:extLst>
+              <a:ext uri="{FF2B5EF4-FFF2-40B4-BE49-F238E27FC236}">
                 <a16:creationId xmlns:a16="http://schemas.microsoft.com/office/drawing/2014/main" id="{8EF7D925-8380-43B4-A2EE-06944F66658B}"/>
               </a:ext>
             </a:extLst>
@@ -48551,7 +48629,7 @@
 </p:sld>
 </file>
 
-<file path=ppt/slides/slide32.xml><?xml version="1.0" encoding="utf-8"?>
+<file path=ppt/slides/slide33.xml><?xml version="1.0" encoding="utf-8"?>
 <p:sld xmlns:a="http://schemas.openxmlformats.org/drawingml/2006/main" xmlns:r="http://schemas.openxmlformats.org/officeDocument/2006/relationships" xmlns:p="http://schemas.openxmlformats.org/presentationml/2006/main">
   <p:cSld>
     <p:spTree>
@@ -49260,8 +49338,8 @@
         </p:blipFill>
         <p:spPr>
           <a:xfrm>
-            <a:off x="1809750" y="0"/>
-            <a:ext cx="8572500" cy="6858000"/>
+            <a:off x="1082351" y="0"/>
+            <a:ext cx="10459615" cy="6858000"/>
           </a:xfrm>
           <a:prstGeom prst="rect">
             <a:avLst/>
